--- a/prezentacja.pptx
+++ b/prezentacja.pptx
@@ -13,6 +13,26 @@
     <p:sldId id="260" r:id="rId8"/>
     <p:sldId id="261" r:id="rId9"/>
     <p:sldId id="262" r:id="rId10"/>
+    <p:sldId id="263" r:id="rId11"/>
+    <p:sldId id="264" r:id="rId12"/>
+    <p:sldId id="265" r:id="rId13"/>
+    <p:sldId id="266" r:id="rId14"/>
+    <p:sldId id="267" r:id="rId15"/>
+    <p:sldId id="268" r:id="rId16"/>
+    <p:sldId id="269" r:id="rId17"/>
+    <p:sldId id="270" r:id="rId18"/>
+    <p:sldId id="271" r:id="rId19"/>
+    <p:sldId id="272" r:id="rId20"/>
+    <p:sldId id="273" r:id="rId21"/>
+    <p:sldId id="274" r:id="rId22"/>
+    <p:sldId id="275" r:id="rId23"/>
+    <p:sldId id="276" r:id="rId24"/>
+    <p:sldId id="277" r:id="rId25"/>
+    <p:sldId id="278" r:id="rId26"/>
+    <p:sldId id="279" r:id="rId27"/>
+    <p:sldId id="280" r:id="rId28"/>
+    <p:sldId id="281" r:id="rId29"/>
+    <p:sldId id="282" r:id="rId30"/>
   </p:sldIdLst>
   <p:sldSz cx="10080625" cy="5670550"/>
   <p:notesSz cx="7559675" cy="10691813"/>
@@ -70,8 +90,8 @@
         </p:nvSpPr>
         <p:spPr>
           <a:xfrm>
-            <a:off x="360000" y="180000"/>
-            <a:ext cx="9360000" cy="478080"/>
+            <a:off x="360000" y="106200"/>
+            <a:ext cx="9359640" cy="625320"/>
           </a:xfrm>
           <a:prstGeom prst="rect">
             <a:avLst/>
@@ -89,10 +109,7 @@
             <a:pPr algn="ctr">
               <a:buNone/>
             </a:pPr>
-            <a:endParaRPr b="0" lang="en-US" sz="3300" spc="-1" strike="noStrike">
-              <a:solidFill>
-                <a:srgbClr val="ffffff"/>
-              </a:solidFill>
+            <a:endParaRPr b="0" lang="en-US" sz="4400" spc="-1" strike="noStrike">
               <a:latin typeface="Arial"/>
             </a:endParaRPr>
           </a:p>
@@ -111,7 +128,7 @@
         <p:spPr>
           <a:xfrm>
             <a:off x="360000" y="1080000"/>
-            <a:ext cx="9360000" cy="1716840"/>
+            <a:ext cx="9359640" cy="1716840"/>
           </a:xfrm>
           <a:prstGeom prst="rect">
             <a:avLst/>
@@ -123,13 +140,10 @@
         </p:spPr>
         <p:txBody>
           <a:bodyPr lIns="0" rIns="0" tIns="0" bIns="0" anchor="t">
-            <a:noAutofit/>
-          </a:bodyPr>
-          <a:p>
-            <a:endParaRPr b="0" lang="en-US" sz="2400" spc="-1" strike="noStrike">
-              <a:solidFill>
-                <a:srgbClr val="009bdd"/>
-              </a:solidFill>
+            <a:normAutofit/>
+          </a:bodyPr>
+          <a:p>
+            <a:endParaRPr b="0" lang="en-US" sz="3200" spc="-1" strike="noStrike">
               <a:latin typeface="Arial"/>
             </a:endParaRPr>
           </a:p>
@@ -148,7 +162,7 @@
         <p:spPr>
           <a:xfrm>
             <a:off x="360000" y="2960280"/>
-            <a:ext cx="9360000" cy="1716840"/>
+            <a:ext cx="9359640" cy="1716840"/>
           </a:xfrm>
           <a:prstGeom prst="rect">
             <a:avLst/>
@@ -160,13 +174,10 @@
         </p:spPr>
         <p:txBody>
           <a:bodyPr lIns="0" rIns="0" tIns="0" bIns="0" anchor="t">
-            <a:noAutofit/>
-          </a:bodyPr>
-          <a:p>
-            <a:endParaRPr b="0" lang="en-US" sz="2400" spc="-1" strike="noStrike">
-              <a:solidFill>
-                <a:srgbClr val="009bdd"/>
-              </a:solidFill>
+            <a:normAutofit/>
+          </a:bodyPr>
+          <a:p>
+            <a:endParaRPr b="0" lang="en-US" sz="3200" spc="-1" strike="noStrike">
               <a:latin typeface="Arial"/>
             </a:endParaRPr>
           </a:p>
@@ -206,8 +217,8 @@
         </p:nvSpPr>
         <p:spPr>
           <a:xfrm>
-            <a:off x="360000" y="180000"/>
-            <a:ext cx="9360000" cy="478080"/>
+            <a:off x="360000" y="106200"/>
+            <a:ext cx="9359640" cy="625320"/>
           </a:xfrm>
           <a:prstGeom prst="rect">
             <a:avLst/>
@@ -225,10 +236,7 @@
             <a:pPr algn="ctr">
               <a:buNone/>
             </a:pPr>
-            <a:endParaRPr b="0" lang="en-US" sz="3300" spc="-1" strike="noStrike">
-              <a:solidFill>
-                <a:srgbClr val="ffffff"/>
-              </a:solidFill>
+            <a:endParaRPr b="0" lang="en-US" sz="4400" spc="-1" strike="noStrike">
               <a:latin typeface="Arial"/>
             </a:endParaRPr>
           </a:p>
@@ -259,13 +267,10 @@
         </p:spPr>
         <p:txBody>
           <a:bodyPr lIns="0" rIns="0" tIns="0" bIns="0" anchor="t">
-            <a:noAutofit/>
-          </a:bodyPr>
-          <a:p>
-            <a:endParaRPr b="0" lang="en-US" sz="2400" spc="-1" strike="noStrike">
-              <a:solidFill>
-                <a:srgbClr val="009bdd"/>
-              </a:solidFill>
+            <a:normAutofit/>
+          </a:bodyPr>
+          <a:p>
+            <a:endParaRPr b="0" lang="en-US" sz="3200" spc="-1" strike="noStrike">
               <a:latin typeface="Arial"/>
             </a:endParaRPr>
           </a:p>
@@ -296,13 +301,10 @@
         </p:spPr>
         <p:txBody>
           <a:bodyPr lIns="0" rIns="0" tIns="0" bIns="0" anchor="t">
-            <a:noAutofit/>
-          </a:bodyPr>
-          <a:p>
-            <a:endParaRPr b="0" lang="en-US" sz="2400" spc="-1" strike="noStrike">
-              <a:solidFill>
-                <a:srgbClr val="009bdd"/>
-              </a:solidFill>
+            <a:normAutofit/>
+          </a:bodyPr>
+          <a:p>
+            <a:endParaRPr b="0" lang="en-US" sz="3200" spc="-1" strike="noStrike">
               <a:latin typeface="Arial"/>
             </a:endParaRPr>
           </a:p>
@@ -333,13 +335,10 @@
         </p:spPr>
         <p:txBody>
           <a:bodyPr lIns="0" rIns="0" tIns="0" bIns="0" anchor="t">
-            <a:noAutofit/>
-          </a:bodyPr>
-          <a:p>
-            <a:endParaRPr b="0" lang="en-US" sz="2400" spc="-1" strike="noStrike">
-              <a:solidFill>
-                <a:srgbClr val="009bdd"/>
-              </a:solidFill>
+            <a:normAutofit/>
+          </a:bodyPr>
+          <a:p>
+            <a:endParaRPr b="0" lang="en-US" sz="3200" spc="-1" strike="noStrike">
               <a:latin typeface="Arial"/>
             </a:endParaRPr>
           </a:p>
@@ -370,13 +369,10 @@
         </p:spPr>
         <p:txBody>
           <a:bodyPr lIns="0" rIns="0" tIns="0" bIns="0" anchor="t">
-            <a:noAutofit/>
-          </a:bodyPr>
-          <a:p>
-            <a:endParaRPr b="0" lang="en-US" sz="2400" spc="-1" strike="noStrike">
-              <a:solidFill>
-                <a:srgbClr val="009bdd"/>
-              </a:solidFill>
+            <a:normAutofit/>
+          </a:bodyPr>
+          <a:p>
+            <a:endParaRPr b="0" lang="en-US" sz="3200" spc="-1" strike="noStrike">
               <a:latin typeface="Arial"/>
             </a:endParaRPr>
           </a:p>
@@ -416,8 +412,8 @@
         </p:nvSpPr>
         <p:spPr>
           <a:xfrm>
-            <a:off x="360000" y="180000"/>
-            <a:ext cx="9360000" cy="478080"/>
+            <a:off x="360000" y="106200"/>
+            <a:ext cx="9359640" cy="625320"/>
           </a:xfrm>
           <a:prstGeom prst="rect">
             <a:avLst/>
@@ -435,10 +431,7 @@
             <a:pPr algn="ctr">
               <a:buNone/>
             </a:pPr>
-            <a:endParaRPr b="0" lang="en-US" sz="3300" spc="-1" strike="noStrike">
-              <a:solidFill>
-                <a:srgbClr val="ffffff"/>
-              </a:solidFill>
+            <a:endParaRPr b="0" lang="en-US" sz="4400" spc="-1" strike="noStrike">
               <a:latin typeface="Arial"/>
             </a:endParaRPr>
           </a:p>
@@ -469,13 +462,10 @@
         </p:spPr>
         <p:txBody>
           <a:bodyPr lIns="0" rIns="0" tIns="0" bIns="0" anchor="t">
-            <a:noAutofit/>
-          </a:bodyPr>
-          <a:p>
-            <a:endParaRPr b="0" lang="en-US" sz="2400" spc="-1" strike="noStrike">
-              <a:solidFill>
-                <a:srgbClr val="009bdd"/>
-              </a:solidFill>
+            <a:normAutofit/>
+          </a:bodyPr>
+          <a:p>
+            <a:endParaRPr b="0" lang="en-US" sz="3200" spc="-1" strike="noStrike">
               <a:latin typeface="Arial"/>
             </a:endParaRPr>
           </a:p>
@@ -506,13 +496,10 @@
         </p:spPr>
         <p:txBody>
           <a:bodyPr lIns="0" rIns="0" tIns="0" bIns="0" anchor="t">
-            <a:noAutofit/>
-          </a:bodyPr>
-          <a:p>
-            <a:endParaRPr b="0" lang="en-US" sz="2400" spc="-1" strike="noStrike">
-              <a:solidFill>
-                <a:srgbClr val="009bdd"/>
-              </a:solidFill>
+            <a:normAutofit/>
+          </a:bodyPr>
+          <a:p>
+            <a:endParaRPr b="0" lang="en-US" sz="3200" spc="-1" strike="noStrike">
               <a:latin typeface="Arial"/>
             </a:endParaRPr>
           </a:p>
@@ -543,13 +530,10 @@
         </p:spPr>
         <p:txBody>
           <a:bodyPr lIns="0" rIns="0" tIns="0" bIns="0" anchor="t">
-            <a:noAutofit/>
-          </a:bodyPr>
-          <a:p>
-            <a:endParaRPr b="0" lang="en-US" sz="2400" spc="-1" strike="noStrike">
-              <a:solidFill>
-                <a:srgbClr val="009bdd"/>
-              </a:solidFill>
+            <a:normAutofit/>
+          </a:bodyPr>
+          <a:p>
+            <a:endParaRPr b="0" lang="en-US" sz="3200" spc="-1" strike="noStrike">
               <a:latin typeface="Arial"/>
             </a:endParaRPr>
           </a:p>
@@ -580,13 +564,10 @@
         </p:spPr>
         <p:txBody>
           <a:bodyPr lIns="0" rIns="0" tIns="0" bIns="0" anchor="t">
-            <a:noAutofit/>
-          </a:bodyPr>
-          <a:p>
-            <a:endParaRPr b="0" lang="en-US" sz="2400" spc="-1" strike="noStrike">
-              <a:solidFill>
-                <a:srgbClr val="009bdd"/>
-              </a:solidFill>
+            <a:normAutofit/>
+          </a:bodyPr>
+          <a:p>
+            <a:endParaRPr b="0" lang="en-US" sz="3200" spc="-1" strike="noStrike">
               <a:latin typeface="Arial"/>
             </a:endParaRPr>
           </a:p>
@@ -617,13 +598,10 @@
         </p:spPr>
         <p:txBody>
           <a:bodyPr lIns="0" rIns="0" tIns="0" bIns="0" anchor="t">
-            <a:noAutofit/>
-          </a:bodyPr>
-          <a:p>
-            <a:endParaRPr b="0" lang="en-US" sz="2400" spc="-1" strike="noStrike">
-              <a:solidFill>
-                <a:srgbClr val="009bdd"/>
-              </a:solidFill>
+            <a:normAutofit/>
+          </a:bodyPr>
+          <a:p>
+            <a:endParaRPr b="0" lang="en-US" sz="3200" spc="-1" strike="noStrike">
               <a:latin typeface="Arial"/>
             </a:endParaRPr>
           </a:p>
@@ -654,13 +632,10 @@
         </p:spPr>
         <p:txBody>
           <a:bodyPr lIns="0" rIns="0" tIns="0" bIns="0" anchor="t">
-            <a:noAutofit/>
-          </a:bodyPr>
-          <a:p>
-            <a:endParaRPr b="0" lang="en-US" sz="2400" spc="-1" strike="noStrike">
-              <a:solidFill>
-                <a:srgbClr val="009bdd"/>
-              </a:solidFill>
+            <a:normAutofit/>
+          </a:bodyPr>
+          <a:p>
+            <a:endParaRPr b="0" lang="en-US" sz="3200" spc="-1" strike="noStrike">
               <a:latin typeface="Arial"/>
             </a:endParaRPr>
           </a:p>
@@ -695,7 +670,7 @@
             <a:spLocks noGrp="1"/>
           </p:cNvSpPr>
           <p:nvPr>
-            <p:ph type="ftr" idx="2"/>
+            <p:ph type="ftr" idx="1"/>
           </p:nvPr>
         </p:nvSpPr>
         <p:spPr/>
@@ -715,14 +690,14 @@
             <a:spLocks noGrp="1"/>
           </p:cNvSpPr>
           <p:nvPr>
-            <p:ph type="sldNum" idx="3"/>
+            <p:ph type="sldNum" idx="2"/>
           </p:nvPr>
         </p:nvSpPr>
         <p:spPr/>
         <p:txBody>
           <a:bodyPr/>
           <a:p>
-            <a:fld id="{DB8A7151-742C-4DA4-A6C3-FE9D7C8EBD93}" type="slidenum">
+            <a:fld id="{F4E33164-9F20-464C-965C-6F3808CDACE2}" type="slidenum">
               <a:t>&lt;#&gt;</a:t>
             </a:fld>
           </a:p>
@@ -735,7 +710,7 @@
             <a:spLocks noGrp="1"/>
           </p:cNvSpPr>
           <p:nvPr>
-            <p:ph type="dt" idx="1"/>
+            <p:ph type="dt" idx="3"/>
           </p:nvPr>
         </p:nvSpPr>
         <p:spPr/>
@@ -783,8 +758,8 @@
         </p:nvSpPr>
         <p:spPr>
           <a:xfrm>
-            <a:off x="360000" y="180000"/>
-            <a:ext cx="9360000" cy="478080"/>
+            <a:off x="360000" y="106200"/>
+            <a:ext cx="9359640" cy="625320"/>
           </a:xfrm>
           <a:prstGeom prst="rect">
             <a:avLst/>
@@ -802,10 +777,7 @@
             <a:pPr algn="ctr">
               <a:buNone/>
             </a:pPr>
-            <a:endParaRPr b="0" lang="en-US" sz="3300" spc="-1" strike="noStrike">
-              <a:solidFill>
-                <a:srgbClr val="ffffff"/>
-              </a:solidFill>
+            <a:endParaRPr b="0" lang="en-US" sz="4400" spc="-1" strike="noStrike">
               <a:latin typeface="Arial"/>
             </a:endParaRPr>
           </a:p>
@@ -824,7 +796,7 @@
         <p:spPr>
           <a:xfrm>
             <a:off x="360000" y="1080000"/>
-            <a:ext cx="9360000" cy="3600000"/>
+            <a:ext cx="9359640" cy="3599640"/>
           </a:xfrm>
           <a:prstGeom prst="rect">
             <a:avLst/>
@@ -843,9 +815,6 @@
               <a:buNone/>
             </a:pPr>
             <a:endParaRPr b="0" lang="en-US" sz="3200" spc="-1" strike="noStrike">
-              <a:highlight>
-                <a:srgbClr val="ffffff"/>
-              </a:highlight>
               <a:latin typeface="Arial"/>
             </a:endParaRPr>
           </a:p>
@@ -858,7 +827,7 @@
             <a:spLocks noGrp="1"/>
           </p:cNvSpPr>
           <p:nvPr>
-            <p:ph type="ftr" idx="2"/>
+            <p:ph type="ftr" idx="1"/>
           </p:nvPr>
         </p:nvSpPr>
         <p:spPr/>
@@ -878,14 +847,14 @@
             <a:spLocks noGrp="1"/>
           </p:cNvSpPr>
           <p:nvPr>
-            <p:ph type="sldNum" idx="3"/>
+            <p:ph type="sldNum" idx="2"/>
           </p:nvPr>
         </p:nvSpPr>
         <p:spPr/>
         <p:txBody>
           <a:bodyPr/>
           <a:p>
-            <a:fld id="{96DC77FD-DE87-49E6-96FC-62BCB1A223BF}" type="slidenum">
+            <a:fld id="{603E18F7-1820-44F9-B1E3-EF28670685FB}" type="slidenum">
               <a:t>&lt;#&gt;</a:t>
             </a:fld>
           </a:p>
@@ -898,7 +867,7 @@
             <a:spLocks noGrp="1"/>
           </p:cNvSpPr>
           <p:nvPr>
-            <p:ph type="dt" idx="1"/>
+            <p:ph type="dt" idx="3"/>
           </p:nvPr>
         </p:nvSpPr>
         <p:spPr/>
@@ -946,8 +915,8 @@
         </p:nvSpPr>
         <p:spPr>
           <a:xfrm>
-            <a:off x="360000" y="180000"/>
-            <a:ext cx="9360000" cy="478080"/>
+            <a:off x="360000" y="106200"/>
+            <a:ext cx="9359640" cy="625320"/>
           </a:xfrm>
           <a:prstGeom prst="rect">
             <a:avLst/>
@@ -965,10 +934,7 @@
             <a:pPr algn="ctr">
               <a:buNone/>
             </a:pPr>
-            <a:endParaRPr b="0" lang="en-US" sz="3300" spc="-1" strike="noStrike">
-              <a:solidFill>
-                <a:srgbClr val="ffffff"/>
-              </a:solidFill>
+            <a:endParaRPr b="0" lang="en-US" sz="4400" spc="-1" strike="noStrike">
               <a:latin typeface="Arial"/>
             </a:endParaRPr>
           </a:p>
@@ -987,7 +953,7 @@
         <p:spPr>
           <a:xfrm>
             <a:off x="360000" y="1080000"/>
-            <a:ext cx="9360000" cy="3600000"/>
+            <a:ext cx="9359640" cy="3599640"/>
           </a:xfrm>
           <a:prstGeom prst="rect">
             <a:avLst/>
@@ -999,13 +965,10 @@
         </p:spPr>
         <p:txBody>
           <a:bodyPr lIns="0" rIns="0" tIns="0" bIns="0" anchor="t">
-            <a:noAutofit/>
-          </a:bodyPr>
-          <a:p>
-            <a:endParaRPr b="0" lang="en-US" sz="2400" spc="-1" strike="noStrike">
-              <a:solidFill>
-                <a:srgbClr val="009bdd"/>
-              </a:solidFill>
+            <a:normAutofit/>
+          </a:bodyPr>
+          <a:p>
+            <a:endParaRPr b="0" lang="en-US" sz="3200" spc="-1" strike="noStrike">
               <a:latin typeface="Arial"/>
             </a:endParaRPr>
           </a:p>
@@ -1018,7 +981,7 @@
             <a:spLocks noGrp="1"/>
           </p:cNvSpPr>
           <p:nvPr>
-            <p:ph type="ftr" idx="2"/>
+            <p:ph type="ftr" idx="1"/>
           </p:nvPr>
         </p:nvSpPr>
         <p:spPr/>
@@ -1038,14 +1001,14 @@
             <a:spLocks noGrp="1"/>
           </p:cNvSpPr>
           <p:nvPr>
-            <p:ph type="sldNum" idx="3"/>
+            <p:ph type="sldNum" idx="2"/>
           </p:nvPr>
         </p:nvSpPr>
         <p:spPr/>
         <p:txBody>
           <a:bodyPr/>
           <a:p>
-            <a:fld id="{62DD39BD-CF47-4B60-AA4F-7465B3BA44D1}" type="slidenum">
+            <a:fld id="{721B96CE-7378-4101-ACB4-B6CE7234A6DA}" type="slidenum">
               <a:t>&lt;#&gt;</a:t>
             </a:fld>
           </a:p>
@@ -1058,7 +1021,7 @@
             <a:spLocks noGrp="1"/>
           </p:cNvSpPr>
           <p:nvPr>
-            <p:ph type="dt" idx="1"/>
+            <p:ph type="dt" idx="3"/>
           </p:nvPr>
         </p:nvSpPr>
         <p:spPr/>
@@ -1106,8 +1069,8 @@
         </p:nvSpPr>
         <p:spPr>
           <a:xfrm>
-            <a:off x="360000" y="180000"/>
-            <a:ext cx="9360000" cy="478080"/>
+            <a:off x="360000" y="106200"/>
+            <a:ext cx="9359640" cy="625320"/>
           </a:xfrm>
           <a:prstGeom prst="rect">
             <a:avLst/>
@@ -1125,10 +1088,7 @@
             <a:pPr algn="ctr">
               <a:buNone/>
             </a:pPr>
-            <a:endParaRPr b="0" lang="en-US" sz="3300" spc="-1" strike="noStrike">
-              <a:solidFill>
-                <a:srgbClr val="ffffff"/>
-              </a:solidFill>
+            <a:endParaRPr b="0" lang="en-US" sz="4400" spc="-1" strike="noStrike">
               <a:latin typeface="Arial"/>
             </a:endParaRPr>
           </a:p>
@@ -1147,7 +1107,7 @@
         <p:spPr>
           <a:xfrm>
             <a:off x="360000" y="1080000"/>
-            <a:ext cx="4567320" cy="3600000"/>
+            <a:ext cx="4567320" cy="3599640"/>
           </a:xfrm>
           <a:prstGeom prst="rect">
             <a:avLst/>
@@ -1159,13 +1119,10 @@
         </p:spPr>
         <p:txBody>
           <a:bodyPr lIns="0" rIns="0" tIns="0" bIns="0" anchor="t">
-            <a:noAutofit/>
-          </a:bodyPr>
-          <a:p>
-            <a:endParaRPr b="0" lang="en-US" sz="2400" spc="-1" strike="noStrike">
-              <a:solidFill>
-                <a:srgbClr val="009bdd"/>
-              </a:solidFill>
+            <a:normAutofit/>
+          </a:bodyPr>
+          <a:p>
+            <a:endParaRPr b="0" lang="en-US" sz="3200" spc="-1" strike="noStrike">
               <a:latin typeface="Arial"/>
             </a:endParaRPr>
           </a:p>
@@ -1184,7 +1141,7 @@
         <p:spPr>
           <a:xfrm>
             <a:off x="5155920" y="1080000"/>
-            <a:ext cx="4567320" cy="3600000"/>
+            <a:ext cx="4567320" cy="3599640"/>
           </a:xfrm>
           <a:prstGeom prst="rect">
             <a:avLst/>
@@ -1196,13 +1153,10 @@
         </p:spPr>
         <p:txBody>
           <a:bodyPr lIns="0" rIns="0" tIns="0" bIns="0" anchor="t">
-            <a:noAutofit/>
-          </a:bodyPr>
-          <a:p>
-            <a:endParaRPr b="0" lang="en-US" sz="2400" spc="-1" strike="noStrike">
-              <a:solidFill>
-                <a:srgbClr val="009bdd"/>
-              </a:solidFill>
+            <a:normAutofit/>
+          </a:bodyPr>
+          <a:p>
+            <a:endParaRPr b="0" lang="en-US" sz="3200" spc="-1" strike="noStrike">
               <a:latin typeface="Arial"/>
             </a:endParaRPr>
           </a:p>
@@ -1215,7 +1169,7 @@
             <a:spLocks noGrp="1"/>
           </p:cNvSpPr>
           <p:nvPr>
-            <p:ph type="ftr" idx="2"/>
+            <p:ph type="ftr" idx="1"/>
           </p:nvPr>
         </p:nvSpPr>
         <p:spPr/>
@@ -1235,14 +1189,14 @@
             <a:spLocks noGrp="1"/>
           </p:cNvSpPr>
           <p:nvPr>
-            <p:ph type="sldNum" idx="3"/>
+            <p:ph type="sldNum" idx="2"/>
           </p:nvPr>
         </p:nvSpPr>
         <p:spPr/>
         <p:txBody>
           <a:bodyPr/>
           <a:p>
-            <a:fld id="{9052F826-7865-4B20-8F30-72BE31251D00}" type="slidenum">
+            <a:fld id="{A1798F2A-A3F4-46AB-A29C-AC443A3058FF}" type="slidenum">
               <a:t>&lt;#&gt;</a:t>
             </a:fld>
           </a:p>
@@ -1255,7 +1209,7 @@
             <a:spLocks noGrp="1"/>
           </p:cNvSpPr>
           <p:nvPr>
-            <p:ph type="dt" idx="1"/>
+            <p:ph type="dt" idx="3"/>
           </p:nvPr>
         </p:nvSpPr>
         <p:spPr/>
@@ -1303,8 +1257,8 @@
         </p:nvSpPr>
         <p:spPr>
           <a:xfrm>
-            <a:off x="360000" y="180000"/>
-            <a:ext cx="9360000" cy="478080"/>
+            <a:off x="360000" y="106200"/>
+            <a:ext cx="9359640" cy="625320"/>
           </a:xfrm>
           <a:prstGeom prst="rect">
             <a:avLst/>
@@ -1322,10 +1276,7 @@
             <a:pPr algn="ctr">
               <a:buNone/>
             </a:pPr>
-            <a:endParaRPr b="0" lang="en-US" sz="3300" spc="-1" strike="noStrike">
-              <a:solidFill>
-                <a:srgbClr val="ffffff"/>
-              </a:solidFill>
+            <a:endParaRPr b="0" lang="en-US" sz="4400" spc="-1" strike="noStrike">
               <a:latin typeface="Arial"/>
             </a:endParaRPr>
           </a:p>
@@ -1338,7 +1289,7 @@
             <a:spLocks noGrp="1"/>
           </p:cNvSpPr>
           <p:nvPr>
-            <p:ph type="ftr" idx="2"/>
+            <p:ph type="ftr" idx="1"/>
           </p:nvPr>
         </p:nvSpPr>
         <p:spPr/>
@@ -1358,14 +1309,14 @@
             <a:spLocks noGrp="1"/>
           </p:cNvSpPr>
           <p:nvPr>
-            <p:ph type="sldNum" idx="3"/>
+            <p:ph type="sldNum" idx="2"/>
           </p:nvPr>
         </p:nvSpPr>
         <p:spPr/>
         <p:txBody>
           <a:bodyPr/>
           <a:p>
-            <a:fld id="{D087ADD2-84AA-481C-AE52-895C040A5918}" type="slidenum">
+            <a:fld id="{06E440D6-A7AC-4548-BB1D-053F39984147}" type="slidenum">
               <a:t>&lt;#&gt;</a:t>
             </a:fld>
           </a:p>
@@ -1378,7 +1329,7 @@
             <a:spLocks noGrp="1"/>
           </p:cNvSpPr>
           <p:nvPr>
-            <p:ph type="dt" idx="1"/>
+            <p:ph type="dt" idx="3"/>
           </p:nvPr>
         </p:nvSpPr>
         <p:spPr/>
@@ -1427,7 +1378,7 @@
         <p:spPr>
           <a:xfrm>
             <a:off x="360000" y="180000"/>
-            <a:ext cx="9360000" cy="2217240"/>
+            <a:ext cx="9359640" cy="2215800"/>
           </a:xfrm>
           <a:prstGeom prst="rect">
             <a:avLst/>
@@ -1446,9 +1397,6 @@
               <a:buNone/>
             </a:pPr>
             <a:endParaRPr b="0" lang="en-US" sz="3200" spc="-1" strike="noStrike">
-              <a:highlight>
-                <a:srgbClr val="ffffff"/>
-              </a:highlight>
               <a:latin typeface="Arial"/>
             </a:endParaRPr>
           </a:p>
@@ -1461,7 +1409,7 @@
             <a:spLocks noGrp="1"/>
           </p:cNvSpPr>
           <p:nvPr>
-            <p:ph type="ftr" idx="2"/>
+            <p:ph type="ftr" idx="1"/>
           </p:nvPr>
         </p:nvSpPr>
         <p:spPr/>
@@ -1481,14 +1429,14 @@
             <a:spLocks noGrp="1"/>
           </p:cNvSpPr>
           <p:nvPr>
-            <p:ph type="sldNum" idx="3"/>
+            <p:ph type="sldNum" idx="2"/>
           </p:nvPr>
         </p:nvSpPr>
         <p:spPr/>
         <p:txBody>
           <a:bodyPr/>
           <a:p>
-            <a:fld id="{5F7BE1DE-8335-4639-9543-7AF370F5E184}" type="slidenum">
+            <a:fld id="{BED960E7-88CA-4D74-BD13-371A7054B008}" type="slidenum">
               <a:t>&lt;#&gt;</a:t>
             </a:fld>
           </a:p>
@@ -1501,7 +1449,7 @@
             <a:spLocks noGrp="1"/>
           </p:cNvSpPr>
           <p:nvPr>
-            <p:ph type="dt" idx="1"/>
+            <p:ph type="dt" idx="3"/>
           </p:nvPr>
         </p:nvSpPr>
         <p:spPr/>
@@ -1549,8 +1497,8 @@
         </p:nvSpPr>
         <p:spPr>
           <a:xfrm>
-            <a:off x="360000" y="180000"/>
-            <a:ext cx="9360000" cy="478080"/>
+            <a:off x="360000" y="106200"/>
+            <a:ext cx="9359640" cy="625320"/>
           </a:xfrm>
           <a:prstGeom prst="rect">
             <a:avLst/>
@@ -1568,10 +1516,7 @@
             <a:pPr algn="ctr">
               <a:buNone/>
             </a:pPr>
-            <a:endParaRPr b="0" lang="en-US" sz="3300" spc="-1" strike="noStrike">
-              <a:solidFill>
-                <a:srgbClr val="ffffff"/>
-              </a:solidFill>
+            <a:endParaRPr b="0" lang="en-US" sz="4400" spc="-1" strike="noStrike">
               <a:latin typeface="Arial"/>
             </a:endParaRPr>
           </a:p>
@@ -1602,13 +1547,10 @@
         </p:spPr>
         <p:txBody>
           <a:bodyPr lIns="0" rIns="0" tIns="0" bIns="0" anchor="t">
-            <a:noAutofit/>
-          </a:bodyPr>
-          <a:p>
-            <a:endParaRPr b="0" lang="en-US" sz="2400" spc="-1" strike="noStrike">
-              <a:solidFill>
-                <a:srgbClr val="009bdd"/>
-              </a:solidFill>
+            <a:normAutofit/>
+          </a:bodyPr>
+          <a:p>
+            <a:endParaRPr b="0" lang="en-US" sz="3200" spc="-1" strike="noStrike">
               <a:latin typeface="Arial"/>
             </a:endParaRPr>
           </a:p>
@@ -1627,7 +1569,7 @@
         <p:spPr>
           <a:xfrm>
             <a:off x="5155920" y="1080000"/>
-            <a:ext cx="4567320" cy="3600000"/>
+            <a:ext cx="4567320" cy="3599640"/>
           </a:xfrm>
           <a:prstGeom prst="rect">
             <a:avLst/>
@@ -1639,13 +1581,10 @@
         </p:spPr>
         <p:txBody>
           <a:bodyPr lIns="0" rIns="0" tIns="0" bIns="0" anchor="t">
-            <a:noAutofit/>
-          </a:bodyPr>
-          <a:p>
-            <a:endParaRPr b="0" lang="en-US" sz="2400" spc="-1" strike="noStrike">
-              <a:solidFill>
-                <a:srgbClr val="009bdd"/>
-              </a:solidFill>
+            <a:normAutofit/>
+          </a:bodyPr>
+          <a:p>
+            <a:endParaRPr b="0" lang="en-US" sz="3200" spc="-1" strike="noStrike">
               <a:latin typeface="Arial"/>
             </a:endParaRPr>
           </a:p>
@@ -1676,13 +1615,10 @@
         </p:spPr>
         <p:txBody>
           <a:bodyPr lIns="0" rIns="0" tIns="0" bIns="0" anchor="t">
-            <a:noAutofit/>
-          </a:bodyPr>
-          <a:p>
-            <a:endParaRPr b="0" lang="en-US" sz="2400" spc="-1" strike="noStrike">
-              <a:solidFill>
-                <a:srgbClr val="009bdd"/>
-              </a:solidFill>
+            <a:normAutofit/>
+          </a:bodyPr>
+          <a:p>
+            <a:endParaRPr b="0" lang="en-US" sz="3200" spc="-1" strike="noStrike">
               <a:latin typeface="Arial"/>
             </a:endParaRPr>
           </a:p>
@@ -1695,7 +1631,7 @@
             <a:spLocks noGrp="1"/>
           </p:cNvSpPr>
           <p:nvPr>
-            <p:ph type="ftr" idx="2"/>
+            <p:ph type="ftr" idx="1"/>
           </p:nvPr>
         </p:nvSpPr>
         <p:spPr/>
@@ -1715,14 +1651,14 @@
             <a:spLocks noGrp="1"/>
           </p:cNvSpPr>
           <p:nvPr>
-            <p:ph type="sldNum" idx="3"/>
+            <p:ph type="sldNum" idx="2"/>
           </p:nvPr>
         </p:nvSpPr>
         <p:spPr/>
         <p:txBody>
           <a:bodyPr/>
           <a:p>
-            <a:fld id="{0F396F25-43CF-4300-8887-DB3EA6C4513B}" type="slidenum">
+            <a:fld id="{5D2F209E-A173-4E04-BDF4-11A66F0063DD}" type="slidenum">
               <a:t>&lt;#&gt;</a:t>
             </a:fld>
           </a:p>
@@ -1735,7 +1671,7 @@
             <a:spLocks noGrp="1"/>
           </p:cNvSpPr>
           <p:nvPr>
-            <p:ph type="dt" idx="1"/>
+            <p:ph type="dt" idx="3"/>
           </p:nvPr>
         </p:nvSpPr>
         <p:spPr/>
@@ -1783,8 +1719,8 @@
         </p:nvSpPr>
         <p:spPr>
           <a:xfrm>
-            <a:off x="360000" y="180000"/>
-            <a:ext cx="9360000" cy="478080"/>
+            <a:off x="360000" y="106200"/>
+            <a:ext cx="9359640" cy="625320"/>
           </a:xfrm>
           <a:prstGeom prst="rect">
             <a:avLst/>
@@ -1802,10 +1738,7 @@
             <a:pPr algn="ctr">
               <a:buNone/>
             </a:pPr>
-            <a:endParaRPr b="0" lang="en-US" sz="3300" spc="-1" strike="noStrike">
-              <a:solidFill>
-                <a:srgbClr val="ffffff"/>
-              </a:solidFill>
+            <a:endParaRPr b="0" lang="en-US" sz="4400" spc="-1" strike="noStrike">
               <a:latin typeface="Arial"/>
             </a:endParaRPr>
           </a:p>
@@ -1824,7 +1757,7 @@
         <p:spPr>
           <a:xfrm>
             <a:off x="360000" y="1080000"/>
-            <a:ext cx="9360000" cy="3600000"/>
+            <a:ext cx="9359640" cy="3599640"/>
           </a:xfrm>
           <a:prstGeom prst="rect">
             <a:avLst/>
@@ -1843,9 +1776,6 @@
               <a:buNone/>
             </a:pPr>
             <a:endParaRPr b="0" lang="en-US" sz="3200" spc="-1" strike="noStrike">
-              <a:highlight>
-                <a:srgbClr val="ffffff"/>
-              </a:highlight>
               <a:latin typeface="Arial"/>
             </a:endParaRPr>
           </a:p>
@@ -1885,8 +1815,8 @@
         </p:nvSpPr>
         <p:spPr>
           <a:xfrm>
-            <a:off x="360000" y="180000"/>
-            <a:ext cx="9360000" cy="478080"/>
+            <a:off x="360000" y="106200"/>
+            <a:ext cx="9359640" cy="625320"/>
           </a:xfrm>
           <a:prstGeom prst="rect">
             <a:avLst/>
@@ -1904,10 +1834,7 @@
             <a:pPr algn="ctr">
               <a:buNone/>
             </a:pPr>
-            <a:endParaRPr b="0" lang="en-US" sz="3300" spc="-1" strike="noStrike">
-              <a:solidFill>
-                <a:srgbClr val="ffffff"/>
-              </a:solidFill>
+            <a:endParaRPr b="0" lang="en-US" sz="4400" spc="-1" strike="noStrike">
               <a:latin typeface="Arial"/>
             </a:endParaRPr>
           </a:p>
@@ -1926,7 +1853,7 @@
         <p:spPr>
           <a:xfrm>
             <a:off x="360000" y="1080000"/>
-            <a:ext cx="4567320" cy="3600000"/>
+            <a:ext cx="4567320" cy="3599640"/>
           </a:xfrm>
           <a:prstGeom prst="rect">
             <a:avLst/>
@@ -1938,13 +1865,10 @@
         </p:spPr>
         <p:txBody>
           <a:bodyPr lIns="0" rIns="0" tIns="0" bIns="0" anchor="t">
-            <a:noAutofit/>
-          </a:bodyPr>
-          <a:p>
-            <a:endParaRPr b="0" lang="en-US" sz="2400" spc="-1" strike="noStrike">
-              <a:solidFill>
-                <a:srgbClr val="009bdd"/>
-              </a:solidFill>
+            <a:normAutofit/>
+          </a:bodyPr>
+          <a:p>
+            <a:endParaRPr b="0" lang="en-US" sz="3200" spc="-1" strike="noStrike">
               <a:latin typeface="Arial"/>
             </a:endParaRPr>
           </a:p>
@@ -1975,13 +1899,10 @@
         </p:spPr>
         <p:txBody>
           <a:bodyPr lIns="0" rIns="0" tIns="0" bIns="0" anchor="t">
-            <a:noAutofit/>
-          </a:bodyPr>
-          <a:p>
-            <a:endParaRPr b="0" lang="en-US" sz="2400" spc="-1" strike="noStrike">
-              <a:solidFill>
-                <a:srgbClr val="009bdd"/>
-              </a:solidFill>
+            <a:normAutofit/>
+          </a:bodyPr>
+          <a:p>
+            <a:endParaRPr b="0" lang="en-US" sz="3200" spc="-1" strike="noStrike">
               <a:latin typeface="Arial"/>
             </a:endParaRPr>
           </a:p>
@@ -2012,13 +1933,10 @@
         </p:spPr>
         <p:txBody>
           <a:bodyPr lIns="0" rIns="0" tIns="0" bIns="0" anchor="t">
-            <a:noAutofit/>
-          </a:bodyPr>
-          <a:p>
-            <a:endParaRPr b="0" lang="en-US" sz="2400" spc="-1" strike="noStrike">
-              <a:solidFill>
-                <a:srgbClr val="009bdd"/>
-              </a:solidFill>
+            <a:normAutofit/>
+          </a:bodyPr>
+          <a:p>
+            <a:endParaRPr b="0" lang="en-US" sz="3200" spc="-1" strike="noStrike">
               <a:latin typeface="Arial"/>
             </a:endParaRPr>
           </a:p>
@@ -2031,7 +1949,7 @@
             <a:spLocks noGrp="1"/>
           </p:cNvSpPr>
           <p:nvPr>
-            <p:ph type="ftr" idx="2"/>
+            <p:ph type="ftr" idx="1"/>
           </p:nvPr>
         </p:nvSpPr>
         <p:spPr/>
@@ -2051,14 +1969,14 @@
             <a:spLocks noGrp="1"/>
           </p:cNvSpPr>
           <p:nvPr>
-            <p:ph type="sldNum" idx="3"/>
+            <p:ph type="sldNum" idx="2"/>
           </p:nvPr>
         </p:nvSpPr>
         <p:spPr/>
         <p:txBody>
           <a:bodyPr/>
           <a:p>
-            <a:fld id="{4FAFC0C3-8769-4059-81DF-B7E13757009F}" type="slidenum">
+            <a:fld id="{4836F8EB-FF60-4882-A9A1-C660C89A00E4}" type="slidenum">
               <a:t>&lt;#&gt;</a:t>
             </a:fld>
           </a:p>
@@ -2071,7 +1989,7 @@
             <a:spLocks noGrp="1"/>
           </p:cNvSpPr>
           <p:nvPr>
-            <p:ph type="dt" idx="1"/>
+            <p:ph type="dt" idx="3"/>
           </p:nvPr>
         </p:nvSpPr>
         <p:spPr/>
@@ -2119,8 +2037,8 @@
         </p:nvSpPr>
         <p:spPr>
           <a:xfrm>
-            <a:off x="360000" y="180000"/>
-            <a:ext cx="9360000" cy="478080"/>
+            <a:off x="360000" y="106200"/>
+            <a:ext cx="9359640" cy="625320"/>
           </a:xfrm>
           <a:prstGeom prst="rect">
             <a:avLst/>
@@ -2138,10 +2056,7 @@
             <a:pPr algn="ctr">
               <a:buNone/>
             </a:pPr>
-            <a:endParaRPr b="0" lang="en-US" sz="3300" spc="-1" strike="noStrike">
-              <a:solidFill>
-                <a:srgbClr val="ffffff"/>
-              </a:solidFill>
+            <a:endParaRPr b="0" lang="en-US" sz="4400" spc="-1" strike="noStrike">
               <a:latin typeface="Arial"/>
             </a:endParaRPr>
           </a:p>
@@ -2172,13 +2087,10 @@
         </p:spPr>
         <p:txBody>
           <a:bodyPr lIns="0" rIns="0" tIns="0" bIns="0" anchor="t">
-            <a:noAutofit/>
-          </a:bodyPr>
-          <a:p>
-            <a:endParaRPr b="0" lang="en-US" sz="2400" spc="-1" strike="noStrike">
-              <a:solidFill>
-                <a:srgbClr val="009bdd"/>
-              </a:solidFill>
+            <a:normAutofit/>
+          </a:bodyPr>
+          <a:p>
+            <a:endParaRPr b="0" lang="en-US" sz="3200" spc="-1" strike="noStrike">
               <a:latin typeface="Arial"/>
             </a:endParaRPr>
           </a:p>
@@ -2209,13 +2121,10 @@
         </p:spPr>
         <p:txBody>
           <a:bodyPr lIns="0" rIns="0" tIns="0" bIns="0" anchor="t">
-            <a:noAutofit/>
-          </a:bodyPr>
-          <a:p>
-            <a:endParaRPr b="0" lang="en-US" sz="2400" spc="-1" strike="noStrike">
-              <a:solidFill>
-                <a:srgbClr val="009bdd"/>
-              </a:solidFill>
+            <a:normAutofit/>
+          </a:bodyPr>
+          <a:p>
+            <a:endParaRPr b="0" lang="en-US" sz="3200" spc="-1" strike="noStrike">
               <a:latin typeface="Arial"/>
             </a:endParaRPr>
           </a:p>
@@ -2234,7 +2143,7 @@
         <p:spPr>
           <a:xfrm>
             <a:off x="360000" y="2960280"/>
-            <a:ext cx="9360000" cy="1716840"/>
+            <a:ext cx="9359640" cy="1716840"/>
           </a:xfrm>
           <a:prstGeom prst="rect">
             <a:avLst/>
@@ -2246,13 +2155,10 @@
         </p:spPr>
         <p:txBody>
           <a:bodyPr lIns="0" rIns="0" tIns="0" bIns="0" anchor="t">
-            <a:noAutofit/>
-          </a:bodyPr>
-          <a:p>
-            <a:endParaRPr b="0" lang="en-US" sz="2400" spc="-1" strike="noStrike">
-              <a:solidFill>
-                <a:srgbClr val="009bdd"/>
-              </a:solidFill>
+            <a:normAutofit/>
+          </a:bodyPr>
+          <a:p>
+            <a:endParaRPr b="0" lang="en-US" sz="3200" spc="-1" strike="noStrike">
               <a:latin typeface="Arial"/>
             </a:endParaRPr>
           </a:p>
@@ -2265,7 +2171,7 @@
             <a:spLocks noGrp="1"/>
           </p:cNvSpPr>
           <p:nvPr>
-            <p:ph type="ftr" idx="2"/>
+            <p:ph type="ftr" idx="1"/>
           </p:nvPr>
         </p:nvSpPr>
         <p:spPr/>
@@ -2285,14 +2191,14 @@
             <a:spLocks noGrp="1"/>
           </p:cNvSpPr>
           <p:nvPr>
-            <p:ph type="sldNum" idx="3"/>
+            <p:ph type="sldNum" idx="2"/>
           </p:nvPr>
         </p:nvSpPr>
         <p:spPr/>
         <p:txBody>
           <a:bodyPr/>
           <a:p>
-            <a:fld id="{06ADC0C9-CF35-4071-9488-4B4450225977}" type="slidenum">
+            <a:fld id="{FBE83F22-6208-4734-9EFB-716127B6B5C8}" type="slidenum">
               <a:t>&lt;#&gt;</a:t>
             </a:fld>
           </a:p>
@@ -2305,7 +2211,7 @@
             <a:spLocks noGrp="1"/>
           </p:cNvSpPr>
           <p:nvPr>
-            <p:ph type="dt" idx="1"/>
+            <p:ph type="dt" idx="3"/>
           </p:nvPr>
         </p:nvSpPr>
         <p:spPr/>
@@ -2353,8 +2259,8 @@
         </p:nvSpPr>
         <p:spPr>
           <a:xfrm>
-            <a:off x="360000" y="180000"/>
-            <a:ext cx="9360000" cy="478080"/>
+            <a:off x="360000" y="106200"/>
+            <a:ext cx="9359640" cy="625320"/>
           </a:xfrm>
           <a:prstGeom prst="rect">
             <a:avLst/>
@@ -2372,10 +2278,7 @@
             <a:pPr algn="ctr">
               <a:buNone/>
             </a:pPr>
-            <a:endParaRPr b="0" lang="en-US" sz="3300" spc="-1" strike="noStrike">
-              <a:solidFill>
-                <a:srgbClr val="ffffff"/>
-              </a:solidFill>
+            <a:endParaRPr b="0" lang="en-US" sz="4400" spc="-1" strike="noStrike">
               <a:latin typeface="Arial"/>
             </a:endParaRPr>
           </a:p>
@@ -2394,7 +2297,7 @@
         <p:spPr>
           <a:xfrm>
             <a:off x="360000" y="1080000"/>
-            <a:ext cx="9360000" cy="1716840"/>
+            <a:ext cx="9359640" cy="1716840"/>
           </a:xfrm>
           <a:prstGeom prst="rect">
             <a:avLst/>
@@ -2406,13 +2309,10 @@
         </p:spPr>
         <p:txBody>
           <a:bodyPr lIns="0" rIns="0" tIns="0" bIns="0" anchor="t">
-            <a:noAutofit/>
-          </a:bodyPr>
-          <a:p>
-            <a:endParaRPr b="0" lang="en-US" sz="2400" spc="-1" strike="noStrike">
-              <a:solidFill>
-                <a:srgbClr val="009bdd"/>
-              </a:solidFill>
+            <a:normAutofit/>
+          </a:bodyPr>
+          <a:p>
+            <a:endParaRPr b="0" lang="en-US" sz="3200" spc="-1" strike="noStrike">
               <a:latin typeface="Arial"/>
             </a:endParaRPr>
           </a:p>
@@ -2431,7 +2331,7 @@
         <p:spPr>
           <a:xfrm>
             <a:off x="360000" y="2960280"/>
-            <a:ext cx="9360000" cy="1716840"/>
+            <a:ext cx="9359640" cy="1716840"/>
           </a:xfrm>
           <a:prstGeom prst="rect">
             <a:avLst/>
@@ -2443,13 +2343,10 @@
         </p:spPr>
         <p:txBody>
           <a:bodyPr lIns="0" rIns="0" tIns="0" bIns="0" anchor="t">
-            <a:noAutofit/>
-          </a:bodyPr>
-          <a:p>
-            <a:endParaRPr b="0" lang="en-US" sz="2400" spc="-1" strike="noStrike">
-              <a:solidFill>
-                <a:srgbClr val="009bdd"/>
-              </a:solidFill>
+            <a:normAutofit/>
+          </a:bodyPr>
+          <a:p>
+            <a:endParaRPr b="0" lang="en-US" sz="3200" spc="-1" strike="noStrike">
               <a:latin typeface="Arial"/>
             </a:endParaRPr>
           </a:p>
@@ -2462,7 +2359,7 @@
             <a:spLocks noGrp="1"/>
           </p:cNvSpPr>
           <p:nvPr>
-            <p:ph type="ftr" idx="2"/>
+            <p:ph type="ftr" idx="1"/>
           </p:nvPr>
         </p:nvSpPr>
         <p:spPr/>
@@ -2482,14 +2379,14 @@
             <a:spLocks noGrp="1"/>
           </p:cNvSpPr>
           <p:nvPr>
-            <p:ph type="sldNum" idx="3"/>
+            <p:ph type="sldNum" idx="2"/>
           </p:nvPr>
         </p:nvSpPr>
         <p:spPr/>
         <p:txBody>
           <a:bodyPr/>
           <a:p>
-            <a:fld id="{12FD65EC-9193-49BA-A593-BF1BEC8E261E}" type="slidenum">
+            <a:fld id="{94365525-5C58-48EF-B182-3AAF1190AA48}" type="slidenum">
               <a:t>&lt;#&gt;</a:t>
             </a:fld>
           </a:p>
@@ -2502,7 +2399,7 @@
             <a:spLocks noGrp="1"/>
           </p:cNvSpPr>
           <p:nvPr>
-            <p:ph type="dt" idx="1"/>
+            <p:ph type="dt" idx="3"/>
           </p:nvPr>
         </p:nvSpPr>
         <p:spPr/>
@@ -2550,8 +2447,8 @@
         </p:nvSpPr>
         <p:spPr>
           <a:xfrm>
-            <a:off x="360000" y="180000"/>
-            <a:ext cx="9360000" cy="478080"/>
+            <a:off x="360000" y="106200"/>
+            <a:ext cx="9359640" cy="625320"/>
           </a:xfrm>
           <a:prstGeom prst="rect">
             <a:avLst/>
@@ -2569,10 +2466,7 @@
             <a:pPr algn="ctr">
               <a:buNone/>
             </a:pPr>
-            <a:endParaRPr b="0" lang="en-US" sz="3300" spc="-1" strike="noStrike">
-              <a:solidFill>
-                <a:srgbClr val="ffffff"/>
-              </a:solidFill>
+            <a:endParaRPr b="0" lang="en-US" sz="4400" spc="-1" strike="noStrike">
               <a:latin typeface="Arial"/>
             </a:endParaRPr>
           </a:p>
@@ -2603,13 +2497,10 @@
         </p:spPr>
         <p:txBody>
           <a:bodyPr lIns="0" rIns="0" tIns="0" bIns="0" anchor="t">
-            <a:noAutofit/>
-          </a:bodyPr>
-          <a:p>
-            <a:endParaRPr b="0" lang="en-US" sz="2400" spc="-1" strike="noStrike">
-              <a:solidFill>
-                <a:srgbClr val="009bdd"/>
-              </a:solidFill>
+            <a:normAutofit/>
+          </a:bodyPr>
+          <a:p>
+            <a:endParaRPr b="0" lang="en-US" sz="3200" spc="-1" strike="noStrike">
               <a:latin typeface="Arial"/>
             </a:endParaRPr>
           </a:p>
@@ -2640,13 +2531,10 @@
         </p:spPr>
         <p:txBody>
           <a:bodyPr lIns="0" rIns="0" tIns="0" bIns="0" anchor="t">
-            <a:noAutofit/>
-          </a:bodyPr>
-          <a:p>
-            <a:endParaRPr b="0" lang="en-US" sz="2400" spc="-1" strike="noStrike">
-              <a:solidFill>
-                <a:srgbClr val="009bdd"/>
-              </a:solidFill>
+            <a:normAutofit/>
+          </a:bodyPr>
+          <a:p>
+            <a:endParaRPr b="0" lang="en-US" sz="3200" spc="-1" strike="noStrike">
               <a:latin typeface="Arial"/>
             </a:endParaRPr>
           </a:p>
@@ -2677,13 +2565,10 @@
         </p:spPr>
         <p:txBody>
           <a:bodyPr lIns="0" rIns="0" tIns="0" bIns="0" anchor="t">
-            <a:noAutofit/>
-          </a:bodyPr>
-          <a:p>
-            <a:endParaRPr b="0" lang="en-US" sz="2400" spc="-1" strike="noStrike">
-              <a:solidFill>
-                <a:srgbClr val="009bdd"/>
-              </a:solidFill>
+            <a:normAutofit/>
+          </a:bodyPr>
+          <a:p>
+            <a:endParaRPr b="0" lang="en-US" sz="3200" spc="-1" strike="noStrike">
               <a:latin typeface="Arial"/>
             </a:endParaRPr>
           </a:p>
@@ -2714,13 +2599,10 @@
         </p:spPr>
         <p:txBody>
           <a:bodyPr lIns="0" rIns="0" tIns="0" bIns="0" anchor="t">
-            <a:noAutofit/>
-          </a:bodyPr>
-          <a:p>
-            <a:endParaRPr b="0" lang="en-US" sz="2400" spc="-1" strike="noStrike">
-              <a:solidFill>
-                <a:srgbClr val="009bdd"/>
-              </a:solidFill>
+            <a:normAutofit/>
+          </a:bodyPr>
+          <a:p>
+            <a:endParaRPr b="0" lang="en-US" sz="3200" spc="-1" strike="noStrike">
               <a:latin typeface="Arial"/>
             </a:endParaRPr>
           </a:p>
@@ -2733,7 +2615,7 @@
             <a:spLocks noGrp="1"/>
           </p:cNvSpPr>
           <p:nvPr>
-            <p:ph type="ftr" idx="2"/>
+            <p:ph type="ftr" idx="1"/>
           </p:nvPr>
         </p:nvSpPr>
         <p:spPr/>
@@ -2753,14 +2635,14 @@
             <a:spLocks noGrp="1"/>
           </p:cNvSpPr>
           <p:nvPr>
-            <p:ph type="sldNum" idx="3"/>
+            <p:ph type="sldNum" idx="2"/>
           </p:nvPr>
         </p:nvSpPr>
         <p:spPr/>
         <p:txBody>
           <a:bodyPr/>
           <a:p>
-            <a:fld id="{38630C50-B077-4318-842E-A560979196B7}" type="slidenum">
+            <a:fld id="{3C26405C-8D06-41C6-8BE8-42CC3B22D471}" type="slidenum">
               <a:t>&lt;#&gt;</a:t>
             </a:fld>
           </a:p>
@@ -2773,7 +2655,7 @@
             <a:spLocks noGrp="1"/>
           </p:cNvSpPr>
           <p:nvPr>
-            <p:ph type="dt" idx="1"/>
+            <p:ph type="dt" idx="3"/>
           </p:nvPr>
         </p:nvSpPr>
         <p:spPr/>
@@ -2821,8 +2703,8 @@
         </p:nvSpPr>
         <p:spPr>
           <a:xfrm>
-            <a:off x="360000" y="180000"/>
-            <a:ext cx="9360000" cy="478080"/>
+            <a:off x="360000" y="106200"/>
+            <a:ext cx="9359640" cy="625320"/>
           </a:xfrm>
           <a:prstGeom prst="rect">
             <a:avLst/>
@@ -2840,10 +2722,7 @@
             <a:pPr algn="ctr">
               <a:buNone/>
             </a:pPr>
-            <a:endParaRPr b="0" lang="en-US" sz="3300" spc="-1" strike="noStrike">
-              <a:solidFill>
-                <a:srgbClr val="ffffff"/>
-              </a:solidFill>
+            <a:endParaRPr b="0" lang="en-US" sz="4400" spc="-1" strike="noStrike">
               <a:latin typeface="Arial"/>
             </a:endParaRPr>
           </a:p>
@@ -2874,13 +2753,10 @@
         </p:spPr>
         <p:txBody>
           <a:bodyPr lIns="0" rIns="0" tIns="0" bIns="0" anchor="t">
-            <a:noAutofit/>
-          </a:bodyPr>
-          <a:p>
-            <a:endParaRPr b="0" lang="en-US" sz="2400" spc="-1" strike="noStrike">
-              <a:solidFill>
-                <a:srgbClr val="009bdd"/>
-              </a:solidFill>
+            <a:normAutofit/>
+          </a:bodyPr>
+          <a:p>
+            <a:endParaRPr b="0" lang="en-US" sz="3200" spc="-1" strike="noStrike">
               <a:latin typeface="Arial"/>
             </a:endParaRPr>
           </a:p>
@@ -2911,13 +2787,10 @@
         </p:spPr>
         <p:txBody>
           <a:bodyPr lIns="0" rIns="0" tIns="0" bIns="0" anchor="t">
-            <a:noAutofit/>
-          </a:bodyPr>
-          <a:p>
-            <a:endParaRPr b="0" lang="en-US" sz="2400" spc="-1" strike="noStrike">
-              <a:solidFill>
-                <a:srgbClr val="009bdd"/>
-              </a:solidFill>
+            <a:normAutofit/>
+          </a:bodyPr>
+          <a:p>
+            <a:endParaRPr b="0" lang="en-US" sz="3200" spc="-1" strike="noStrike">
               <a:latin typeface="Arial"/>
             </a:endParaRPr>
           </a:p>
@@ -2948,13 +2821,10 @@
         </p:spPr>
         <p:txBody>
           <a:bodyPr lIns="0" rIns="0" tIns="0" bIns="0" anchor="t">
-            <a:noAutofit/>
-          </a:bodyPr>
-          <a:p>
-            <a:endParaRPr b="0" lang="en-US" sz="2400" spc="-1" strike="noStrike">
-              <a:solidFill>
-                <a:srgbClr val="009bdd"/>
-              </a:solidFill>
+            <a:normAutofit/>
+          </a:bodyPr>
+          <a:p>
+            <a:endParaRPr b="0" lang="en-US" sz="3200" spc="-1" strike="noStrike">
               <a:latin typeface="Arial"/>
             </a:endParaRPr>
           </a:p>
@@ -2985,13 +2855,10 @@
         </p:spPr>
         <p:txBody>
           <a:bodyPr lIns="0" rIns="0" tIns="0" bIns="0" anchor="t">
-            <a:noAutofit/>
-          </a:bodyPr>
-          <a:p>
-            <a:endParaRPr b="0" lang="en-US" sz="2400" spc="-1" strike="noStrike">
-              <a:solidFill>
-                <a:srgbClr val="009bdd"/>
-              </a:solidFill>
+            <a:normAutofit/>
+          </a:bodyPr>
+          <a:p>
+            <a:endParaRPr b="0" lang="en-US" sz="3200" spc="-1" strike="noStrike">
               <a:latin typeface="Arial"/>
             </a:endParaRPr>
           </a:p>
@@ -3022,13 +2889,10 @@
         </p:spPr>
         <p:txBody>
           <a:bodyPr lIns="0" rIns="0" tIns="0" bIns="0" anchor="t">
-            <a:noAutofit/>
-          </a:bodyPr>
-          <a:p>
-            <a:endParaRPr b="0" lang="en-US" sz="2400" spc="-1" strike="noStrike">
-              <a:solidFill>
-                <a:srgbClr val="009bdd"/>
-              </a:solidFill>
+            <a:normAutofit/>
+          </a:bodyPr>
+          <a:p>
+            <a:endParaRPr b="0" lang="en-US" sz="3200" spc="-1" strike="noStrike">
               <a:latin typeface="Arial"/>
             </a:endParaRPr>
           </a:p>
@@ -3059,13 +2923,10 @@
         </p:spPr>
         <p:txBody>
           <a:bodyPr lIns="0" rIns="0" tIns="0" bIns="0" anchor="t">
-            <a:noAutofit/>
-          </a:bodyPr>
-          <a:p>
-            <a:endParaRPr b="0" lang="en-US" sz="2400" spc="-1" strike="noStrike">
-              <a:solidFill>
-                <a:srgbClr val="009bdd"/>
-              </a:solidFill>
+            <a:normAutofit/>
+          </a:bodyPr>
+          <a:p>
+            <a:endParaRPr b="0" lang="en-US" sz="3200" spc="-1" strike="noStrike">
               <a:latin typeface="Arial"/>
             </a:endParaRPr>
           </a:p>
@@ -3078,7 +2939,7 @@
             <a:spLocks noGrp="1"/>
           </p:cNvSpPr>
           <p:nvPr>
-            <p:ph type="ftr" idx="2"/>
+            <p:ph type="ftr" idx="1"/>
           </p:nvPr>
         </p:nvSpPr>
         <p:spPr/>
@@ -3098,14 +2959,14 @@
             <a:spLocks noGrp="1"/>
           </p:cNvSpPr>
           <p:nvPr>
-            <p:ph type="sldNum" idx="3"/>
+            <p:ph type="sldNum" idx="2"/>
           </p:nvPr>
         </p:nvSpPr>
         <p:spPr/>
         <p:txBody>
           <a:bodyPr/>
           <a:p>
-            <a:fld id="{CFBD8180-93BA-413C-A34B-DEDA1BFC1FAE}" type="slidenum">
+            <a:fld id="{68749492-DC7B-4CA8-8F77-9D87C90F6ED0}" type="slidenum">
               <a:t>&lt;#&gt;</a:t>
             </a:fld>
           </a:p>
@@ -3118,7 +2979,7 @@
             <a:spLocks noGrp="1"/>
           </p:cNvSpPr>
           <p:nvPr>
-            <p:ph type="dt" idx="1"/>
+            <p:ph type="dt" idx="3"/>
           </p:nvPr>
         </p:nvSpPr>
         <p:spPr/>
@@ -3166,8 +3027,8 @@
         </p:nvSpPr>
         <p:spPr>
           <a:xfrm>
-            <a:off x="360000" y="180000"/>
-            <a:ext cx="9360000" cy="478080"/>
+            <a:off x="360000" y="106200"/>
+            <a:ext cx="9359640" cy="625320"/>
           </a:xfrm>
           <a:prstGeom prst="rect">
             <a:avLst/>
@@ -3185,10 +3046,7 @@
             <a:pPr algn="ctr">
               <a:buNone/>
             </a:pPr>
-            <a:endParaRPr b="0" lang="en-US" sz="3300" spc="-1" strike="noStrike">
-              <a:solidFill>
-                <a:srgbClr val="ffffff"/>
-              </a:solidFill>
+            <a:endParaRPr b="0" lang="en-US" sz="4400" spc="-1" strike="noStrike">
               <a:latin typeface="Arial"/>
             </a:endParaRPr>
           </a:p>
@@ -3207,7 +3065,7 @@
         <p:spPr>
           <a:xfrm>
             <a:off x="360000" y="1080000"/>
-            <a:ext cx="9360000" cy="3600000"/>
+            <a:ext cx="9359640" cy="3599640"/>
           </a:xfrm>
           <a:prstGeom prst="rect">
             <a:avLst/>
@@ -3219,13 +3077,10 @@
         </p:spPr>
         <p:txBody>
           <a:bodyPr lIns="0" rIns="0" tIns="0" bIns="0" anchor="t">
-            <a:noAutofit/>
-          </a:bodyPr>
-          <a:p>
-            <a:endParaRPr b="0" lang="en-US" sz="2400" spc="-1" strike="noStrike">
-              <a:solidFill>
-                <a:srgbClr val="009bdd"/>
-              </a:solidFill>
+            <a:normAutofit/>
+          </a:bodyPr>
+          <a:p>
+            <a:endParaRPr b="0" lang="en-US" sz="3200" spc="-1" strike="noStrike">
               <a:latin typeface="Arial"/>
             </a:endParaRPr>
           </a:p>
@@ -3265,8 +3120,8 @@
         </p:nvSpPr>
         <p:spPr>
           <a:xfrm>
-            <a:off x="360000" y="180000"/>
-            <a:ext cx="9360000" cy="478080"/>
+            <a:off x="360000" y="106200"/>
+            <a:ext cx="9359640" cy="625320"/>
           </a:xfrm>
           <a:prstGeom prst="rect">
             <a:avLst/>
@@ -3284,10 +3139,7 @@
             <a:pPr algn="ctr">
               <a:buNone/>
             </a:pPr>
-            <a:endParaRPr b="0" lang="en-US" sz="3300" spc="-1" strike="noStrike">
-              <a:solidFill>
-                <a:srgbClr val="ffffff"/>
-              </a:solidFill>
+            <a:endParaRPr b="0" lang="en-US" sz="4400" spc="-1" strike="noStrike">
               <a:latin typeface="Arial"/>
             </a:endParaRPr>
           </a:p>
@@ -3306,7 +3158,7 @@
         <p:spPr>
           <a:xfrm>
             <a:off x="360000" y="1080000"/>
-            <a:ext cx="4567320" cy="3600000"/>
+            <a:ext cx="4567320" cy="3599640"/>
           </a:xfrm>
           <a:prstGeom prst="rect">
             <a:avLst/>
@@ -3318,13 +3170,10 @@
         </p:spPr>
         <p:txBody>
           <a:bodyPr lIns="0" rIns="0" tIns="0" bIns="0" anchor="t">
-            <a:noAutofit/>
-          </a:bodyPr>
-          <a:p>
-            <a:endParaRPr b="0" lang="en-US" sz="2400" spc="-1" strike="noStrike">
-              <a:solidFill>
-                <a:srgbClr val="009bdd"/>
-              </a:solidFill>
+            <a:normAutofit/>
+          </a:bodyPr>
+          <a:p>
+            <a:endParaRPr b="0" lang="en-US" sz="3200" spc="-1" strike="noStrike">
               <a:latin typeface="Arial"/>
             </a:endParaRPr>
           </a:p>
@@ -3343,7 +3192,7 @@
         <p:spPr>
           <a:xfrm>
             <a:off x="5155920" y="1080000"/>
-            <a:ext cx="4567320" cy="3600000"/>
+            <a:ext cx="4567320" cy="3599640"/>
           </a:xfrm>
           <a:prstGeom prst="rect">
             <a:avLst/>
@@ -3355,13 +3204,10 @@
         </p:spPr>
         <p:txBody>
           <a:bodyPr lIns="0" rIns="0" tIns="0" bIns="0" anchor="t">
-            <a:noAutofit/>
-          </a:bodyPr>
-          <a:p>
-            <a:endParaRPr b="0" lang="en-US" sz="2400" spc="-1" strike="noStrike">
-              <a:solidFill>
-                <a:srgbClr val="009bdd"/>
-              </a:solidFill>
+            <a:normAutofit/>
+          </a:bodyPr>
+          <a:p>
+            <a:endParaRPr b="0" lang="en-US" sz="3200" spc="-1" strike="noStrike">
               <a:latin typeface="Arial"/>
             </a:endParaRPr>
           </a:p>
@@ -3401,8 +3247,8 @@
         </p:nvSpPr>
         <p:spPr>
           <a:xfrm>
-            <a:off x="360000" y="180000"/>
-            <a:ext cx="9360000" cy="478080"/>
+            <a:off x="360000" y="106200"/>
+            <a:ext cx="9359640" cy="625320"/>
           </a:xfrm>
           <a:prstGeom prst="rect">
             <a:avLst/>
@@ -3420,10 +3266,7 @@
             <a:pPr algn="ctr">
               <a:buNone/>
             </a:pPr>
-            <a:endParaRPr b="0" lang="en-US" sz="3300" spc="-1" strike="noStrike">
-              <a:solidFill>
-                <a:srgbClr val="ffffff"/>
-              </a:solidFill>
+            <a:endParaRPr b="0" lang="en-US" sz="4400" spc="-1" strike="noStrike">
               <a:latin typeface="Arial"/>
             </a:endParaRPr>
           </a:p>
@@ -3464,7 +3307,7 @@
         <p:spPr>
           <a:xfrm>
             <a:off x="360000" y="180000"/>
-            <a:ext cx="9360000" cy="2217240"/>
+            <a:ext cx="9359640" cy="2215800"/>
           </a:xfrm>
           <a:prstGeom prst="rect">
             <a:avLst/>
@@ -3483,9 +3326,6 @@
               <a:buNone/>
             </a:pPr>
             <a:endParaRPr b="0" lang="en-US" sz="3200" spc="-1" strike="noStrike">
-              <a:highlight>
-                <a:srgbClr val="ffffff"/>
-              </a:highlight>
               <a:latin typeface="Arial"/>
             </a:endParaRPr>
           </a:p>
@@ -3525,8 +3365,8 @@
         </p:nvSpPr>
         <p:spPr>
           <a:xfrm>
-            <a:off x="360000" y="180000"/>
-            <a:ext cx="9360000" cy="478080"/>
+            <a:off x="360000" y="106200"/>
+            <a:ext cx="9359640" cy="625320"/>
           </a:xfrm>
           <a:prstGeom prst="rect">
             <a:avLst/>
@@ -3544,10 +3384,7 @@
             <a:pPr algn="ctr">
               <a:buNone/>
             </a:pPr>
-            <a:endParaRPr b="0" lang="en-US" sz="3300" spc="-1" strike="noStrike">
-              <a:solidFill>
-                <a:srgbClr val="ffffff"/>
-              </a:solidFill>
+            <a:endParaRPr b="0" lang="en-US" sz="4400" spc="-1" strike="noStrike">
               <a:latin typeface="Arial"/>
             </a:endParaRPr>
           </a:p>
@@ -3578,13 +3415,10 @@
         </p:spPr>
         <p:txBody>
           <a:bodyPr lIns="0" rIns="0" tIns="0" bIns="0" anchor="t">
-            <a:noAutofit/>
-          </a:bodyPr>
-          <a:p>
-            <a:endParaRPr b="0" lang="en-US" sz="2400" spc="-1" strike="noStrike">
-              <a:solidFill>
-                <a:srgbClr val="009bdd"/>
-              </a:solidFill>
+            <a:normAutofit/>
+          </a:bodyPr>
+          <a:p>
+            <a:endParaRPr b="0" lang="en-US" sz="3200" spc="-1" strike="noStrike">
               <a:latin typeface="Arial"/>
             </a:endParaRPr>
           </a:p>
@@ -3603,7 +3437,7 @@
         <p:spPr>
           <a:xfrm>
             <a:off x="5155920" y="1080000"/>
-            <a:ext cx="4567320" cy="3600000"/>
+            <a:ext cx="4567320" cy="3599640"/>
           </a:xfrm>
           <a:prstGeom prst="rect">
             <a:avLst/>
@@ -3615,13 +3449,10 @@
         </p:spPr>
         <p:txBody>
           <a:bodyPr lIns="0" rIns="0" tIns="0" bIns="0" anchor="t">
-            <a:noAutofit/>
-          </a:bodyPr>
-          <a:p>
-            <a:endParaRPr b="0" lang="en-US" sz="2400" spc="-1" strike="noStrike">
-              <a:solidFill>
-                <a:srgbClr val="009bdd"/>
-              </a:solidFill>
+            <a:normAutofit/>
+          </a:bodyPr>
+          <a:p>
+            <a:endParaRPr b="0" lang="en-US" sz="3200" spc="-1" strike="noStrike">
               <a:latin typeface="Arial"/>
             </a:endParaRPr>
           </a:p>
@@ -3652,13 +3483,10 @@
         </p:spPr>
         <p:txBody>
           <a:bodyPr lIns="0" rIns="0" tIns="0" bIns="0" anchor="t">
-            <a:noAutofit/>
-          </a:bodyPr>
-          <a:p>
-            <a:endParaRPr b="0" lang="en-US" sz="2400" spc="-1" strike="noStrike">
-              <a:solidFill>
-                <a:srgbClr val="009bdd"/>
-              </a:solidFill>
+            <a:normAutofit/>
+          </a:bodyPr>
+          <a:p>
+            <a:endParaRPr b="0" lang="en-US" sz="3200" spc="-1" strike="noStrike">
               <a:latin typeface="Arial"/>
             </a:endParaRPr>
           </a:p>
@@ -3698,8 +3526,8 @@
         </p:nvSpPr>
         <p:spPr>
           <a:xfrm>
-            <a:off x="360000" y="180000"/>
-            <a:ext cx="9360000" cy="478080"/>
+            <a:off x="360000" y="106200"/>
+            <a:ext cx="9359640" cy="625320"/>
           </a:xfrm>
           <a:prstGeom prst="rect">
             <a:avLst/>
@@ -3717,10 +3545,7 @@
             <a:pPr algn="ctr">
               <a:buNone/>
             </a:pPr>
-            <a:endParaRPr b="0" lang="en-US" sz="3300" spc="-1" strike="noStrike">
-              <a:solidFill>
-                <a:srgbClr val="ffffff"/>
-              </a:solidFill>
+            <a:endParaRPr b="0" lang="en-US" sz="4400" spc="-1" strike="noStrike">
               <a:latin typeface="Arial"/>
             </a:endParaRPr>
           </a:p>
@@ -3739,7 +3564,7 @@
         <p:spPr>
           <a:xfrm>
             <a:off x="360000" y="1080000"/>
-            <a:ext cx="4567320" cy="3600000"/>
+            <a:ext cx="4567320" cy="3599640"/>
           </a:xfrm>
           <a:prstGeom prst="rect">
             <a:avLst/>
@@ -3751,13 +3576,10 @@
         </p:spPr>
         <p:txBody>
           <a:bodyPr lIns="0" rIns="0" tIns="0" bIns="0" anchor="t">
-            <a:noAutofit/>
-          </a:bodyPr>
-          <a:p>
-            <a:endParaRPr b="0" lang="en-US" sz="2400" spc="-1" strike="noStrike">
-              <a:solidFill>
-                <a:srgbClr val="009bdd"/>
-              </a:solidFill>
+            <a:normAutofit/>
+          </a:bodyPr>
+          <a:p>
+            <a:endParaRPr b="0" lang="en-US" sz="3200" spc="-1" strike="noStrike">
               <a:latin typeface="Arial"/>
             </a:endParaRPr>
           </a:p>
@@ -3788,13 +3610,10 @@
         </p:spPr>
         <p:txBody>
           <a:bodyPr lIns="0" rIns="0" tIns="0" bIns="0" anchor="t">
-            <a:noAutofit/>
-          </a:bodyPr>
-          <a:p>
-            <a:endParaRPr b="0" lang="en-US" sz="2400" spc="-1" strike="noStrike">
-              <a:solidFill>
-                <a:srgbClr val="009bdd"/>
-              </a:solidFill>
+            <a:normAutofit/>
+          </a:bodyPr>
+          <a:p>
+            <a:endParaRPr b="0" lang="en-US" sz="3200" spc="-1" strike="noStrike">
               <a:latin typeface="Arial"/>
             </a:endParaRPr>
           </a:p>
@@ -3825,13 +3644,10 @@
         </p:spPr>
         <p:txBody>
           <a:bodyPr lIns="0" rIns="0" tIns="0" bIns="0" anchor="t">
-            <a:noAutofit/>
-          </a:bodyPr>
-          <a:p>
-            <a:endParaRPr b="0" lang="en-US" sz="2400" spc="-1" strike="noStrike">
-              <a:solidFill>
-                <a:srgbClr val="009bdd"/>
-              </a:solidFill>
+            <a:normAutofit/>
+          </a:bodyPr>
+          <a:p>
+            <a:endParaRPr b="0" lang="en-US" sz="3200" spc="-1" strike="noStrike">
               <a:latin typeface="Arial"/>
             </a:endParaRPr>
           </a:p>
@@ -3871,8 +3687,8 @@
         </p:nvSpPr>
         <p:spPr>
           <a:xfrm>
-            <a:off x="360000" y="180000"/>
-            <a:ext cx="9360000" cy="478080"/>
+            <a:off x="360000" y="106200"/>
+            <a:ext cx="9359640" cy="625320"/>
           </a:xfrm>
           <a:prstGeom prst="rect">
             <a:avLst/>
@@ -3890,10 +3706,7 @@
             <a:pPr algn="ctr">
               <a:buNone/>
             </a:pPr>
-            <a:endParaRPr b="0" lang="en-US" sz="3300" spc="-1" strike="noStrike">
-              <a:solidFill>
-                <a:srgbClr val="ffffff"/>
-              </a:solidFill>
+            <a:endParaRPr b="0" lang="en-US" sz="4400" spc="-1" strike="noStrike">
               <a:latin typeface="Arial"/>
             </a:endParaRPr>
           </a:p>
@@ -3924,13 +3737,10 @@
         </p:spPr>
         <p:txBody>
           <a:bodyPr lIns="0" rIns="0" tIns="0" bIns="0" anchor="t">
-            <a:noAutofit/>
-          </a:bodyPr>
-          <a:p>
-            <a:endParaRPr b="0" lang="en-US" sz="2400" spc="-1" strike="noStrike">
-              <a:solidFill>
-                <a:srgbClr val="009bdd"/>
-              </a:solidFill>
+            <a:normAutofit/>
+          </a:bodyPr>
+          <a:p>
+            <a:endParaRPr b="0" lang="en-US" sz="3200" spc="-1" strike="noStrike">
               <a:latin typeface="Arial"/>
             </a:endParaRPr>
           </a:p>
@@ -3961,13 +3771,10 @@
         </p:spPr>
         <p:txBody>
           <a:bodyPr lIns="0" rIns="0" tIns="0" bIns="0" anchor="t">
-            <a:noAutofit/>
-          </a:bodyPr>
-          <a:p>
-            <a:endParaRPr b="0" lang="en-US" sz="2400" spc="-1" strike="noStrike">
-              <a:solidFill>
-                <a:srgbClr val="009bdd"/>
-              </a:solidFill>
+            <a:normAutofit/>
+          </a:bodyPr>
+          <a:p>
+            <a:endParaRPr b="0" lang="en-US" sz="3200" spc="-1" strike="noStrike">
               <a:latin typeface="Arial"/>
             </a:endParaRPr>
           </a:p>
@@ -3986,7 +3793,7 @@
         <p:spPr>
           <a:xfrm>
             <a:off x="360000" y="2960280"/>
-            <a:ext cx="9360000" cy="1716840"/>
+            <a:ext cx="9359640" cy="1716840"/>
           </a:xfrm>
           <a:prstGeom prst="rect">
             <a:avLst/>
@@ -3998,13 +3805,10 @@
         </p:spPr>
         <p:txBody>
           <a:bodyPr lIns="0" rIns="0" tIns="0" bIns="0" anchor="t">
-            <a:noAutofit/>
-          </a:bodyPr>
-          <a:p>
-            <a:endParaRPr b="0" lang="en-US" sz="2400" spc="-1" strike="noStrike">
-              <a:solidFill>
-                <a:srgbClr val="009bdd"/>
-              </a:solidFill>
+            <a:normAutofit/>
+          </a:bodyPr>
+          <a:p>
+            <a:endParaRPr b="0" lang="en-US" sz="3200" spc="-1" strike="noStrike">
               <a:latin typeface="Arial"/>
             </a:endParaRPr>
           </a:p>
@@ -4040,8 +3844,8 @@
         </p:nvSpPr>
         <p:spPr>
           <a:xfrm flipH="1" flipV="1">
-            <a:off x="0" y="4500000"/>
-            <a:ext cx="10080000" cy="1170000"/>
+            <a:off x="-720" y="4499280"/>
+            <a:ext cx="10079640" cy="1169640"/>
           </a:xfrm>
           <a:prstGeom prst="flowChartDocument">
             <a:avLst/>
@@ -4055,13 +3859,13 @@
                 <a:srgbClr val="009bdd"/>
               </a:gs>
             </a:gsLst>
-            <a:lin ang="10800000"/>
+            <a:lin ang="0"/>
           </a:gradFill>
           <a:ln w="18000">
             <a:noFill/>
           </a:ln>
           <a:effectLst>
-            <a:outerShdw dist="10800" dir="5400000" blurRad="0" rotWithShape="0">
+            <a:outerShdw blurRad="0" dir="5400000" dist="10800" rotWithShape="0">
               <a:srgbClr val="009bdd"/>
             </a:outerShdw>
           </a:effectLst>
@@ -4075,302 +3879,40 @@
       </p:sp>
       <p:sp>
         <p:nvSpPr>
-          <p:cNvPr id="1" name="PlaceHolder 1"/>
-          <p:cNvSpPr>
-            <a:spLocks noGrp="1"/>
-          </p:cNvSpPr>
-          <p:nvPr>
-            <p:ph type="title"/>
-          </p:nvPr>
-        </p:nvSpPr>
-        <p:spPr>
-          <a:xfrm>
-            <a:off x="0" y="1620000"/>
-            <a:ext cx="9000000" cy="1080000"/>
-          </a:xfrm>
-          <a:prstGeom prst="rect">
-            <a:avLst/>
-          </a:prstGeom>
-          <a:noFill/>
-          <a:ln w="0">
-            <a:noFill/>
-          </a:ln>
-        </p:spPr>
-        <p:txBody>
-          <a:bodyPr lIns="0" rIns="0" tIns="0" bIns="0" anchor="ctr">
-            <a:noAutofit/>
-          </a:bodyPr>
-          <a:p>
-            <a:pPr algn="ctr">
-              <a:buNone/>
-            </a:pPr>
-            <a:r>
-              <a:rPr b="0" lang="en-US" sz="3300" spc="-1" strike="noStrike">
-                <a:solidFill>
-                  <a:srgbClr val="dd4100"/>
-                </a:solidFill>
-                <a:latin typeface="Arial"/>
-              </a:rPr>
-              <a:t>Click to edit the title text format</a:t>
-            </a:r>
-            <a:endParaRPr b="0" lang="en-US" sz="3300" spc="-1" strike="noStrike">
-              <a:solidFill>
-                <a:srgbClr val="dd4100"/>
-              </a:solidFill>
-              <a:latin typeface="Arial"/>
-            </a:endParaRPr>
-          </a:p>
-        </p:txBody>
-      </p:sp>
-      <p:sp>
-        <p:nvSpPr>
-          <p:cNvPr id="2" name="PlaceHolder 2"/>
-          <p:cNvSpPr>
-            <a:spLocks noGrp="1"/>
-          </p:cNvSpPr>
-          <p:nvPr>
-            <p:ph type="body"/>
-          </p:nvPr>
-        </p:nvSpPr>
-        <p:spPr>
-          <a:xfrm>
-            <a:off x="360000" y="2880000"/>
-            <a:ext cx="9360000" cy="1620000"/>
-          </a:xfrm>
-          <a:prstGeom prst="rect">
-            <a:avLst/>
-          </a:prstGeom>
-          <a:noFill/>
-          <a:ln w="0">
-            <a:noFill/>
-          </a:ln>
-        </p:spPr>
-        <p:txBody>
-          <a:bodyPr lIns="0" rIns="0" tIns="0" bIns="0" anchor="t">
-            <a:normAutofit fontScale="78000"/>
-          </a:bodyPr>
-          <a:p>
-            <a:pPr marL="432000" indent="-324000">
-              <a:spcBef>
-                <a:spcPts val="1060"/>
-              </a:spcBef>
-              <a:buClr>
-                <a:srgbClr val="77caee"/>
-              </a:buClr>
-              <a:buSzPct val="45000"/>
-              <a:buFont typeface="Wingdings" charset="2"/>
-              <a:buChar char=""/>
-            </a:pPr>
-            <a:r>
-              <a:rPr b="0" lang="en-US" sz="2400" spc="-1" strike="noStrike">
-                <a:solidFill>
-                  <a:srgbClr val="009bdd"/>
-                </a:solidFill>
-                <a:latin typeface="Arial"/>
-              </a:rPr>
-              <a:t>Click to edit the outline text format</a:t>
-            </a:r>
-            <a:endParaRPr b="0" lang="en-US" sz="2400" spc="-1" strike="noStrike">
-              <a:solidFill>
-                <a:srgbClr val="009bdd"/>
-              </a:solidFill>
-              <a:latin typeface="Arial"/>
-            </a:endParaRPr>
-          </a:p>
-          <a:p>
-            <a:pPr lvl="1" marL="864000" indent="-324000">
-              <a:spcBef>
-                <a:spcPts val="850"/>
-              </a:spcBef>
-              <a:buClr>
-                <a:srgbClr val="77caee"/>
-              </a:buClr>
-              <a:buSzPct val="45000"/>
-              <a:buFont typeface="Wingdings" charset="2"/>
-              <a:buChar char=""/>
-            </a:pPr>
-            <a:r>
-              <a:rPr b="0" lang="en-US" sz="2100" spc="-1" strike="noStrike">
-                <a:solidFill>
-                  <a:srgbClr val="009bdd"/>
-                </a:solidFill>
-                <a:latin typeface="Arial"/>
-              </a:rPr>
-              <a:t>Second Outline Level</a:t>
-            </a:r>
-            <a:endParaRPr b="0" lang="en-US" sz="2100" spc="-1" strike="noStrike">
-              <a:solidFill>
-                <a:srgbClr val="009bdd"/>
-              </a:solidFill>
-              <a:latin typeface="Arial"/>
-            </a:endParaRPr>
-          </a:p>
-          <a:p>
-            <a:pPr lvl="2" marL="1296000" indent="-288000">
-              <a:spcBef>
-                <a:spcPts val="635"/>
-              </a:spcBef>
-              <a:buClr>
-                <a:srgbClr val="77caee"/>
-              </a:buClr>
-              <a:buSzPct val="45000"/>
-              <a:buFont typeface="Wingdings" charset="2"/>
-              <a:buChar char=""/>
-            </a:pPr>
-            <a:r>
-              <a:rPr b="0" lang="en-US" sz="1800" spc="-1" strike="noStrike">
-                <a:solidFill>
-                  <a:srgbClr val="009bdd"/>
-                </a:solidFill>
-                <a:latin typeface="Arial"/>
-              </a:rPr>
-              <a:t>Third Outline Level</a:t>
-            </a:r>
-            <a:endParaRPr b="0" lang="en-US" sz="1800" spc="-1" strike="noStrike">
-              <a:solidFill>
-                <a:srgbClr val="009bdd"/>
-              </a:solidFill>
-              <a:latin typeface="Arial"/>
-            </a:endParaRPr>
-          </a:p>
-          <a:p>
-            <a:pPr lvl="3" marL="1728000" indent="-216000">
-              <a:spcBef>
-                <a:spcPts val="422"/>
-              </a:spcBef>
-              <a:buClr>
-                <a:srgbClr val="77caee"/>
-              </a:buClr>
-              <a:buSzPct val="45000"/>
-              <a:buFont typeface="Wingdings" charset="2"/>
-              <a:buChar char=""/>
-            </a:pPr>
-            <a:r>
-              <a:rPr b="0" lang="en-US" sz="1500" spc="-1" strike="noStrike">
-                <a:solidFill>
-                  <a:srgbClr val="009bdd"/>
-                </a:solidFill>
-                <a:latin typeface="Arial"/>
-              </a:rPr>
-              <a:t>Fourth Outline Level</a:t>
-            </a:r>
-            <a:endParaRPr b="0" lang="en-US" sz="1500" spc="-1" strike="noStrike">
-              <a:solidFill>
-                <a:srgbClr val="009bdd"/>
-              </a:solidFill>
-              <a:latin typeface="Arial"/>
-            </a:endParaRPr>
-          </a:p>
-          <a:p>
-            <a:pPr lvl="4" marL="2160000" indent="-216000">
-              <a:spcBef>
-                <a:spcPts val="210"/>
-              </a:spcBef>
-              <a:buClr>
-                <a:srgbClr val="77caee"/>
-              </a:buClr>
-              <a:buSzPct val="45000"/>
-              <a:buFont typeface="Wingdings" charset="2"/>
-              <a:buChar char=""/>
-            </a:pPr>
-            <a:r>
-              <a:rPr b="0" lang="en-US" sz="1500" spc="-1" strike="noStrike">
-                <a:solidFill>
-                  <a:srgbClr val="009bdd"/>
-                </a:solidFill>
-                <a:latin typeface="Arial"/>
-              </a:rPr>
-              <a:t>Fifth Outline Level</a:t>
-            </a:r>
-            <a:endParaRPr b="0" lang="en-US" sz="1500" spc="-1" strike="noStrike">
-              <a:solidFill>
-                <a:srgbClr val="009bdd"/>
-              </a:solidFill>
-              <a:latin typeface="Arial"/>
-            </a:endParaRPr>
-          </a:p>
-          <a:p>
-            <a:pPr lvl="5" marL="2592000" indent="-216000">
-              <a:spcBef>
-                <a:spcPts val="210"/>
-              </a:spcBef>
-              <a:buClr>
-                <a:srgbClr val="77caee"/>
-              </a:buClr>
-              <a:buSzPct val="45000"/>
-              <a:buFont typeface="Wingdings" charset="2"/>
-              <a:buChar char=""/>
-            </a:pPr>
-            <a:r>
-              <a:rPr b="0" lang="en-US" sz="1500" spc="-1" strike="noStrike">
-                <a:solidFill>
-                  <a:srgbClr val="009bdd"/>
-                </a:solidFill>
-                <a:latin typeface="Arial"/>
-              </a:rPr>
-              <a:t>Sixth Outline Level</a:t>
-            </a:r>
-            <a:endParaRPr b="0" lang="en-US" sz="1500" spc="-1" strike="noStrike">
-              <a:solidFill>
-                <a:srgbClr val="009bdd"/>
-              </a:solidFill>
-              <a:latin typeface="Arial"/>
-            </a:endParaRPr>
-          </a:p>
-          <a:p>
-            <a:pPr lvl="6" marL="3024000" indent="-216000">
-              <a:spcBef>
-                <a:spcPts val="210"/>
-              </a:spcBef>
-              <a:buClr>
-                <a:srgbClr val="77caee"/>
-              </a:buClr>
-              <a:buSzPct val="45000"/>
-              <a:buFont typeface="Wingdings" charset="2"/>
-              <a:buChar char=""/>
-            </a:pPr>
-            <a:r>
-              <a:rPr b="0" lang="en-US" sz="1500" spc="-1" strike="noStrike">
-                <a:solidFill>
-                  <a:srgbClr val="009bdd"/>
-                </a:solidFill>
-                <a:latin typeface="Arial"/>
-              </a:rPr>
-              <a:t>Seventh Outline Level</a:t>
-            </a:r>
-            <a:endParaRPr b="0" lang="en-US" sz="1500" spc="-1" strike="noStrike">
-              <a:solidFill>
-                <a:srgbClr val="009bdd"/>
-              </a:solidFill>
-              <a:latin typeface="Arial"/>
-            </a:endParaRPr>
-          </a:p>
-        </p:txBody>
-      </p:sp>
-      <p:sp>
-        <p:nvSpPr>
-          <p:cNvPr id="3" name=""/>
-          <p:cNvSpPr txBox="1"/>
+          <p:cNvPr id="1" name=""/>
+          <p:cNvSpPr/>
           <p:nvPr/>
         </p:nvSpPr>
         <p:spPr>
           <a:xfrm>
             <a:off x="360000" y="5220000"/>
-            <a:ext cx="2340000" cy="360000"/>
-          </a:xfrm>
-          <a:prstGeom prst="rect">
-            <a:avLst/>
-          </a:prstGeom>
-          <a:noFill/>
-          <a:ln w="0">
-            <a:noFill/>
-          </a:ln>
-        </p:spPr>
+            <a:ext cx="2339640" cy="359640"/>
+          </a:xfrm>
+          <a:prstGeom prst="rect">
+            <a:avLst/>
+          </a:prstGeom>
+          <a:noFill/>
+          <a:ln w="0">
+            <a:noFill/>
+          </a:ln>
+        </p:spPr>
+        <p:style>
+          <a:lnRef idx="0"/>
+          <a:fillRef idx="0"/>
+          <a:effectRef idx="0"/>
+          <a:fontRef idx="minor"/>
+        </p:style>
         <p:txBody>
           <a:bodyPr lIns="0" rIns="0" tIns="0" bIns="0" anchor="t">
             <a:noAutofit/>
           </a:bodyPr>
           <a:p>
+            <a:pPr>
+              <a:lnSpc>
+                <a:spcPct val="100000"/>
+              </a:lnSpc>
+              <a:buNone/>
+            </a:pPr>
             <a:r>
               <a:rPr b="0" lang="en-US" sz="1400" spc="-1" strike="noStrike">
                 <a:solidFill>
@@ -4381,39 +3923,45 @@
               <a:t>&lt;date/time&gt;</a:t>
             </a:r>
             <a:endParaRPr b="0" lang="en-US" sz="1400" spc="-1" strike="noStrike">
-              <a:solidFill>
-                <a:srgbClr val="ffffff"/>
-              </a:solidFill>
-              <a:latin typeface="Arial"/>
-            </a:endParaRPr>
-          </a:p>
-        </p:txBody>
-      </p:sp>
-      <p:sp>
-        <p:nvSpPr>
-          <p:cNvPr id="4" name=""/>
-          <p:cNvSpPr txBox="1"/>
+              <a:latin typeface="Arial"/>
+            </a:endParaRPr>
+          </a:p>
+        </p:txBody>
+      </p:sp>
+      <p:sp>
+        <p:nvSpPr>
+          <p:cNvPr id="2" name=""/>
+          <p:cNvSpPr/>
           <p:nvPr/>
         </p:nvSpPr>
         <p:spPr>
           <a:xfrm>
             <a:off x="3420000" y="5220000"/>
-            <a:ext cx="3240000" cy="360000"/>
-          </a:xfrm>
-          <a:prstGeom prst="rect">
-            <a:avLst/>
-          </a:prstGeom>
-          <a:noFill/>
-          <a:ln w="0">
-            <a:noFill/>
-          </a:ln>
-        </p:spPr>
+            <a:ext cx="3239640" cy="359640"/>
+          </a:xfrm>
+          <a:prstGeom prst="rect">
+            <a:avLst/>
+          </a:prstGeom>
+          <a:noFill/>
+          <a:ln w="0">
+            <a:noFill/>
+          </a:ln>
+        </p:spPr>
+        <p:style>
+          <a:lnRef idx="0"/>
+          <a:fillRef idx="0"/>
+          <a:effectRef idx="0"/>
+          <a:fontRef idx="minor"/>
+        </p:style>
         <p:txBody>
           <a:bodyPr lIns="0" rIns="0" tIns="0" bIns="0" anchor="t">
             <a:noAutofit/>
           </a:bodyPr>
           <a:p>
             <a:pPr algn="ctr">
+              <a:lnSpc>
+                <a:spcPct val="100000"/>
+              </a:lnSpc>
               <a:buNone/>
             </a:pPr>
             <a:r>
@@ -4426,42 +3974,48 @@
               <a:t>&lt;footer&gt;</a:t>
             </a:r>
             <a:endParaRPr b="0" lang="en-US" sz="1400" spc="-1" strike="noStrike">
-              <a:solidFill>
-                <a:srgbClr val="ffffff"/>
-              </a:solidFill>
-              <a:latin typeface="Arial"/>
-            </a:endParaRPr>
-          </a:p>
-        </p:txBody>
-      </p:sp>
-      <p:sp>
-        <p:nvSpPr>
-          <p:cNvPr id="5" name=""/>
-          <p:cNvSpPr txBox="1"/>
+              <a:latin typeface="Arial"/>
+            </a:endParaRPr>
+          </a:p>
+        </p:txBody>
+      </p:sp>
+      <p:sp>
+        <p:nvSpPr>
+          <p:cNvPr id="3" name=""/>
+          <p:cNvSpPr/>
           <p:nvPr/>
         </p:nvSpPr>
         <p:spPr>
           <a:xfrm>
             <a:off x="7380000" y="5220000"/>
-            <a:ext cx="2340000" cy="360000"/>
-          </a:xfrm>
-          <a:prstGeom prst="rect">
-            <a:avLst/>
-          </a:prstGeom>
-          <a:noFill/>
-          <a:ln w="0">
-            <a:noFill/>
-          </a:ln>
-        </p:spPr>
+            <a:ext cx="2339640" cy="359640"/>
+          </a:xfrm>
+          <a:prstGeom prst="rect">
+            <a:avLst/>
+          </a:prstGeom>
+          <a:noFill/>
+          <a:ln w="0">
+            <a:noFill/>
+          </a:ln>
+        </p:spPr>
+        <p:style>
+          <a:lnRef idx="0"/>
+          <a:fillRef idx="0"/>
+          <a:effectRef idx="0"/>
+          <a:fontRef idx="minor"/>
+        </p:style>
         <p:txBody>
           <a:bodyPr lIns="0" rIns="0" tIns="0" bIns="0" anchor="t">
             <a:noAutofit/>
           </a:bodyPr>
           <a:p>
             <a:pPr algn="r">
+              <a:lnSpc>
+                <a:spcPct val="100000"/>
+              </a:lnSpc>
               <a:buNone/>
             </a:pPr>
-            <a:fld id="{CD8A632D-8C6A-4F56-8FB7-5B3483B89FE1}" type="slidenum">
+            <a:fld id="{13499D36-F35D-47D0-8CDD-D913263891EA}" type="slidenum">
               <a:rPr b="0" lang="en-US" sz="1400" spc="-1" strike="noStrike">
                 <a:solidFill>
                   <a:srgbClr val="ffffff"/>
@@ -4471,9 +4025,229 @@
               <a:t>&lt;number&gt;</a:t>
             </a:fld>
             <a:endParaRPr b="0" lang="en-US" sz="1400" spc="-1" strike="noStrike">
-              <a:solidFill>
-                <a:srgbClr val="ffffff"/>
-              </a:solidFill>
+              <a:latin typeface="Arial"/>
+            </a:endParaRPr>
+          </a:p>
+        </p:txBody>
+      </p:sp>
+      <p:sp>
+        <p:nvSpPr>
+          <p:cNvPr id="4" name="PlaceHolder 1"/>
+          <p:cNvSpPr>
+            <a:spLocks noGrp="1"/>
+          </p:cNvSpPr>
+          <p:nvPr>
+            <p:ph type="title"/>
+          </p:nvPr>
+        </p:nvSpPr>
+        <p:spPr>
+          <a:xfrm>
+            <a:off x="360000" y="180000"/>
+            <a:ext cx="9359640" cy="477720"/>
+          </a:xfrm>
+          <a:prstGeom prst="rect">
+            <a:avLst/>
+          </a:prstGeom>
+          <a:noFill/>
+          <a:ln w="0">
+            <a:noFill/>
+          </a:ln>
+        </p:spPr>
+        <p:txBody>
+          <a:bodyPr lIns="0" rIns="0" tIns="0" bIns="0" anchor="ctr">
+            <a:noAutofit/>
+          </a:bodyPr>
+          <a:p>
+            <a:r>
+              <a:rPr b="0" lang="en-US" sz="1800" spc="-1" strike="noStrike">
+                <a:latin typeface="Arial"/>
+              </a:rPr>
+              <a:t>Click to edit the title text format</a:t>
+            </a:r>
+            <a:endParaRPr b="0" lang="en-US" sz="1800" spc="-1" strike="noStrike">
+              <a:latin typeface="Arial"/>
+            </a:endParaRPr>
+          </a:p>
+        </p:txBody>
+      </p:sp>
+      <p:sp>
+        <p:nvSpPr>
+          <p:cNvPr id="5" name="PlaceHolder 2"/>
+          <p:cNvSpPr>
+            <a:spLocks noGrp="1"/>
+          </p:cNvSpPr>
+          <p:nvPr>
+            <p:ph type="body"/>
+          </p:nvPr>
+        </p:nvSpPr>
+        <p:spPr>
+          <a:xfrm>
+            <a:off x="504000" y="1326600"/>
+            <a:ext cx="9072000" cy="3288600"/>
+          </a:xfrm>
+          <a:prstGeom prst="rect">
+            <a:avLst/>
+          </a:prstGeom>
+          <a:noFill/>
+          <a:ln w="0">
+            <a:noFill/>
+          </a:ln>
+        </p:spPr>
+        <p:txBody>
+          <a:bodyPr lIns="0" rIns="0" tIns="0" bIns="0" anchor="t">
+            <a:normAutofit/>
+          </a:bodyPr>
+          <a:p>
+            <a:pPr marL="432000" indent="-324000">
+              <a:spcBef>
+                <a:spcPts val="1417"/>
+              </a:spcBef>
+              <a:buClr>
+                <a:srgbClr val="000000"/>
+              </a:buClr>
+              <a:buSzPct val="45000"/>
+              <a:buFont typeface="Wingdings" charset="2"/>
+              <a:buChar char=""/>
+            </a:pPr>
+            <a:r>
+              <a:rPr b="0" lang="en-US" sz="3200" spc="-1" strike="noStrike">
+                <a:latin typeface="Arial"/>
+              </a:rPr>
+              <a:t>Click to edit the outline text format</a:t>
+            </a:r>
+            <a:endParaRPr b="0" lang="en-US" sz="3200" spc="-1" strike="noStrike">
+              <a:latin typeface="Arial"/>
+            </a:endParaRPr>
+          </a:p>
+          <a:p>
+            <a:pPr lvl="1" marL="864000" indent="-324000">
+              <a:spcBef>
+                <a:spcPts val="1134"/>
+              </a:spcBef>
+              <a:buClr>
+                <a:srgbClr val="000000"/>
+              </a:buClr>
+              <a:buSzPct val="75000"/>
+              <a:buFont typeface="Symbol" charset="2"/>
+              <a:buChar char=""/>
+            </a:pPr>
+            <a:r>
+              <a:rPr b="0" lang="en-US" sz="2800" spc="-1" strike="noStrike">
+                <a:latin typeface="Arial"/>
+              </a:rPr>
+              <a:t>Second Outline Level</a:t>
+            </a:r>
+            <a:endParaRPr b="0" lang="en-US" sz="2800" spc="-1" strike="noStrike">
+              <a:latin typeface="Arial"/>
+            </a:endParaRPr>
+          </a:p>
+          <a:p>
+            <a:pPr lvl="2" marL="1296000" indent="-288000">
+              <a:spcBef>
+                <a:spcPts val="850"/>
+              </a:spcBef>
+              <a:buClr>
+                <a:srgbClr val="000000"/>
+              </a:buClr>
+              <a:buSzPct val="45000"/>
+              <a:buFont typeface="Wingdings" charset="2"/>
+              <a:buChar char=""/>
+            </a:pPr>
+            <a:r>
+              <a:rPr b="0" lang="en-US" sz="2400" spc="-1" strike="noStrike">
+                <a:latin typeface="Arial"/>
+              </a:rPr>
+              <a:t>Third Outline Level</a:t>
+            </a:r>
+            <a:endParaRPr b="0" lang="en-US" sz="2400" spc="-1" strike="noStrike">
+              <a:latin typeface="Arial"/>
+            </a:endParaRPr>
+          </a:p>
+          <a:p>
+            <a:pPr lvl="3" marL="1728000" indent="-216000">
+              <a:spcBef>
+                <a:spcPts val="567"/>
+              </a:spcBef>
+              <a:buClr>
+                <a:srgbClr val="000000"/>
+              </a:buClr>
+              <a:buSzPct val="75000"/>
+              <a:buFont typeface="Symbol" charset="2"/>
+              <a:buChar char=""/>
+            </a:pPr>
+            <a:r>
+              <a:rPr b="0" lang="en-US" sz="2000" spc="-1" strike="noStrike">
+                <a:latin typeface="Arial"/>
+              </a:rPr>
+              <a:t>Fourth Outline Level</a:t>
+            </a:r>
+            <a:endParaRPr b="0" lang="en-US" sz="2000" spc="-1" strike="noStrike">
+              <a:latin typeface="Arial"/>
+            </a:endParaRPr>
+          </a:p>
+          <a:p>
+            <a:pPr lvl="4" marL="2160000" indent="-216000">
+              <a:spcBef>
+                <a:spcPts val="283"/>
+              </a:spcBef>
+              <a:buClr>
+                <a:srgbClr val="000000"/>
+              </a:buClr>
+              <a:buSzPct val="45000"/>
+              <a:buFont typeface="Wingdings" charset="2"/>
+              <a:buChar char=""/>
+            </a:pPr>
+            <a:r>
+              <a:rPr b="0" lang="en-US" sz="2000" spc="-1" strike="noStrike">
+                <a:latin typeface="Arial"/>
+              </a:rPr>
+              <a:t>Fifth Outline Level</a:t>
+            </a:r>
+            <a:endParaRPr b="0" lang="en-US" sz="2000" spc="-1" strike="noStrike">
+              <a:latin typeface="Arial"/>
+            </a:endParaRPr>
+          </a:p>
+          <a:p>
+            <a:pPr lvl="5" marL="2592000" indent="-216000">
+              <a:spcBef>
+                <a:spcPts val="283"/>
+              </a:spcBef>
+              <a:buClr>
+                <a:srgbClr val="000000"/>
+              </a:buClr>
+              <a:buSzPct val="45000"/>
+              <a:buFont typeface="Wingdings" charset="2"/>
+              <a:buChar char=""/>
+            </a:pPr>
+            <a:r>
+              <a:rPr b="0" lang="en-US" sz="2000" spc="-1" strike="noStrike">
+                <a:latin typeface="Arial"/>
+              </a:rPr>
+              <a:t>Sixth Outline Level</a:t>
+            </a:r>
+            <a:endParaRPr b="0" lang="en-US" sz="2000" spc="-1" strike="noStrike">
+              <a:latin typeface="Arial"/>
+            </a:endParaRPr>
+          </a:p>
+          <a:p>
+            <a:pPr lvl="6" marL="3024000" indent="-216000">
+              <a:spcBef>
+                <a:spcPts val="283"/>
+              </a:spcBef>
+              <a:buClr>
+                <a:srgbClr val="000000"/>
+              </a:buClr>
+              <a:buSzPct val="45000"/>
+              <a:buFont typeface="Wingdings" charset="2"/>
+              <a:buChar char=""/>
+            </a:pPr>
+            <a:r>
+              <a:rPr b="0" lang="en-US" sz="2000" spc="-1" strike="noStrike">
+                <a:latin typeface="Arial"/>
+              </a:rPr>
+              <a:t>Seventh Outline Level</a:t>
+            </a:r>
+            <a:endParaRPr b="0" lang="en-US" sz="2000" spc="-1" strike="noStrike">
               <a:latin typeface="Arial"/>
             </a:endParaRPr>
           </a:p>
@@ -4525,7 +4299,7 @@
         <p:spPr>
           <a:xfrm>
             <a:off x="0" y="0"/>
-            <a:ext cx="10076760" cy="720000"/>
+            <a:ext cx="10076400" cy="719640"/>
           </a:xfrm>
           <a:prstGeom prst="rect">
             <a:avLst/>
@@ -4545,7 +4319,7 @@
             <a:noFill/>
           </a:ln>
           <a:effectLst>
-            <a:outerShdw dist="10800" dir="5400000" blurRad="0" rotWithShape="0">
+            <a:outerShdw blurRad="0" dir="5400000" dist="10800" rotWithShape="0">
               <a:srgbClr val="009bdd"/>
             </a:outerShdw>
           </a:effectLst>
@@ -4566,7 +4340,7 @@
         <p:spPr>
           <a:xfrm>
             <a:off x="3240" y="5040000"/>
-            <a:ext cx="10076760" cy="631440"/>
+            <a:ext cx="10076400" cy="631080"/>
           </a:xfrm>
           <a:prstGeom prst="rect">
             <a:avLst/>
@@ -4586,7 +4360,7 @@
             <a:noFill/>
           </a:ln>
           <a:effectLst>
-            <a:outerShdw dist="10800" dir="5400000" blurRad="0" rotWithShape="0">
+            <a:outerShdw blurRad="0" dir="5400000" dist="10800" rotWithShape="0">
               <a:srgbClr val="009bdd"/>
             </a:outerShdw>
           </a:effectLst>
@@ -4611,7 +4385,7 @@
         <p:spPr>
           <a:xfrm>
             <a:off x="360000" y="180000"/>
-            <a:ext cx="9360000" cy="478080"/>
+            <a:ext cx="9359640" cy="477720"/>
           </a:xfrm>
           <a:prstGeom prst="rect">
             <a:avLst/>
@@ -4626,22 +4400,13 @@
             <a:noAutofit/>
           </a:bodyPr>
           <a:p>
-            <a:pPr algn="ctr">
-              <a:buNone/>
-            </a:pPr>
-            <a:r>
-              <a:rPr b="0" lang="en-US" sz="3300" spc="-1" strike="noStrike">
-                <a:solidFill>
-                  <a:srgbClr val="ffffff"/>
-                </a:solidFill>
+            <a:r>
+              <a:rPr b="0" lang="en-US" sz="1800" spc="-1" strike="noStrike">
                 <a:latin typeface="Arial"/>
               </a:rPr>
               <a:t>Click to edit the title text format</a:t>
             </a:r>
-            <a:endParaRPr b="0" lang="en-US" sz="3300" spc="-1" strike="noStrike">
-              <a:solidFill>
-                <a:srgbClr val="ffffff"/>
-              </a:solidFill>
+            <a:endParaRPr b="0" lang="en-US" sz="1800" spc="-1" strike="noStrike">
               <a:latin typeface="Arial"/>
             </a:endParaRPr>
           </a:p>
@@ -4660,7 +4425,7 @@
         <p:spPr>
           <a:xfrm>
             <a:off x="360000" y="1080000"/>
-            <a:ext cx="9360000" cy="3600000"/>
+            <a:ext cx="9359640" cy="3599640"/>
           </a:xfrm>
           <a:prstGeom prst="rect">
             <a:avLst/>
@@ -4677,66 +4442,98 @@
           <a:p>
             <a:pPr marL="432000" indent="-324000">
               <a:spcBef>
-                <a:spcPts val="1060"/>
+                <a:spcPts val="1417"/>
               </a:spcBef>
               <a:buClr>
-                <a:srgbClr val="77caee"/>
+                <a:srgbClr val="000000"/>
               </a:buClr>
               <a:buSzPct val="45000"/>
               <a:buFont typeface="Wingdings" charset="2"/>
               <a:buChar char=""/>
             </a:pPr>
             <a:r>
-              <a:rPr b="0" lang="en-US" sz="2400" spc="-1" strike="noStrike">
-                <a:solidFill>
-                  <a:srgbClr val="009bdd"/>
-                </a:solidFill>
+              <a:rPr b="0" lang="en-US" sz="1800" spc="-1" strike="noStrike">
                 <a:latin typeface="Arial"/>
               </a:rPr>
               <a:t>Click to edit the outline text format</a:t>
             </a:r>
-            <a:endParaRPr b="0" lang="en-US" sz="2400" spc="-1" strike="noStrike">
-              <a:solidFill>
-                <a:srgbClr val="009bdd"/>
-              </a:solidFill>
+            <a:endParaRPr b="0" lang="en-US" sz="1800" spc="-1" strike="noStrike">
               <a:latin typeface="Arial"/>
             </a:endParaRPr>
           </a:p>
           <a:p>
             <a:pPr lvl="1" marL="864000" indent="-324000">
+              <a:spcBef>
+                <a:spcPts val="1134"/>
+              </a:spcBef>
+              <a:buClr>
+                <a:srgbClr val="000000"/>
+              </a:buClr>
+              <a:buSzPct val="75000"/>
+              <a:buFont typeface="Symbol" charset="2"/>
+              <a:buChar char=""/>
+            </a:pPr>
+            <a:r>
+              <a:rPr b="0" lang="en-US" sz="1800" spc="-1" strike="noStrike">
+                <a:latin typeface="Arial"/>
+              </a:rPr>
+              <a:t>Second Outline Level</a:t>
+            </a:r>
+            <a:endParaRPr b="0" lang="en-US" sz="1800" spc="-1" strike="noStrike">
+              <a:latin typeface="Arial"/>
+            </a:endParaRPr>
+          </a:p>
+          <a:p>
+            <a:pPr lvl="2" marL="1296000" indent="-288000">
               <a:spcBef>
                 <a:spcPts val="850"/>
               </a:spcBef>
               <a:buClr>
-                <a:srgbClr val="77caee"/>
+                <a:srgbClr val="000000"/>
               </a:buClr>
               <a:buSzPct val="45000"/>
               <a:buFont typeface="Wingdings" charset="2"/>
               <a:buChar char=""/>
             </a:pPr>
             <a:r>
-              <a:rPr b="0" lang="en-US" sz="2100" spc="-1" strike="noStrike">
-                <a:solidFill>
-                  <a:srgbClr val="009bdd"/>
-                </a:solidFill>
+              <a:rPr b="0" lang="en-US" sz="1800" spc="-1" strike="noStrike">
                 <a:latin typeface="Arial"/>
               </a:rPr>
-              <a:t>Second Outline Level</a:t>
-            </a:r>
-            <a:endParaRPr b="0" lang="en-US" sz="2100" spc="-1" strike="noStrike">
-              <a:solidFill>
-                <a:srgbClr val="009bdd"/>
-              </a:solidFill>
-              <a:latin typeface="Arial"/>
-            </a:endParaRPr>
-          </a:p>
-          <a:p>
-            <a:pPr lvl="2" marL="1296000" indent="-288000">
+              <a:t>Third Outline Level</a:t>
+            </a:r>
+            <a:endParaRPr b="0" lang="en-US" sz="1800" spc="-1" strike="noStrike">
+              <a:latin typeface="Arial"/>
+            </a:endParaRPr>
+          </a:p>
+          <a:p>
+            <a:pPr lvl="3" marL="1728000" indent="-216000">
               <a:spcBef>
-                <a:spcPts val="635"/>
+                <a:spcPts val="567"/>
               </a:spcBef>
               <a:buClr>
-                <a:srgbClr val="77caee"/>
+                <a:srgbClr val="000000"/>
+              </a:buClr>
+              <a:buSzPct val="75000"/>
+              <a:buFont typeface="Symbol" charset="2"/>
+              <a:buChar char=""/>
+            </a:pPr>
+            <a:r>
+              <a:rPr b="0" lang="en-US" sz="1800" spc="-1" strike="noStrike">
+                <a:latin typeface="Arial"/>
+              </a:rPr>
+              <a:t>Fourth Outline Level</a:t>
+            </a:r>
+            <a:endParaRPr b="0" lang="en-US" sz="1800" spc="-1" strike="noStrike">
+              <a:latin typeface="Arial"/>
+            </a:endParaRPr>
+          </a:p>
+          <a:p>
+            <a:pPr lvl="4" marL="2160000" indent="-216000">
+              <a:spcBef>
+                <a:spcPts val="283"/>
+              </a:spcBef>
+              <a:buClr>
+                <a:srgbClr val="000000"/>
               </a:buClr>
               <a:buSzPct val="45000"/>
               <a:buFont typeface="Wingdings" charset="2"/>
@@ -4744,129 +4541,55 @@
             </a:pPr>
             <a:r>
               <a:rPr b="0" lang="en-US" sz="1800" spc="-1" strike="noStrike">
-                <a:solidFill>
-                  <a:srgbClr val="009bdd"/>
-                </a:solidFill>
                 <a:latin typeface="Arial"/>
               </a:rPr>
-              <a:t>Third Outline Level</a:t>
+              <a:t>Fifth Outline Level</a:t>
             </a:r>
             <a:endParaRPr b="0" lang="en-US" sz="1800" spc="-1" strike="noStrike">
-              <a:solidFill>
-                <a:srgbClr val="009bdd"/>
-              </a:solidFill>
-              <a:latin typeface="Arial"/>
-            </a:endParaRPr>
-          </a:p>
-          <a:p>
-            <a:pPr lvl="3" marL="1728000" indent="-216000">
+              <a:latin typeface="Arial"/>
+            </a:endParaRPr>
+          </a:p>
+          <a:p>
+            <a:pPr lvl="5" marL="2592000" indent="-216000">
               <a:spcBef>
-                <a:spcPts val="422"/>
+                <a:spcPts val="283"/>
               </a:spcBef>
               <a:buClr>
-                <a:srgbClr val="77caee"/>
+                <a:srgbClr val="000000"/>
               </a:buClr>
               <a:buSzPct val="45000"/>
               <a:buFont typeface="Wingdings" charset="2"/>
               <a:buChar char=""/>
             </a:pPr>
             <a:r>
-              <a:rPr b="0" lang="en-US" sz="1500" spc="-1" strike="noStrike">
-                <a:solidFill>
-                  <a:srgbClr val="009bdd"/>
-                </a:solidFill>
+              <a:rPr b="0" lang="en-US" sz="1800" spc="-1" strike="noStrike">
                 <a:latin typeface="Arial"/>
               </a:rPr>
-              <a:t>Fourth Outline Level</a:t>
-            </a:r>
-            <a:endParaRPr b="0" lang="en-US" sz="1500" spc="-1" strike="noStrike">
-              <a:solidFill>
-                <a:srgbClr val="009bdd"/>
-              </a:solidFill>
-              <a:latin typeface="Arial"/>
-            </a:endParaRPr>
-          </a:p>
-          <a:p>
-            <a:pPr lvl="4" marL="2160000" indent="-216000">
+              <a:t>Sixth Outline Level</a:t>
+            </a:r>
+            <a:endParaRPr b="0" lang="en-US" sz="1800" spc="-1" strike="noStrike">
+              <a:latin typeface="Arial"/>
+            </a:endParaRPr>
+          </a:p>
+          <a:p>
+            <a:pPr lvl="6" marL="3024000" indent="-216000">
               <a:spcBef>
-                <a:spcPts val="210"/>
+                <a:spcPts val="283"/>
               </a:spcBef>
               <a:buClr>
-                <a:srgbClr val="77caee"/>
+                <a:srgbClr val="000000"/>
               </a:buClr>
               <a:buSzPct val="45000"/>
               <a:buFont typeface="Wingdings" charset="2"/>
               <a:buChar char=""/>
             </a:pPr>
             <a:r>
-              <a:rPr b="0" lang="en-US" sz="1500" spc="-1" strike="noStrike">
-                <a:solidFill>
-                  <a:srgbClr val="009bdd"/>
-                </a:solidFill>
-                <a:latin typeface="Arial"/>
-              </a:rPr>
-              <a:t>Fifth Outline Level</a:t>
-            </a:r>
-            <a:endParaRPr b="0" lang="en-US" sz="1500" spc="-1" strike="noStrike">
-              <a:solidFill>
-                <a:srgbClr val="009bdd"/>
-              </a:solidFill>
-              <a:latin typeface="Arial"/>
-            </a:endParaRPr>
-          </a:p>
-          <a:p>
-            <a:pPr lvl="5" marL="2592000" indent="-216000">
-              <a:spcBef>
-                <a:spcPts val="210"/>
-              </a:spcBef>
-              <a:buClr>
-                <a:srgbClr val="77caee"/>
-              </a:buClr>
-              <a:buSzPct val="45000"/>
-              <a:buFont typeface="Wingdings" charset="2"/>
-              <a:buChar char=""/>
-            </a:pPr>
-            <a:r>
-              <a:rPr b="0" lang="en-US" sz="1500" spc="-1" strike="noStrike">
-                <a:solidFill>
-                  <a:srgbClr val="009bdd"/>
-                </a:solidFill>
-                <a:latin typeface="Arial"/>
-              </a:rPr>
-              <a:t>Sixth Outline Level</a:t>
-            </a:r>
-            <a:endParaRPr b="0" lang="en-US" sz="1500" spc="-1" strike="noStrike">
-              <a:solidFill>
-                <a:srgbClr val="009bdd"/>
-              </a:solidFill>
-              <a:latin typeface="Arial"/>
-            </a:endParaRPr>
-          </a:p>
-          <a:p>
-            <a:pPr lvl="6" marL="3024000" indent="-216000">
-              <a:spcBef>
-                <a:spcPts val="210"/>
-              </a:spcBef>
-              <a:buClr>
-                <a:srgbClr val="77caee"/>
-              </a:buClr>
-              <a:buSzPct val="45000"/>
-              <a:buFont typeface="Wingdings" charset="2"/>
-              <a:buChar char=""/>
-            </a:pPr>
-            <a:r>
-              <a:rPr b="0" lang="en-US" sz="1500" spc="-1" strike="noStrike">
-                <a:solidFill>
-                  <a:srgbClr val="009bdd"/>
-                </a:solidFill>
+              <a:rPr b="0" lang="en-US" sz="1800" spc="-1" strike="noStrike">
                 <a:latin typeface="Arial"/>
               </a:rPr>
               <a:t>Seventh Outline Level</a:t>
             </a:r>
-            <a:endParaRPr b="0" lang="en-US" sz="1500" spc="-1" strike="noStrike">
-              <a:solidFill>
-                <a:srgbClr val="009bdd"/>
-              </a:solidFill>
+            <a:endParaRPr b="0" lang="en-US" sz="1800" spc="-1" strike="noStrike">
               <a:latin typeface="Arial"/>
             </a:endParaRPr>
           </a:p>
@@ -4879,13 +4602,13 @@
             <a:spLocks noGrp="1"/>
           </p:cNvSpPr>
           <p:nvPr>
-            <p:ph type="dt" idx="1"/>
-          </p:nvPr>
-        </p:nvSpPr>
-        <p:spPr>
-          <a:xfrm>
-            <a:off x="360000" y="5220000"/>
-            <a:ext cx="2340000" cy="360000"/>
+            <p:ph type="ftr" idx="1"/>
+          </p:nvPr>
+        </p:nvSpPr>
+        <p:spPr>
+          <a:xfrm>
+            <a:off x="3420000" y="5220000"/>
+            <a:ext cx="3239640" cy="359640"/>
           </a:xfrm>
           <a:prstGeom prst="rect">
             <a:avLst/>
@@ -4900,63 +4623,10 @@
             <a:noAutofit/>
           </a:bodyPr>
           <a:lstStyle>
-            <a:lvl1pPr>
-              <a:defRPr b="0" lang="en-US" sz="1400" spc="-1" strike="noStrike">
-                <a:solidFill>
-                  <a:srgbClr val="ffffff"/>
-                </a:solidFill>
-                <a:latin typeface="Arial"/>
-              </a:defRPr>
-            </a:lvl1pPr>
-          </a:lstStyle>
-          <a:p>
-            <a:r>
-              <a:rPr b="0" lang="en-US" sz="1400" spc="-1" strike="noStrike">
-                <a:solidFill>
-                  <a:srgbClr val="ffffff"/>
-                </a:solidFill>
-                <a:latin typeface="Arial"/>
-              </a:rPr>
-              <a:t>&lt;date/time&gt;</a:t>
-            </a:r>
-            <a:endParaRPr b="0" lang="en-US" sz="1400" spc="-1" strike="noStrike">
-              <a:solidFill>
-                <a:srgbClr val="ffffff"/>
-              </a:solidFill>
-              <a:latin typeface="Arial"/>
-            </a:endParaRPr>
-          </a:p>
-        </p:txBody>
-      </p:sp>
-      <p:sp>
-        <p:nvSpPr>
-          <p:cNvPr id="47" name="PlaceHolder 4"/>
-          <p:cNvSpPr>
-            <a:spLocks noGrp="1"/>
-          </p:cNvSpPr>
-          <p:nvPr>
-            <p:ph type="ftr" idx="2"/>
-          </p:nvPr>
-        </p:nvSpPr>
-        <p:spPr>
-          <a:xfrm>
-            <a:off x="3420000" y="5220000"/>
-            <a:ext cx="3240000" cy="360000"/>
-          </a:xfrm>
-          <a:prstGeom prst="rect">
-            <a:avLst/>
-          </a:prstGeom>
-          <a:noFill/>
-          <a:ln w="0">
-            <a:noFill/>
-          </a:ln>
-        </p:spPr>
-        <p:txBody>
-          <a:bodyPr lIns="0" rIns="0" tIns="0" bIns="0" anchor="t">
-            <a:noAutofit/>
-          </a:bodyPr>
-          <a:lstStyle>
             <a:lvl1pPr algn="ctr">
+              <a:lnSpc>
+                <a:spcPct val="100000"/>
+              </a:lnSpc>
               <a:buNone/>
               <a:defRPr b="0" lang="en-US" sz="1400" spc="-1" strike="noStrike">
                 <a:solidFill>
@@ -4968,6 +4638,9 @@
           </a:lstStyle>
           <a:p>
             <a:pPr algn="ctr">
+              <a:lnSpc>
+                <a:spcPct val="100000"/>
+              </a:lnSpc>
               <a:buNone/>
             </a:pPr>
             <a:r>
@@ -4980,28 +4653,25 @@
               <a:t>&lt;footer&gt;</a:t>
             </a:r>
             <a:endParaRPr b="0" lang="en-US" sz="1400" spc="-1" strike="noStrike">
-              <a:solidFill>
-                <a:srgbClr val="ffffff"/>
-              </a:solidFill>
-              <a:latin typeface="Arial"/>
-            </a:endParaRPr>
-          </a:p>
-        </p:txBody>
-      </p:sp>
-      <p:sp>
-        <p:nvSpPr>
-          <p:cNvPr id="48" name="PlaceHolder 5"/>
-          <p:cNvSpPr>
-            <a:spLocks noGrp="1"/>
-          </p:cNvSpPr>
-          <p:nvPr>
-            <p:ph type="sldNum" idx="3"/>
+              <a:latin typeface="Times New Roman"/>
+            </a:endParaRPr>
+          </a:p>
+        </p:txBody>
+      </p:sp>
+      <p:sp>
+        <p:nvSpPr>
+          <p:cNvPr id="47" name="PlaceHolder 4"/>
+          <p:cNvSpPr>
+            <a:spLocks noGrp="1"/>
+          </p:cNvSpPr>
+          <p:nvPr>
+            <p:ph type="sldNum" idx="2"/>
           </p:nvPr>
         </p:nvSpPr>
         <p:spPr>
           <a:xfrm>
             <a:off x="7380000" y="5220000"/>
-            <a:ext cx="2340000" cy="360000"/>
+            <a:ext cx="2339640" cy="359640"/>
           </a:xfrm>
           <a:prstGeom prst="rect">
             <a:avLst/>
@@ -5017,6 +4687,9 @@
           </a:bodyPr>
           <a:lstStyle>
             <a:lvl1pPr algn="r">
+              <a:lnSpc>
+                <a:spcPct val="100000"/>
+              </a:lnSpc>
               <a:buNone/>
               <a:defRPr b="0" lang="en-US" sz="1400" spc="-1" strike="noStrike">
                 <a:solidFill>
@@ -5028,9 +4701,12 @@
           </a:lstStyle>
           <a:p>
             <a:pPr algn="r">
+              <a:lnSpc>
+                <a:spcPct val="100000"/>
+              </a:lnSpc>
               <a:buNone/>
             </a:pPr>
-            <a:fld id="{C15B11E0-6454-44E5-80E4-98BCF40DE451}" type="slidenum">
+            <a:fld id="{E8E247F7-BA1F-45EB-9877-BAA6C20923BC}" type="slidenum">
               <a:rPr b="0" lang="en-US" sz="1400" spc="-1" strike="noStrike">
                 <a:solidFill>
                   <a:srgbClr val="ffffff"/>
@@ -5040,10 +4716,54 @@
               <a:t>&lt;number&gt;</a:t>
             </a:fld>
             <a:endParaRPr b="0" lang="en-US" sz="1400" spc="-1" strike="noStrike">
-              <a:solidFill>
-                <a:srgbClr val="ffffff"/>
-              </a:solidFill>
-              <a:latin typeface="Arial"/>
+              <a:latin typeface="Times New Roman"/>
+            </a:endParaRPr>
+          </a:p>
+        </p:txBody>
+      </p:sp>
+      <p:sp>
+        <p:nvSpPr>
+          <p:cNvPr id="48" name="PlaceHolder 5"/>
+          <p:cNvSpPr>
+            <a:spLocks noGrp="1"/>
+          </p:cNvSpPr>
+          <p:nvPr>
+            <p:ph type="dt" idx="3"/>
+          </p:nvPr>
+        </p:nvSpPr>
+        <p:spPr>
+          <a:xfrm>
+            <a:off x="360000" y="5220000"/>
+            <a:ext cx="2339640" cy="359640"/>
+          </a:xfrm>
+          <a:prstGeom prst="rect">
+            <a:avLst/>
+          </a:prstGeom>
+          <a:noFill/>
+          <a:ln w="0">
+            <a:noFill/>
+          </a:ln>
+        </p:spPr>
+        <p:txBody>
+          <a:bodyPr lIns="0" rIns="0" tIns="0" bIns="0" anchor="t">
+            <a:noAutofit/>
+          </a:bodyPr>
+          <a:lstStyle>
+            <a:lvl1pPr>
+              <a:defRPr b="0" lang="en-US" sz="1400" spc="-1" strike="noStrike">
+                <a:latin typeface="Times New Roman"/>
+              </a:defRPr>
+            </a:lvl1pPr>
+          </a:lstStyle>
+          <a:p>
+            <a:r>
+              <a:rPr b="0" lang="en-US" sz="1400" spc="-1" strike="noStrike">
+                <a:latin typeface="Times New Roman"/>
+              </a:rPr>
+              <a:t>&lt;date/time&gt;</a:t>
+            </a:r>
+            <a:endParaRPr b="0" lang="en-US" sz="1400" spc="-1" strike="noStrike">
+              <a:latin typeface="Times New Roman"/>
             </a:endParaRPr>
           </a:p>
         </p:txBody>
@@ -5098,7 +4818,7 @@
         <p:spPr>
           <a:xfrm>
             <a:off x="601200" y="1620000"/>
-            <a:ext cx="9000000" cy="1080000"/>
+            <a:ext cx="8999640" cy="1079640"/>
           </a:xfrm>
           <a:prstGeom prst="rect">
             <a:avLst/>
@@ -5114,6 +4834,9 @@
           </a:bodyPr>
           <a:p>
             <a:pPr algn="ctr">
+              <a:lnSpc>
+                <a:spcPct val="100000"/>
+              </a:lnSpc>
               <a:buNone/>
             </a:pPr>
             <a:r>
@@ -5126,9 +4849,6 @@
               <a:t>Przetwarzanie i przechowywanie opisu siatki trójkątnej na płaszczyźnie</a:t>
             </a:r>
             <a:endParaRPr b="0" lang="zxx" sz="3300" spc="-1" strike="noStrike">
-              <a:solidFill>
-                <a:srgbClr val="c9211e"/>
-              </a:solidFill>
               <a:latin typeface="Arial"/>
             </a:endParaRPr>
           </a:p>
@@ -5137,13 +4857,13 @@
       <p:sp>
         <p:nvSpPr>
           <p:cNvPr id="86" name=""/>
-          <p:cNvSpPr txBox="1"/>
+          <p:cNvSpPr/>
           <p:nvPr/>
         </p:nvSpPr>
         <p:spPr>
           <a:xfrm>
             <a:off x="3258000" y="2860920"/>
-            <a:ext cx="3631320" cy="339480"/>
+            <a:ext cx="3630960" cy="339120"/>
           </a:xfrm>
           <a:prstGeom prst="rect">
             <a:avLst/>
@@ -5153,12 +4873,24 @@
             <a:noFill/>
           </a:ln>
         </p:spPr>
+        <p:style>
+          <a:lnRef idx="0"/>
+          <a:fillRef idx="0"/>
+          <a:effectRef idx="0"/>
+          <a:fontRef idx="minor"/>
+        </p:style>
         <p:txBody>
           <a:bodyPr lIns="90000" rIns="90000" tIns="45000" bIns="45000" anchor="t">
             <a:noAutofit/>
           </a:bodyPr>
           <a:p>
-            <a:fld id="{187424D5-CDEE-4F94-B88F-2EED77FA0702}" type="author">
+            <a:pPr>
+              <a:lnSpc>
+                <a:spcPct val="100000"/>
+              </a:lnSpc>
+              <a:buNone/>
+            </a:pPr>
+            <a:fld id="{3118AB5B-E573-49F9-BE47-6DA1EAB753FD}" type="author">
               <a:rPr b="0" lang="zxx" sz="1800" spc="-1" strike="noStrike">
                 <a:solidFill>
                   <a:srgbClr val="c9211e"/>
@@ -5174,23 +4906,1986 @@
                 </a:solidFill>
                 <a:latin typeface="Arial"/>
               </a:rPr>
-              <a:t>Mateusz Zając, </a:t>
-            </a:r>
-            <a:r>
-              <a:rPr b="0" lang="zxx" sz="1800" spc="-1" strike="noStrike">
+              <a:t>Mateusz Zając, Błażej Kapkowski</a:t>
+            </a:r>
+            <a:endParaRPr b="0" lang="zxx" sz="1800" spc="-1" strike="noStrike">
+              <a:latin typeface="Arial"/>
+            </a:endParaRPr>
+          </a:p>
+        </p:txBody>
+      </p:sp>
+    </p:spTree>
+  </p:cSld>
+  <mc:AlternateContent>
+    <mc:Choice Requires="p14">
+      <p:transition spd="slow" p14:dur="2000"/>
+    </mc:Choice>
+    <mc:Fallback>
+      <p:transition spd="slow"/>
+    </mc:Fallback>
+  </mc:AlternateContent>
+</p:sld>
+</file>
+
+<file path=ppt/slides/slide10.xml><?xml version="1.0" encoding="utf-8"?>
+<p:sld xmlns:a="http://schemas.openxmlformats.org/drawingml/2006/main" xmlns:p="http://schemas.openxmlformats.org/presentationml/2006/main" xmlns:r="http://schemas.openxmlformats.org/officeDocument/2006/relationships" xmlns:p14="http://schemas.microsoft.com/office/powerpoint/2010/main" xmlns:p15="http://schemas.microsoft.com/office/powerpoint/2012/main" xmlns:mc="http://schemas.openxmlformats.org/markup-compatibility/2006">
+  <p:cSld>
+    <p:spTree>
+      <p:nvGrpSpPr>
+        <p:cNvPr id="1" name=""/>
+        <p:cNvGrpSpPr/>
+        <p:nvPr/>
+      </p:nvGrpSpPr>
+      <p:grpSpPr>
+        <a:xfrm>
+          <a:off x="0" y="0"/>
+          <a:ext cx="0" cy="0"/>
+          <a:chOff x="0" y="0"/>
+          <a:chExt cx="0" cy="0"/>
+        </a:xfrm>
+      </p:grpSpPr>
+      <p:sp>
+        <p:nvSpPr>
+          <p:cNvPr id="103" name="PlaceHolder 1"/>
+          <p:cNvSpPr>
+            <a:spLocks noGrp="1"/>
+          </p:cNvSpPr>
+          <p:nvPr>
+            <p:ph type="title"/>
+          </p:nvPr>
+        </p:nvSpPr>
+        <p:spPr>
+          <a:xfrm>
+            <a:off x="360000" y="180000"/>
+            <a:ext cx="9359640" cy="477720"/>
+          </a:xfrm>
+          <a:prstGeom prst="rect">
+            <a:avLst/>
+          </a:prstGeom>
+          <a:noFill/>
+          <a:ln w="0">
+            <a:noFill/>
+          </a:ln>
+        </p:spPr>
+        <p:txBody>
+          <a:bodyPr lIns="0" rIns="0" tIns="0" bIns="0" anchor="ctr">
+            <a:noAutofit/>
+          </a:bodyPr>
+          <a:p>
+            <a:pPr algn="ctr">
+              <a:lnSpc>
+                <a:spcPct val="100000"/>
+              </a:lnSpc>
+              <a:buNone/>
+            </a:pPr>
+            <a:r>
+              <a:rPr b="0" lang="zxx" sz="3300" spc="-1" strike="noStrike">
                 <a:solidFill>
-                  <a:srgbClr val="c9211e"/>
+                  <a:srgbClr val="ffffff"/>
                 </a:solidFill>
                 <a:latin typeface="Arial"/>
               </a:rPr>
-              <a:t>Błażej Kapkowski</a:t>
-            </a:r>
-            <a:endParaRPr b="0" lang="zxx" sz="1800" spc="-1" strike="noStrike">
+              <a:t>Prosta struktura, 3. operacja</a:t>
+            </a:r>
+            <a:endParaRPr b="0" lang="zxx" sz="3300" spc="-1" strike="noStrike">
+              <a:latin typeface="Arial"/>
+            </a:endParaRPr>
+          </a:p>
+        </p:txBody>
+      </p:sp>
+      <p:pic>
+        <p:nvPicPr>
+          <p:cNvPr id="104" name="" descr=""/>
+          <p:cNvPicPr/>
+          <p:nvPr/>
+        </p:nvPicPr>
+        <p:blipFill>
+          <a:blip r:embed="rId1"/>
+          <a:stretch/>
+        </p:blipFill>
+        <p:spPr>
+          <a:xfrm>
+            <a:off x="2337120" y="976680"/>
+            <a:ext cx="5448240" cy="4084200"/>
+          </a:xfrm>
+          <a:prstGeom prst="rect">
+            <a:avLst/>
+          </a:prstGeom>
+          <a:ln w="0">
+            <a:noFill/>
+          </a:ln>
+        </p:spPr>
+      </p:pic>
+      <p:sp>
+        <p:nvSpPr>
+          <p:cNvPr id="3" name="PlaceHolder 2"/>
+          <p:cNvSpPr>
+            <a:spLocks noGrp="1"/>
+          </p:cNvSpPr>
+          <p:nvPr>
+            <p:ph type="sldNum" idx="2"/>
+          </p:nvPr>
+        </p:nvSpPr>
+        <p:spPr/>
+        <p:txBody>
+          <a:bodyPr/>
+          <a:p>
+            <a:fld id="{56D6A8FE-DC87-4E80-B050-FD3F38DE962D}" type="slidenum">
+              <a:t>10</a:t>
+            </a:fld>
+          </a:p>
+        </p:txBody>
+      </p:sp>
+      <p:sp>
+        <p:nvSpPr>
+          <p:cNvPr id="4" name="PlaceHolder 3"/>
+          <p:cNvSpPr>
+            <a:spLocks noGrp="1"/>
+          </p:cNvSpPr>
+          <p:nvPr>
+            <p:ph type="dt" idx="3"/>
+          </p:nvPr>
+        </p:nvSpPr>
+        <p:spPr/>
+        <p:txBody>
+          <a:bodyPr/>
+          <a:p>
+            <a:fld id="{57465D20-C192-4B45-9B13-4F104675E0C9}" type="datetime1">
+              <a:rPr lang="en-US"/>
+              <a:t>01/07/2024</a:t>
+            </a:fld>
+          </a:p>
+        </p:txBody>
+      </p:sp>
+    </p:spTree>
+  </p:cSld>
+  <mc:AlternateContent>
+    <mc:Choice Requires="p14">
+      <p:transition spd="slow" p14:dur="2000"/>
+    </mc:Choice>
+    <mc:Fallback>
+      <p:transition spd="slow"/>
+    </mc:Fallback>
+  </mc:AlternateContent>
+</p:sld>
+</file>
+
+<file path=ppt/slides/slide11.xml><?xml version="1.0" encoding="utf-8"?>
+<p:sld xmlns:a="http://schemas.openxmlformats.org/drawingml/2006/main" xmlns:p="http://schemas.openxmlformats.org/presentationml/2006/main" xmlns:r="http://schemas.openxmlformats.org/officeDocument/2006/relationships" xmlns:p14="http://schemas.microsoft.com/office/powerpoint/2010/main" xmlns:p15="http://schemas.microsoft.com/office/powerpoint/2012/main" xmlns:mc="http://schemas.openxmlformats.org/markup-compatibility/2006">
+  <p:cSld>
+    <p:spTree>
+      <p:nvGrpSpPr>
+        <p:cNvPr id="1" name=""/>
+        <p:cNvGrpSpPr/>
+        <p:nvPr/>
+      </p:nvGrpSpPr>
+      <p:grpSpPr>
+        <a:xfrm>
+          <a:off x="0" y="0"/>
+          <a:ext cx="0" cy="0"/>
+          <a:chOff x="0" y="0"/>
+          <a:chExt cx="0" cy="0"/>
+        </a:xfrm>
+      </p:grpSpPr>
+      <p:sp>
+        <p:nvSpPr>
+          <p:cNvPr id="105" name="PlaceHolder 1"/>
+          <p:cNvSpPr>
+            <a:spLocks noGrp="1"/>
+          </p:cNvSpPr>
+          <p:nvPr>
+            <p:ph type="title"/>
+          </p:nvPr>
+        </p:nvSpPr>
+        <p:spPr>
+          <a:xfrm>
+            <a:off x="360000" y="180000"/>
+            <a:ext cx="9359640" cy="477720"/>
+          </a:xfrm>
+          <a:prstGeom prst="rect">
+            <a:avLst/>
+          </a:prstGeom>
+          <a:noFill/>
+          <a:ln w="0">
+            <a:noFill/>
+          </a:ln>
+        </p:spPr>
+        <p:txBody>
+          <a:bodyPr lIns="0" rIns="0" tIns="0" bIns="0" anchor="ctr">
+            <a:noAutofit/>
+          </a:bodyPr>
+          <a:p>
+            <a:pPr algn="ctr">
+              <a:lnSpc>
+                <a:spcPct val="100000"/>
+              </a:lnSpc>
+              <a:buNone/>
+            </a:pPr>
+            <a:r>
+              <a:rPr b="0" lang="zxx" sz="3300" spc="-1" strike="noStrike">
+                <a:solidFill>
+                  <a:srgbClr val="ffffff"/>
+                </a:solidFill>
+                <a:latin typeface="Arial"/>
+              </a:rPr>
+              <a:t>Struktura Half Edge</a:t>
+            </a:r>
+            <a:endParaRPr b="0" lang="zxx" sz="3300" spc="-1" strike="noStrike">
+              <a:latin typeface="Arial"/>
+            </a:endParaRPr>
+          </a:p>
+        </p:txBody>
+      </p:sp>
+      <p:sp>
+        <p:nvSpPr>
+          <p:cNvPr id="106" name="PlaceHolder 2"/>
+          <p:cNvSpPr>
+            <a:spLocks noGrp="1"/>
+          </p:cNvSpPr>
+          <p:nvPr>
+            <p:ph/>
+          </p:nvPr>
+        </p:nvSpPr>
+        <p:spPr>
+          <a:xfrm>
+            <a:off x="360000" y="1080000"/>
+            <a:ext cx="9359640" cy="3599640"/>
+          </a:xfrm>
+          <a:prstGeom prst="rect">
+            <a:avLst/>
+          </a:prstGeom>
+          <a:noFill/>
+          <a:ln w="0">
+            <a:noFill/>
+          </a:ln>
+        </p:spPr>
+        <p:txBody>
+          <a:bodyPr lIns="0" rIns="0" tIns="0" bIns="0" anchor="t">
+            <a:noAutofit/>
+          </a:bodyPr>
+          <a:p>
+            <a:pPr marL="432000" indent="-324000" algn="just">
+              <a:lnSpc>
+                <a:spcPct val="100000"/>
+              </a:lnSpc>
+              <a:spcBef>
+                <a:spcPts val="1060"/>
+              </a:spcBef>
+              <a:buClr>
+                <a:srgbClr val="77caee"/>
+              </a:buClr>
+              <a:buSzPct val="45000"/>
+              <a:buFont typeface="Wingdings" charset="2"/>
+              <a:buChar char=""/>
+            </a:pPr>
+            <a:r>
+              <a:rPr b="0" lang="zxx" sz="2400" spc="-1" strike="noStrike">
+                <a:solidFill>
+                  <a:srgbClr val="009bdd"/>
+                </a:solidFill>
+                <a:latin typeface="Arial"/>
+              </a:rPr>
+              <a:t>Struktura Half Edge (lub też Double Connected Edge List) dzieli każdą nieskierowaną krawędź na dwie skierowane.</a:t>
+            </a:r>
+            <a:endParaRPr b="0" lang="zxx" sz="2400" spc="-1" strike="noStrike">
+              <a:latin typeface="Arial"/>
+            </a:endParaRPr>
+          </a:p>
+          <a:p>
+            <a:pPr marL="432000" indent="-324000" algn="just">
+              <a:lnSpc>
+                <a:spcPct val="100000"/>
+              </a:lnSpc>
+              <a:spcBef>
+                <a:spcPts val="1060"/>
+              </a:spcBef>
+              <a:buClr>
+                <a:srgbClr val="77caee"/>
+              </a:buClr>
+              <a:buSzPct val="45000"/>
+              <a:buFont typeface="Wingdings" charset="2"/>
+              <a:buChar char=""/>
+            </a:pPr>
+            <a:r>
+              <a:rPr b="0" lang="zxx" sz="2400" spc="-1" strike="noStrike">
+                <a:solidFill>
+                  <a:srgbClr val="009bdd"/>
+                </a:solidFill>
+                <a:latin typeface="Arial"/>
+              </a:rPr>
+              <a:t>Każda taka krawędź ma wskaźnik do drugiej krawędzi z pary.</a:t>
+            </a:r>
+            <a:endParaRPr b="0" lang="zxx" sz="2400" spc="-1" strike="noStrike">
+              <a:latin typeface="Arial"/>
+            </a:endParaRPr>
+          </a:p>
+          <a:p>
+            <a:pPr marL="432000" indent="-324000" algn="just">
+              <a:lnSpc>
+                <a:spcPct val="100000"/>
+              </a:lnSpc>
+              <a:spcBef>
+                <a:spcPts val="1060"/>
+              </a:spcBef>
+              <a:buClr>
+                <a:srgbClr val="77caee"/>
+              </a:buClr>
+              <a:buSzPct val="45000"/>
+              <a:buFont typeface="Wingdings" charset="2"/>
+              <a:buChar char=""/>
+            </a:pPr>
+            <a:r>
+              <a:rPr b="0" lang="zxx" sz="2400" spc="-1" strike="noStrike">
+                <a:solidFill>
+                  <a:srgbClr val="009bdd"/>
+                </a:solidFill>
+                <a:latin typeface="Arial"/>
+              </a:rPr>
+              <a:t>Poza tym, każda krawędź wskaźnik na następną oraz poprzednią krawędź należącą do trójkąta – trzy kolejne krawędzie tworzą cykl.</a:t>
+            </a:r>
+            <a:endParaRPr b="0" lang="zxx" sz="2400" spc="-1" strike="noStrike">
+              <a:latin typeface="Arial"/>
+            </a:endParaRPr>
+          </a:p>
+          <a:p>
+            <a:pPr marL="432000" indent="-324000" algn="just">
+              <a:lnSpc>
+                <a:spcPct val="100000"/>
+              </a:lnSpc>
+              <a:spcBef>
+                <a:spcPts val="1060"/>
+              </a:spcBef>
+              <a:buClr>
+                <a:srgbClr val="77caee"/>
+              </a:buClr>
+              <a:buSzPct val="45000"/>
+              <a:buFont typeface="Wingdings" charset="2"/>
+              <a:buChar char=""/>
+            </a:pPr>
+            <a:r>
+              <a:rPr b="0" lang="zxx" sz="2400" spc="-1" strike="noStrike">
+                <a:solidFill>
+                  <a:srgbClr val="009bdd"/>
+                </a:solidFill>
+                <a:latin typeface="Arial"/>
+              </a:rPr>
+              <a:t>Krawędź zawiera też indeks wierzchołka, z którego wychodzi, a także indeks trójkąta, z którym sąsiaduje (lub None, jeśli z żadnym)</a:t>
+            </a:r>
+            <a:endParaRPr b="0" lang="zxx" sz="2400" spc="-1" strike="noStrike">
+              <a:latin typeface="Arial"/>
+            </a:endParaRPr>
+          </a:p>
+        </p:txBody>
+      </p:sp>
+      <p:sp>
+        <p:nvSpPr>
+          <p:cNvPr id="4" name="PlaceHolder 3"/>
+          <p:cNvSpPr>
+            <a:spLocks noGrp="1"/>
+          </p:cNvSpPr>
+          <p:nvPr>
+            <p:ph type="sldNum" idx="2"/>
+          </p:nvPr>
+        </p:nvSpPr>
+        <p:spPr/>
+        <p:txBody>
+          <a:bodyPr/>
+          <a:p>
+            <a:fld id="{4E1548D0-A15F-45FC-ADB3-B845B844879B}" type="slidenum">
+              <a:t>11</a:t>
+            </a:fld>
+          </a:p>
+        </p:txBody>
+      </p:sp>
+      <p:sp>
+        <p:nvSpPr>
+          <p:cNvPr id="5" name="PlaceHolder 4"/>
+          <p:cNvSpPr>
+            <a:spLocks noGrp="1"/>
+          </p:cNvSpPr>
+          <p:nvPr>
+            <p:ph type="dt" idx="3"/>
+          </p:nvPr>
+        </p:nvSpPr>
+        <p:spPr/>
+        <p:txBody>
+          <a:bodyPr/>
+          <a:p>
+            <a:fld id="{AD1C5B36-7D5D-40F8-8A74-B604CBFD8542}" type="datetime1">
+              <a:rPr lang="en-US"/>
+              <a:t>01/07/2024</a:t>
+            </a:fld>
+          </a:p>
+        </p:txBody>
+      </p:sp>
+    </p:spTree>
+  </p:cSld>
+  <mc:AlternateContent>
+    <mc:Choice Requires="p14">
+      <p:transition spd="slow" p14:dur="2000"/>
+    </mc:Choice>
+    <mc:Fallback>
+      <p:transition spd="slow"/>
+    </mc:Fallback>
+  </mc:AlternateContent>
+</p:sld>
+</file>
+
+<file path=ppt/slides/slide12.xml><?xml version="1.0" encoding="utf-8"?>
+<p:sld xmlns:a="http://schemas.openxmlformats.org/drawingml/2006/main" xmlns:p="http://schemas.openxmlformats.org/presentationml/2006/main" xmlns:r="http://schemas.openxmlformats.org/officeDocument/2006/relationships" xmlns:p14="http://schemas.microsoft.com/office/powerpoint/2010/main" xmlns:p15="http://schemas.microsoft.com/office/powerpoint/2012/main" xmlns:mc="http://schemas.openxmlformats.org/markup-compatibility/2006">
+  <p:cSld>
+    <p:spTree>
+      <p:nvGrpSpPr>
+        <p:cNvPr id="1" name=""/>
+        <p:cNvGrpSpPr/>
+        <p:nvPr/>
+      </p:nvGrpSpPr>
+      <p:grpSpPr>
+        <a:xfrm>
+          <a:off x="0" y="0"/>
+          <a:ext cx="0" cy="0"/>
+          <a:chOff x="0" y="0"/>
+          <a:chExt cx="0" cy="0"/>
+        </a:xfrm>
+      </p:grpSpPr>
+      <p:sp>
+        <p:nvSpPr>
+          <p:cNvPr id="107" name="PlaceHolder 1"/>
+          <p:cNvSpPr>
+            <a:spLocks noGrp="1"/>
+          </p:cNvSpPr>
+          <p:nvPr>
+            <p:ph type="title"/>
+          </p:nvPr>
+        </p:nvSpPr>
+        <p:spPr>
+          <a:xfrm>
+            <a:off x="360000" y="180000"/>
+            <a:ext cx="9359640" cy="477720"/>
+          </a:xfrm>
+          <a:prstGeom prst="rect">
+            <a:avLst/>
+          </a:prstGeom>
+          <a:noFill/>
+          <a:ln w="0">
+            <a:noFill/>
+          </a:ln>
+        </p:spPr>
+        <p:txBody>
+          <a:bodyPr lIns="0" rIns="0" tIns="0" bIns="0" anchor="ctr">
+            <a:noAutofit/>
+          </a:bodyPr>
+          <a:p>
+            <a:pPr algn="ctr">
+              <a:lnSpc>
+                <a:spcPct val="100000"/>
+              </a:lnSpc>
+              <a:buNone/>
+            </a:pPr>
+            <a:r>
+              <a:rPr b="0" lang="zxx" sz="3300" spc="-1" strike="noStrike">
+                <a:solidFill>
+                  <a:srgbClr val="ffffff"/>
+                </a:solidFill>
+                <a:latin typeface="Arial"/>
+              </a:rPr>
+              <a:t>Struktura Half Edge</a:t>
+            </a:r>
+            <a:endParaRPr b="0" lang="zxx" sz="3300" spc="-1" strike="noStrike">
+              <a:latin typeface="Arial"/>
+            </a:endParaRPr>
+          </a:p>
+        </p:txBody>
+      </p:sp>
+      <p:pic>
+        <p:nvPicPr>
+          <p:cNvPr id="108" name="" descr=""/>
+          <p:cNvPicPr/>
+          <p:nvPr/>
+        </p:nvPicPr>
+        <p:blipFill>
+          <a:blip r:embed="rId1"/>
+          <a:stretch/>
+        </p:blipFill>
+        <p:spPr>
+          <a:xfrm>
+            <a:off x="2553120" y="949680"/>
+            <a:ext cx="5037840" cy="3799800"/>
+          </a:xfrm>
+          <a:prstGeom prst="rect">
+            <a:avLst/>
+          </a:prstGeom>
+          <a:ln w="18000">
+            <a:noFill/>
+          </a:ln>
+        </p:spPr>
+      </p:pic>
+      <p:sp>
+        <p:nvSpPr>
+          <p:cNvPr id="3" name="PlaceHolder 2"/>
+          <p:cNvSpPr>
+            <a:spLocks noGrp="1"/>
+          </p:cNvSpPr>
+          <p:nvPr>
+            <p:ph type="sldNum" idx="2"/>
+          </p:nvPr>
+        </p:nvSpPr>
+        <p:spPr/>
+        <p:txBody>
+          <a:bodyPr/>
+          <a:p>
+            <a:fld id="{A68F2AC2-2D16-4EE0-BBDB-0AF974FFB907}" type="slidenum">
+              <a:t>12</a:t>
+            </a:fld>
+          </a:p>
+        </p:txBody>
+      </p:sp>
+      <p:sp>
+        <p:nvSpPr>
+          <p:cNvPr id="4" name="PlaceHolder 3"/>
+          <p:cNvSpPr>
+            <a:spLocks noGrp="1"/>
+          </p:cNvSpPr>
+          <p:nvPr>
+            <p:ph type="dt" idx="3"/>
+          </p:nvPr>
+        </p:nvSpPr>
+        <p:spPr/>
+        <p:txBody>
+          <a:bodyPr/>
+          <a:p>
+            <a:fld id="{015158CA-6433-44D4-BFB2-A532E2006F02}" type="datetime1">
+              <a:rPr lang="en-US"/>
+              <a:t>01/07/2024</a:t>
+            </a:fld>
+          </a:p>
+        </p:txBody>
+      </p:sp>
+    </p:spTree>
+  </p:cSld>
+  <mc:AlternateContent>
+    <mc:Choice Requires="p14">
+      <p:transition spd="slow" p14:dur="2000"/>
+    </mc:Choice>
+    <mc:Fallback>
+      <p:transition spd="slow"/>
+    </mc:Fallback>
+  </mc:AlternateContent>
+</p:sld>
+</file>
+
+<file path=ppt/slides/slide13.xml><?xml version="1.0" encoding="utf-8"?>
+<p:sld xmlns:a="http://schemas.openxmlformats.org/drawingml/2006/main" xmlns:p="http://schemas.openxmlformats.org/presentationml/2006/main" xmlns:r="http://schemas.openxmlformats.org/officeDocument/2006/relationships" xmlns:p14="http://schemas.microsoft.com/office/powerpoint/2010/main" xmlns:p15="http://schemas.microsoft.com/office/powerpoint/2012/main" xmlns:mc="http://schemas.openxmlformats.org/markup-compatibility/2006">
+  <p:cSld>
+    <p:spTree>
+      <p:nvGrpSpPr>
+        <p:cNvPr id="1" name=""/>
+        <p:cNvGrpSpPr/>
+        <p:nvPr/>
+      </p:nvGrpSpPr>
+      <p:grpSpPr>
+        <a:xfrm>
+          <a:off x="0" y="0"/>
+          <a:ext cx="0" cy="0"/>
+          <a:chOff x="0" y="0"/>
+          <a:chExt cx="0" cy="0"/>
+        </a:xfrm>
+      </p:grpSpPr>
+      <p:sp>
+        <p:nvSpPr>
+          <p:cNvPr id="109" name="PlaceHolder 1"/>
+          <p:cNvSpPr>
+            <a:spLocks noGrp="1"/>
+          </p:cNvSpPr>
+          <p:nvPr>
+            <p:ph type="title"/>
+          </p:nvPr>
+        </p:nvSpPr>
+        <p:spPr>
+          <a:xfrm>
+            <a:off x="360000" y="180000"/>
+            <a:ext cx="9359640" cy="477720"/>
+          </a:xfrm>
+          <a:prstGeom prst="rect">
+            <a:avLst/>
+          </a:prstGeom>
+          <a:noFill/>
+          <a:ln w="0">
+            <a:noFill/>
+          </a:ln>
+        </p:spPr>
+        <p:txBody>
+          <a:bodyPr lIns="0" rIns="0" tIns="0" bIns="0" anchor="ctr">
+            <a:noAutofit/>
+          </a:bodyPr>
+          <a:p>
+            <a:pPr algn="ctr">
+              <a:buNone/>
+            </a:pPr>
+            <a:r>
+              <a:rPr b="0" lang="zxx" sz="3300" spc="-1" strike="noStrike">
+                <a:solidFill>
+                  <a:srgbClr val="ffffff"/>
+                </a:solidFill>
+                <a:latin typeface="arial"/>
+              </a:rPr>
+              <a:t>Struktura Half Edge</a:t>
+            </a:r>
+            <a:endParaRPr b="0" lang="zxx" sz="3300" spc="-1" strike="noStrike">
               <a:solidFill>
-                <a:srgbClr val="c9211e"/>
+                <a:srgbClr val="ffffff"/>
               </a:solidFill>
-              <a:latin typeface="Arial"/>
-            </a:endParaRPr>
+              <a:latin typeface="arial"/>
+            </a:endParaRPr>
+          </a:p>
+        </p:txBody>
+      </p:sp>
+      <p:sp>
+        <p:nvSpPr>
+          <p:cNvPr id="110" name="PlaceHolder 2"/>
+          <p:cNvSpPr>
+            <a:spLocks noGrp="1"/>
+          </p:cNvSpPr>
+          <p:nvPr>
+            <p:ph type="subTitle"/>
+          </p:nvPr>
+        </p:nvSpPr>
+        <p:spPr>
+          <a:xfrm>
+            <a:off x="360000" y="1080000"/>
+            <a:ext cx="9359640" cy="3599640"/>
+          </a:xfrm>
+          <a:prstGeom prst="rect">
+            <a:avLst/>
+          </a:prstGeom>
+          <a:noFill/>
+          <a:ln w="0">
+            <a:noFill/>
+          </a:ln>
+        </p:spPr>
+        <p:txBody>
+          <a:bodyPr lIns="0" rIns="0" tIns="0" bIns="0" anchor="t">
+            <a:noAutofit/>
+          </a:bodyPr>
+          <a:p>
+            <a:pPr algn="just">
+              <a:buNone/>
+            </a:pPr>
+            <a:r>
+              <a:rPr b="0" lang="zxx" sz="2400" spc="-1" strike="noStrike">
+                <a:solidFill>
+                  <a:srgbClr val="009bdd"/>
+                </a:solidFill>
+                <a:latin typeface="arial"/>
+              </a:rPr>
+              <a:t>Ponadto, do każdego wierzchołka przypisano jedną, dowolną krawędź, która z niego wychodzi.</a:t>
+            </a:r>
+            <a:endParaRPr b="0" lang="zxx" sz="2400" spc="-1" strike="noStrike">
+              <a:solidFill>
+                <a:srgbClr val="009bdd"/>
+              </a:solidFill>
+              <a:latin typeface="arial"/>
+            </a:endParaRPr>
+          </a:p>
+          <a:p>
+            <a:pPr algn="just">
+              <a:buNone/>
+            </a:pPr>
+            <a:r>
+              <a:rPr b="0" lang="zxx" sz="2400" spc="-1" strike="noStrike">
+                <a:solidFill>
+                  <a:srgbClr val="009bdd"/>
+                </a:solidFill>
+                <a:latin typeface="arial"/>
+              </a:rPr>
+              <a:t>Do każdego trójkąta zaś przypisano jedną, dowolną krawędź, która do niego należy.</a:t>
+            </a:r>
+            <a:endParaRPr b="0" lang="zxx" sz="2400" spc="-1" strike="noStrike">
+              <a:solidFill>
+                <a:srgbClr val="009bdd"/>
+              </a:solidFill>
+              <a:latin typeface="arial"/>
+            </a:endParaRPr>
+          </a:p>
+          <a:p>
+            <a:pPr algn="just">
+              <a:buNone/>
+            </a:pPr>
+            <a:r>
+              <a:rPr b="0" lang="zxx" sz="2400" spc="-1" strike="noStrike">
+                <a:solidFill>
+                  <a:srgbClr val="009bdd"/>
+                </a:solidFill>
+                <a:latin typeface="arial"/>
+              </a:rPr>
+              <a:t>Dzięki temu, podczas wyznaczania sąsiednich wierzchołków lub trójkątów, mając indeks tego, z którego się zaczyna, można od razu przejść do związanej z obiektem krawędzi. </a:t>
+            </a:r>
+            <a:endParaRPr b="0" lang="zxx" sz="2400" spc="-1" strike="noStrike">
+              <a:solidFill>
+                <a:srgbClr val="009bdd"/>
+              </a:solidFill>
+              <a:latin typeface="arial"/>
+            </a:endParaRPr>
+          </a:p>
+        </p:txBody>
+      </p:sp>
+      <p:sp>
+        <p:nvSpPr>
+          <p:cNvPr id="4" name="PlaceHolder 3"/>
+          <p:cNvSpPr>
+            <a:spLocks noGrp="1"/>
+          </p:cNvSpPr>
+          <p:nvPr>
+            <p:ph type="sldNum" idx="2"/>
+          </p:nvPr>
+        </p:nvSpPr>
+        <p:spPr/>
+        <p:txBody>
+          <a:bodyPr/>
+          <a:p>
+            <a:fld id="{6B58CB63-4194-4A09-B4EB-CD9E06E90081}" type="slidenum">
+              <a:t>13</a:t>
+            </a:fld>
+          </a:p>
+        </p:txBody>
+      </p:sp>
+      <p:sp>
+        <p:nvSpPr>
+          <p:cNvPr id="5" name="PlaceHolder 4"/>
+          <p:cNvSpPr>
+            <a:spLocks noGrp="1"/>
+          </p:cNvSpPr>
+          <p:nvPr>
+            <p:ph type="dt" idx="3"/>
+          </p:nvPr>
+        </p:nvSpPr>
+        <p:spPr/>
+        <p:txBody>
+          <a:bodyPr/>
+          <a:p>
+            <a:fld id="{229ADC58-656C-4F62-9955-26FA1BA6CB38}" type="datetime1">
+              <a:rPr lang="en-US"/>
+              <a:t>01/07/2024</a:t>
+            </a:fld>
+          </a:p>
+        </p:txBody>
+      </p:sp>
+    </p:spTree>
+  </p:cSld>
+  <mc:AlternateContent>
+    <mc:Choice Requires="p14">
+      <p:transition spd="slow" p14:dur="2000"/>
+    </mc:Choice>
+    <mc:Fallback>
+      <p:transition spd="slow"/>
+    </mc:Fallback>
+  </mc:AlternateContent>
+</p:sld>
+</file>
+
+<file path=ppt/slides/slide14.xml><?xml version="1.0" encoding="utf-8"?>
+<p:sld xmlns:a="http://schemas.openxmlformats.org/drawingml/2006/main" xmlns:p="http://schemas.openxmlformats.org/presentationml/2006/main" xmlns:r="http://schemas.openxmlformats.org/officeDocument/2006/relationships" xmlns:p14="http://schemas.microsoft.com/office/powerpoint/2010/main" xmlns:p15="http://schemas.microsoft.com/office/powerpoint/2012/main" xmlns:mc="http://schemas.openxmlformats.org/markup-compatibility/2006">
+  <p:cSld>
+    <p:spTree>
+      <p:nvGrpSpPr>
+        <p:cNvPr id="1" name=""/>
+        <p:cNvGrpSpPr/>
+        <p:nvPr/>
+      </p:nvGrpSpPr>
+      <p:grpSpPr>
+        <a:xfrm>
+          <a:off x="0" y="0"/>
+          <a:ext cx="0" cy="0"/>
+          <a:chOff x="0" y="0"/>
+          <a:chExt cx="0" cy="0"/>
+        </a:xfrm>
+      </p:grpSpPr>
+      <p:sp>
+        <p:nvSpPr>
+          <p:cNvPr id="111" name="PlaceHolder 1"/>
+          <p:cNvSpPr>
+            <a:spLocks noGrp="1"/>
+          </p:cNvSpPr>
+          <p:nvPr>
+            <p:ph type="title"/>
+          </p:nvPr>
+        </p:nvSpPr>
+        <p:spPr>
+          <a:xfrm>
+            <a:off x="360000" y="180000"/>
+            <a:ext cx="9359640" cy="477720"/>
+          </a:xfrm>
+          <a:prstGeom prst="rect">
+            <a:avLst/>
+          </a:prstGeom>
+          <a:noFill/>
+          <a:ln w="0">
+            <a:noFill/>
+          </a:ln>
+        </p:spPr>
+        <p:txBody>
+          <a:bodyPr lIns="0" rIns="0" tIns="0" bIns="0" anchor="ctr">
+            <a:noAutofit/>
+          </a:bodyPr>
+          <a:p>
+            <a:pPr algn="ctr">
+              <a:buNone/>
+            </a:pPr>
+            <a:r>
+              <a:rPr b="0" lang="zxx" sz="3300" spc="-1" strike="noStrike">
+                <a:solidFill>
+                  <a:srgbClr val="ffffff"/>
+                </a:solidFill>
+                <a:latin typeface="arial"/>
+              </a:rPr>
+              <a:t>Half Edge - konstrukcja</a:t>
+            </a:r>
+            <a:endParaRPr b="0" lang="zxx" sz="3300" spc="-1" strike="noStrike">
+              <a:latin typeface="Arial"/>
+            </a:endParaRPr>
+          </a:p>
+        </p:txBody>
+      </p:sp>
+      <p:sp>
+        <p:nvSpPr>
+          <p:cNvPr id="112" name="PlaceHolder 2"/>
+          <p:cNvSpPr>
+            <a:spLocks noGrp="1"/>
+          </p:cNvSpPr>
+          <p:nvPr>
+            <p:ph/>
+          </p:nvPr>
+        </p:nvSpPr>
+        <p:spPr>
+          <a:xfrm>
+            <a:off x="360000" y="1080000"/>
+            <a:ext cx="9359640" cy="3599640"/>
+          </a:xfrm>
+          <a:prstGeom prst="rect">
+            <a:avLst/>
+          </a:prstGeom>
+          <a:noFill/>
+          <a:ln w="0">
+            <a:noFill/>
+          </a:ln>
+        </p:spPr>
+        <p:txBody>
+          <a:bodyPr lIns="0" rIns="0" tIns="0" bIns="0" anchor="t">
+            <a:normAutofit/>
+          </a:bodyPr>
+          <a:p>
+            <a:pPr marL="432000" indent="-324000" algn="just">
+              <a:spcBef>
+                <a:spcPts val="1417"/>
+              </a:spcBef>
+              <a:buClr>
+                <a:srgbClr val="000000"/>
+              </a:buClr>
+              <a:buSzPct val="45000"/>
+              <a:buFont typeface="Wingdings" charset="2"/>
+              <a:buChar char=""/>
+            </a:pPr>
+            <a:r>
+              <a:rPr b="0" lang="zxx" sz="2400" spc="-1" strike="noStrike">
+                <a:solidFill>
+                  <a:srgbClr val="009bdd"/>
+                </a:solidFill>
+                <a:latin typeface="Arial"/>
+              </a:rPr>
+              <a:t>Do konstrukcji struktury wykorzystano słownik. Kluczami były krotki, w których na 1. miejscu jest indeks tego wierzchołka, z którego krawędź wychodzi, a na 2. indeks tego, do którego wchodzi. Wpierw iteruje się po wszystkich trójkątach i tworzy się na ich podstawie krawędzie. Jeśli w słowniku umieszczona była już jedna z krawędzi trójkąta, wszystkie jego krawędzi się odwraca. Tworząc krawędzi trójkąta, przypisuje się jedną z nich do tego trójkąta, a także po jednej do każdego jego wierzchołka, jeśli jeszcze jej nie przypisano. Każde trzy krawędzie z trójkąta łączy się w cykl: do każdej przypisuje się poprzednią.</a:t>
+            </a:r>
+            <a:endParaRPr b="0" lang="zxx" sz="2400" spc="-1" strike="noStrike">
+              <a:solidFill>
+                <a:srgbClr val="009bdd"/>
+              </a:solidFill>
+              <a:latin typeface="Arial"/>
+            </a:endParaRPr>
+          </a:p>
+        </p:txBody>
+      </p:sp>
+      <p:sp>
+        <p:nvSpPr>
+          <p:cNvPr id="4" name="PlaceHolder 3"/>
+          <p:cNvSpPr>
+            <a:spLocks noGrp="1"/>
+          </p:cNvSpPr>
+          <p:nvPr>
+            <p:ph type="sldNum" idx="2"/>
+          </p:nvPr>
+        </p:nvSpPr>
+        <p:spPr/>
+        <p:txBody>
+          <a:bodyPr/>
+          <a:p>
+            <a:fld id="{4EA3D068-1B74-48E6-BB0A-6AA29BD79AE7}" type="slidenum">
+              <a:t>14</a:t>
+            </a:fld>
+          </a:p>
+        </p:txBody>
+      </p:sp>
+      <p:sp>
+        <p:nvSpPr>
+          <p:cNvPr id="5" name="PlaceHolder 4"/>
+          <p:cNvSpPr>
+            <a:spLocks noGrp="1"/>
+          </p:cNvSpPr>
+          <p:nvPr>
+            <p:ph type="dt" idx="3"/>
+          </p:nvPr>
+        </p:nvSpPr>
+        <p:spPr/>
+        <p:txBody>
+          <a:bodyPr/>
+          <a:p>
+            <a:fld id="{F56E4583-FD43-4ECF-A7FA-8D6456E48B50}" type="datetime1">
+              <a:rPr lang="en-US"/>
+              <a:t>01/07/2024</a:t>
+            </a:fld>
+          </a:p>
+        </p:txBody>
+      </p:sp>
+    </p:spTree>
+  </p:cSld>
+  <mc:AlternateContent>
+    <mc:Choice Requires="p14">
+      <p:transition spd="slow" p14:dur="2000"/>
+    </mc:Choice>
+    <mc:Fallback>
+      <p:transition spd="slow"/>
+    </mc:Fallback>
+  </mc:AlternateContent>
+</p:sld>
+</file>
+
+<file path=ppt/slides/slide15.xml><?xml version="1.0" encoding="utf-8"?>
+<p:sld xmlns:a="http://schemas.openxmlformats.org/drawingml/2006/main" xmlns:p="http://schemas.openxmlformats.org/presentationml/2006/main" xmlns:r="http://schemas.openxmlformats.org/officeDocument/2006/relationships" xmlns:p14="http://schemas.microsoft.com/office/powerpoint/2010/main" xmlns:p15="http://schemas.microsoft.com/office/powerpoint/2012/main" xmlns:mc="http://schemas.openxmlformats.org/markup-compatibility/2006">
+  <p:cSld>
+    <p:spTree>
+      <p:nvGrpSpPr>
+        <p:cNvPr id="1" name=""/>
+        <p:cNvGrpSpPr/>
+        <p:nvPr/>
+      </p:nvGrpSpPr>
+      <p:grpSpPr>
+        <a:xfrm>
+          <a:off x="0" y="0"/>
+          <a:ext cx="0" cy="0"/>
+          <a:chOff x="0" y="0"/>
+          <a:chExt cx="0" cy="0"/>
+        </a:xfrm>
+      </p:grpSpPr>
+      <p:sp>
+        <p:nvSpPr>
+          <p:cNvPr id="113" name="PlaceHolder 1"/>
+          <p:cNvSpPr>
+            <a:spLocks noGrp="1"/>
+          </p:cNvSpPr>
+          <p:nvPr>
+            <p:ph type="title"/>
+          </p:nvPr>
+        </p:nvSpPr>
+        <p:spPr>
+          <a:xfrm>
+            <a:off x="360000" y="180000"/>
+            <a:ext cx="9359640" cy="477720"/>
+          </a:xfrm>
+          <a:prstGeom prst="rect">
+            <a:avLst/>
+          </a:prstGeom>
+          <a:noFill/>
+          <a:ln w="0">
+            <a:noFill/>
+          </a:ln>
+        </p:spPr>
+        <p:txBody>
+          <a:bodyPr lIns="0" rIns="0" tIns="0" bIns="0" anchor="ctr">
+            <a:noAutofit/>
+          </a:bodyPr>
+          <a:p>
+            <a:pPr algn="ctr">
+              <a:buNone/>
+            </a:pPr>
+            <a:r>
+              <a:rPr b="0" lang="zxx" sz="3300" spc="-1" strike="noStrike">
+                <a:solidFill>
+                  <a:srgbClr val="ffffff"/>
+                </a:solidFill>
+                <a:latin typeface="arial"/>
+              </a:rPr>
+              <a:t>Half Edge – tworzenie krawędzi</a:t>
+            </a:r>
+            <a:endParaRPr b="0" lang="en-US" sz="3300" spc="-1" strike="noStrike">
+              <a:latin typeface="Arial"/>
+            </a:endParaRPr>
+          </a:p>
+        </p:txBody>
+      </p:sp>
+      <p:pic>
+        <p:nvPicPr>
+          <p:cNvPr id="114" name="" descr=""/>
+          <p:cNvPicPr/>
+          <p:nvPr/>
+        </p:nvPicPr>
+        <p:blipFill>
+          <a:blip r:embed="rId1"/>
+          <a:stretch/>
+        </p:blipFill>
+        <p:spPr>
+          <a:xfrm>
+            <a:off x="362160" y="1181520"/>
+            <a:ext cx="4438440" cy="3161880"/>
+          </a:xfrm>
+          <a:prstGeom prst="rect">
+            <a:avLst/>
+          </a:prstGeom>
+          <a:ln w="0">
+            <a:noFill/>
+          </a:ln>
+        </p:spPr>
+      </p:pic>
+      <p:pic>
+        <p:nvPicPr>
+          <p:cNvPr id="115" name="" descr=""/>
+          <p:cNvPicPr/>
+          <p:nvPr/>
+        </p:nvPicPr>
+        <p:blipFill>
+          <a:blip r:embed="rId2"/>
+          <a:stretch/>
+        </p:blipFill>
+        <p:spPr>
+          <a:xfrm>
+            <a:off x="4962960" y="1049040"/>
+            <a:ext cx="4638240" cy="3294360"/>
+          </a:xfrm>
+          <a:prstGeom prst="rect">
+            <a:avLst/>
+          </a:prstGeom>
+          <a:ln w="0">
+            <a:noFill/>
+          </a:ln>
+        </p:spPr>
+      </p:pic>
+      <p:sp>
+        <p:nvSpPr>
+          <p:cNvPr id="3" name="PlaceHolder 2"/>
+          <p:cNvSpPr>
+            <a:spLocks noGrp="1"/>
+          </p:cNvSpPr>
+          <p:nvPr>
+            <p:ph type="sldNum" idx="2"/>
+          </p:nvPr>
+        </p:nvSpPr>
+        <p:spPr/>
+        <p:txBody>
+          <a:bodyPr/>
+          <a:p>
+            <a:fld id="{6DB4529A-C50C-4848-B588-D944BBFC92B0}" type="slidenum">
+              <a:t>15</a:t>
+            </a:fld>
+          </a:p>
+        </p:txBody>
+      </p:sp>
+      <p:sp>
+        <p:nvSpPr>
+          <p:cNvPr id="4" name="PlaceHolder 3"/>
+          <p:cNvSpPr>
+            <a:spLocks noGrp="1"/>
+          </p:cNvSpPr>
+          <p:nvPr>
+            <p:ph type="dt" idx="3"/>
+          </p:nvPr>
+        </p:nvSpPr>
+        <p:spPr/>
+        <p:txBody>
+          <a:bodyPr/>
+          <a:p>
+            <a:fld id="{188904F7-CE2A-4F5D-8C07-CC66E4927FEA}" type="datetime1">
+              <a:rPr lang="en-US"/>
+              <a:t>01/07/2024</a:t>
+            </a:fld>
+          </a:p>
+        </p:txBody>
+      </p:sp>
+    </p:spTree>
+  </p:cSld>
+  <mc:AlternateContent>
+    <mc:Choice Requires="p14">
+      <p:transition spd="slow" p14:dur="2000"/>
+    </mc:Choice>
+    <mc:Fallback>
+      <p:transition spd="slow"/>
+    </mc:Fallback>
+  </mc:AlternateContent>
+</p:sld>
+</file>
+
+<file path=ppt/slides/slide16.xml><?xml version="1.0" encoding="utf-8"?>
+<p:sld xmlns:a="http://schemas.openxmlformats.org/drawingml/2006/main" xmlns:p="http://schemas.openxmlformats.org/presentationml/2006/main" xmlns:r="http://schemas.openxmlformats.org/officeDocument/2006/relationships" xmlns:p14="http://schemas.microsoft.com/office/powerpoint/2010/main" xmlns:p15="http://schemas.microsoft.com/office/powerpoint/2012/main" xmlns:mc="http://schemas.openxmlformats.org/markup-compatibility/2006">
+  <p:cSld>
+    <p:spTree>
+      <p:nvGrpSpPr>
+        <p:cNvPr id="1" name=""/>
+        <p:cNvGrpSpPr/>
+        <p:nvPr/>
+      </p:nvGrpSpPr>
+      <p:grpSpPr>
+        <a:xfrm>
+          <a:off x="0" y="0"/>
+          <a:ext cx="0" cy="0"/>
+          <a:chOff x="0" y="0"/>
+          <a:chExt cx="0" cy="0"/>
+        </a:xfrm>
+      </p:grpSpPr>
+      <p:sp>
+        <p:nvSpPr>
+          <p:cNvPr id="116" name="PlaceHolder 1"/>
+          <p:cNvSpPr>
+            <a:spLocks noGrp="1"/>
+          </p:cNvSpPr>
+          <p:nvPr>
+            <p:ph type="title"/>
+          </p:nvPr>
+        </p:nvSpPr>
+        <p:spPr>
+          <a:xfrm>
+            <a:off x="360000" y="180000"/>
+            <a:ext cx="9359640" cy="477720"/>
+          </a:xfrm>
+          <a:prstGeom prst="rect">
+            <a:avLst/>
+          </a:prstGeom>
+          <a:noFill/>
+          <a:ln w="0">
+            <a:noFill/>
+          </a:ln>
+        </p:spPr>
+        <p:txBody>
+          <a:bodyPr lIns="0" rIns="0" tIns="0" bIns="0" anchor="ctr">
+            <a:noAutofit/>
+          </a:bodyPr>
+          <a:p>
+            <a:pPr algn="ctr">
+              <a:buNone/>
+            </a:pPr>
+            <a:r>
+              <a:rPr b="0" lang="zxx" sz="3300" spc="-1" strike="noStrike">
+                <a:solidFill>
+                  <a:srgbClr val="ffffff"/>
+                </a:solidFill>
+                <a:latin typeface="arial"/>
+              </a:rPr>
+              <a:t>Half Edge – konstrukcja cd.</a:t>
+            </a:r>
+            <a:endParaRPr b="0" lang="zxx" sz="3300" spc="-1" strike="noStrike">
+              <a:latin typeface="Arial"/>
+            </a:endParaRPr>
+          </a:p>
+        </p:txBody>
+      </p:sp>
+      <p:sp>
+        <p:nvSpPr>
+          <p:cNvPr id="117" name="PlaceHolder 2"/>
+          <p:cNvSpPr>
+            <a:spLocks noGrp="1"/>
+          </p:cNvSpPr>
+          <p:nvPr>
+            <p:ph/>
+          </p:nvPr>
+        </p:nvSpPr>
+        <p:spPr>
+          <a:xfrm>
+            <a:off x="360000" y="1080000"/>
+            <a:ext cx="9359640" cy="3599640"/>
+          </a:xfrm>
+          <a:prstGeom prst="rect">
+            <a:avLst/>
+          </a:prstGeom>
+          <a:noFill/>
+          <a:ln w="0">
+            <a:noFill/>
+          </a:ln>
+        </p:spPr>
+        <p:txBody>
+          <a:bodyPr lIns="0" rIns="0" tIns="0" bIns="0" anchor="t">
+            <a:normAutofit fontScale="91000"/>
+          </a:bodyPr>
+          <a:p>
+            <a:pPr marL="432000" indent="-324000">
+              <a:spcBef>
+                <a:spcPts val="1417"/>
+              </a:spcBef>
+              <a:buClr>
+                <a:srgbClr val="000000"/>
+              </a:buClr>
+              <a:buSzPct val="45000"/>
+              <a:buFont typeface="Wingdings" charset="2"/>
+              <a:buChar char=""/>
+            </a:pPr>
+            <a:r>
+              <a:rPr b="0" lang="zxx" sz="2400" spc="-1" strike="noStrike">
+                <a:solidFill>
+                  <a:srgbClr val="009bdd"/>
+                </a:solidFill>
+                <a:latin typeface="Arial"/>
+              </a:rPr>
+              <a:t>Następnie iteruje się po kluczach słownika. Dla każdej krotki </a:t>
+            </a:r>
+            <a:r>
+              <a:rPr b="0" lang="zxx" sz="2400" spc="-1" strike="noStrike">
+                <a:solidFill>
+                  <a:srgbClr val="009bdd"/>
+                </a:solidFill>
+                <a:latin typeface="Arial"/>
+              </a:rPr>
+              <a:t>postaci (start, end), sprawdza się, czy krotka (end, start) </a:t>
+            </a:r>
+            <a:r>
+              <a:rPr b="0" lang="zxx" sz="2400" spc="-1" strike="noStrike">
+                <a:solidFill>
+                  <a:srgbClr val="009bdd"/>
+                </a:solidFill>
+                <a:latin typeface="Arial"/>
+              </a:rPr>
+              <a:t>występuje w słowniku. Jeśli nie, tworzy się krawędź wychodzącą </a:t>
+            </a:r>
+            <a:r>
+              <a:rPr b="0" lang="zxx" sz="2400" spc="-1" strike="noStrike">
+                <a:solidFill>
+                  <a:srgbClr val="009bdd"/>
+                </a:solidFill>
+                <a:latin typeface="Arial"/>
+              </a:rPr>
+              <a:t>z end, ale zamiast trójkąta, przypisuje się do niej wartość None. </a:t>
+            </a:r>
+            <a:r>
+              <a:rPr b="0" lang="zxx" sz="2400" spc="-1" strike="noStrike">
+                <a:solidFill>
+                  <a:srgbClr val="009bdd"/>
+                </a:solidFill>
+                <a:latin typeface="Arial"/>
+              </a:rPr>
+              <a:t>Wszystkie takie krawędzi zbiera się do osobnej listy.</a:t>
+            </a:r>
+            <a:endParaRPr b="0" lang="zxx" sz="2400" spc="-1" strike="noStrike">
+              <a:solidFill>
+                <a:srgbClr val="009bdd"/>
+              </a:solidFill>
+              <a:latin typeface="Arial"/>
+            </a:endParaRPr>
+          </a:p>
+          <a:p>
+            <a:pPr marL="432000" indent="-324000">
+              <a:spcBef>
+                <a:spcPts val="1417"/>
+              </a:spcBef>
+              <a:buClr>
+                <a:srgbClr val="000000"/>
+              </a:buClr>
+              <a:buSzPct val="45000"/>
+              <a:buFont typeface="Wingdings" charset="2"/>
+              <a:buChar char=""/>
+            </a:pPr>
+            <a:r>
+              <a:rPr b="0" lang="zxx" sz="2400" spc="-1" strike="noStrike">
+                <a:solidFill>
+                  <a:srgbClr val="009bdd"/>
+                </a:solidFill>
+                <a:latin typeface="Arial"/>
+              </a:rPr>
+              <a:t>Tworzy się słownik, w którym kluczami są wierzchołki początkowe </a:t>
+            </a:r>
+            <a:r>
+              <a:rPr b="0" lang="zxx" sz="2400" spc="-1" strike="noStrike">
+                <a:solidFill>
+                  <a:srgbClr val="009bdd"/>
+                </a:solidFill>
+                <a:latin typeface="Arial"/>
+              </a:rPr>
+              <a:t>krawędzi bez żadnego trójkąta, a wartościami ich wierzchołki </a:t>
+            </a:r>
+            <a:r>
+              <a:rPr b="0" lang="zxx" sz="2400" spc="-1" strike="noStrike">
+                <a:solidFill>
+                  <a:srgbClr val="009bdd"/>
+                </a:solidFill>
+                <a:latin typeface="Arial"/>
+              </a:rPr>
+              <a:t>końcowe. Czyta się kolejne początkowe wierzchołki: current = </a:t>
+            </a:r>
+            <a:r>
+              <a:rPr b="0" lang="zxx" sz="2400" spc="-1" strike="noStrike">
+                <a:solidFill>
+                  <a:srgbClr val="009bdd"/>
+                </a:solidFill>
+                <a:latin typeface="Arial"/>
+              </a:rPr>
+              <a:t>empty_edges[current]. Iterując w ten sposób po słowniku, można </a:t>
+            </a:r>
+            <a:r>
+              <a:rPr b="0" lang="zxx" sz="2400" spc="-1" strike="noStrike">
+                <a:solidFill>
+                  <a:srgbClr val="009bdd"/>
+                </a:solidFill>
+                <a:latin typeface="Arial"/>
+              </a:rPr>
+              <a:t>uporządkować krawędzie w kolejności, w jakiej występują w </a:t>
+            </a:r>
+            <a:r>
+              <a:rPr b="0" lang="zxx" sz="2400" spc="-1" strike="noStrike">
+                <a:solidFill>
+                  <a:srgbClr val="009bdd"/>
+                </a:solidFill>
+                <a:latin typeface="Arial"/>
+              </a:rPr>
+              <a:t>cyklu, a następnie połączyć, tak jak poprzednio krawędzi </a:t>
+            </a:r>
+            <a:r>
+              <a:rPr b="0" lang="zxx" sz="2400" spc="-1" strike="noStrike">
+                <a:solidFill>
+                  <a:srgbClr val="009bdd"/>
+                </a:solidFill>
+                <a:latin typeface="Arial"/>
+              </a:rPr>
+              <a:t>trójkątów.</a:t>
+            </a:r>
+            <a:endParaRPr b="0" lang="zxx" sz="2400" spc="-1" strike="noStrike">
+              <a:solidFill>
+                <a:srgbClr val="009bdd"/>
+              </a:solidFill>
+              <a:latin typeface="Arial"/>
+            </a:endParaRPr>
+          </a:p>
+        </p:txBody>
+      </p:sp>
+      <p:sp>
+        <p:nvSpPr>
+          <p:cNvPr id="4" name="PlaceHolder 3"/>
+          <p:cNvSpPr>
+            <a:spLocks noGrp="1"/>
+          </p:cNvSpPr>
+          <p:nvPr>
+            <p:ph type="sldNum" idx="2"/>
+          </p:nvPr>
+        </p:nvSpPr>
+        <p:spPr/>
+        <p:txBody>
+          <a:bodyPr/>
+          <a:p>
+            <a:fld id="{4D024CBE-3568-49B8-921C-69D0E45EDCB9}" type="slidenum">
+              <a:t>16</a:t>
+            </a:fld>
+          </a:p>
+        </p:txBody>
+      </p:sp>
+      <p:sp>
+        <p:nvSpPr>
+          <p:cNvPr id="5" name="PlaceHolder 4"/>
+          <p:cNvSpPr>
+            <a:spLocks noGrp="1"/>
+          </p:cNvSpPr>
+          <p:nvPr>
+            <p:ph type="dt" idx="3"/>
+          </p:nvPr>
+        </p:nvSpPr>
+        <p:spPr/>
+        <p:txBody>
+          <a:bodyPr/>
+          <a:p>
+            <a:fld id="{77D3F842-CF8B-4C1D-BE17-E8DC01A3CD02}" type="datetime1">
+              <a:rPr lang="en-US"/>
+              <a:t>01/07/2024</a:t>
+            </a:fld>
+          </a:p>
+        </p:txBody>
+      </p:sp>
+    </p:spTree>
+  </p:cSld>
+  <mc:AlternateContent>
+    <mc:Choice Requires="p14">
+      <p:transition spd="slow" p14:dur="2000"/>
+    </mc:Choice>
+    <mc:Fallback>
+      <p:transition spd="slow"/>
+    </mc:Fallback>
+  </mc:AlternateContent>
+</p:sld>
+</file>
+
+<file path=ppt/slides/slide17.xml><?xml version="1.0" encoding="utf-8"?>
+<p:sld xmlns:a="http://schemas.openxmlformats.org/drawingml/2006/main" xmlns:p="http://schemas.openxmlformats.org/presentationml/2006/main" xmlns:r="http://schemas.openxmlformats.org/officeDocument/2006/relationships" xmlns:p14="http://schemas.microsoft.com/office/powerpoint/2010/main" xmlns:p15="http://schemas.microsoft.com/office/powerpoint/2012/main" xmlns:mc="http://schemas.openxmlformats.org/markup-compatibility/2006">
+  <p:cSld>
+    <p:spTree>
+      <p:nvGrpSpPr>
+        <p:cNvPr id="1" name=""/>
+        <p:cNvGrpSpPr/>
+        <p:nvPr/>
+      </p:nvGrpSpPr>
+      <p:grpSpPr>
+        <a:xfrm>
+          <a:off x="0" y="0"/>
+          <a:ext cx="0" cy="0"/>
+          <a:chOff x="0" y="0"/>
+          <a:chExt cx="0" cy="0"/>
+        </a:xfrm>
+      </p:grpSpPr>
+      <p:sp>
+        <p:nvSpPr>
+          <p:cNvPr id="118" name="PlaceHolder 1"/>
+          <p:cNvSpPr>
+            <a:spLocks noGrp="1"/>
+          </p:cNvSpPr>
+          <p:nvPr>
+            <p:ph type="title"/>
+          </p:nvPr>
+        </p:nvSpPr>
+        <p:spPr>
+          <a:xfrm>
+            <a:off x="360000" y="180000"/>
+            <a:ext cx="9359640" cy="477720"/>
+          </a:xfrm>
+          <a:prstGeom prst="rect">
+            <a:avLst/>
+          </a:prstGeom>
+          <a:noFill/>
+          <a:ln w="0">
+            <a:noFill/>
+          </a:ln>
+        </p:spPr>
+        <p:txBody>
+          <a:bodyPr lIns="0" rIns="0" tIns="0" bIns="0" anchor="ctr">
+            <a:noAutofit/>
+          </a:bodyPr>
+          <a:p>
+            <a:pPr algn="ctr">
+              <a:buNone/>
+            </a:pPr>
+            <a:r>
+              <a:rPr b="0" lang="zxx" sz="3300" spc="-1" strike="noStrike">
+                <a:solidFill>
+                  <a:srgbClr val="ffffff"/>
+                </a:solidFill>
+                <a:latin typeface="arial"/>
+              </a:rPr>
+              <a:t>Half Edge – krawędzi zewnętrzne</a:t>
+            </a:r>
+            <a:endParaRPr b="0" lang="en-US" sz="3300" spc="-1" strike="noStrike">
+              <a:latin typeface="Arial"/>
+            </a:endParaRPr>
+          </a:p>
+        </p:txBody>
+      </p:sp>
+      <p:pic>
+        <p:nvPicPr>
+          <p:cNvPr id="119" name="" descr=""/>
+          <p:cNvPicPr/>
+          <p:nvPr/>
+        </p:nvPicPr>
+        <p:blipFill>
+          <a:blip r:embed="rId1"/>
+          <a:stretch/>
+        </p:blipFill>
+        <p:spPr>
+          <a:xfrm>
+            <a:off x="2286000" y="914400"/>
+            <a:ext cx="5943600" cy="3672720"/>
+          </a:xfrm>
+          <a:prstGeom prst="rect">
+            <a:avLst/>
+          </a:prstGeom>
+          <a:ln w="0">
+            <a:noFill/>
+          </a:ln>
+        </p:spPr>
+      </p:pic>
+      <p:sp>
+        <p:nvSpPr>
+          <p:cNvPr id="3" name="PlaceHolder 2"/>
+          <p:cNvSpPr>
+            <a:spLocks noGrp="1"/>
+          </p:cNvSpPr>
+          <p:nvPr>
+            <p:ph type="sldNum" idx="2"/>
+          </p:nvPr>
+        </p:nvSpPr>
+        <p:spPr/>
+        <p:txBody>
+          <a:bodyPr/>
+          <a:p>
+            <a:fld id="{56752C49-FE30-4A64-89AB-6A82E5CFA972}" type="slidenum">
+              <a:t>17</a:t>
+            </a:fld>
+          </a:p>
+        </p:txBody>
+      </p:sp>
+      <p:sp>
+        <p:nvSpPr>
+          <p:cNvPr id="4" name="PlaceHolder 3"/>
+          <p:cNvSpPr>
+            <a:spLocks noGrp="1"/>
+          </p:cNvSpPr>
+          <p:nvPr>
+            <p:ph type="dt" idx="3"/>
+          </p:nvPr>
+        </p:nvSpPr>
+        <p:spPr/>
+        <p:txBody>
+          <a:bodyPr/>
+          <a:p>
+            <a:fld id="{80C51176-7EB5-40C0-A941-3C1BDEAF4054}" type="datetime1">
+              <a:rPr lang="en-US"/>
+              <a:t>01/07/2024</a:t>
+            </a:fld>
+          </a:p>
+        </p:txBody>
+      </p:sp>
+    </p:spTree>
+  </p:cSld>
+  <mc:AlternateContent>
+    <mc:Choice Requires="p14">
+      <p:transition spd="slow" p14:dur="2000"/>
+    </mc:Choice>
+    <mc:Fallback>
+      <p:transition spd="slow"/>
+    </mc:Fallback>
+  </mc:AlternateContent>
+</p:sld>
+</file>
+
+<file path=ppt/slides/slide18.xml><?xml version="1.0" encoding="utf-8"?>
+<p:sld xmlns:a="http://schemas.openxmlformats.org/drawingml/2006/main" xmlns:p="http://schemas.openxmlformats.org/presentationml/2006/main" xmlns:r="http://schemas.openxmlformats.org/officeDocument/2006/relationships" xmlns:p14="http://schemas.microsoft.com/office/powerpoint/2010/main" xmlns:p15="http://schemas.microsoft.com/office/powerpoint/2012/main" xmlns:mc="http://schemas.openxmlformats.org/markup-compatibility/2006">
+  <p:cSld>
+    <p:spTree>
+      <p:nvGrpSpPr>
+        <p:cNvPr id="1" name=""/>
+        <p:cNvGrpSpPr/>
+        <p:nvPr/>
+      </p:nvGrpSpPr>
+      <p:grpSpPr>
+        <a:xfrm>
+          <a:off x="0" y="0"/>
+          <a:ext cx="0" cy="0"/>
+          <a:chOff x="0" y="0"/>
+          <a:chExt cx="0" cy="0"/>
+        </a:xfrm>
+      </p:grpSpPr>
+      <p:sp>
+        <p:nvSpPr>
+          <p:cNvPr id="120" name="PlaceHolder 1"/>
+          <p:cNvSpPr>
+            <a:spLocks noGrp="1"/>
+          </p:cNvSpPr>
+          <p:nvPr>
+            <p:ph type="title"/>
+          </p:nvPr>
+        </p:nvSpPr>
+        <p:spPr>
+          <a:xfrm>
+            <a:off x="360000" y="180000"/>
+            <a:ext cx="9359640" cy="477720"/>
+          </a:xfrm>
+          <a:prstGeom prst="rect">
+            <a:avLst/>
+          </a:prstGeom>
+          <a:noFill/>
+          <a:ln w="0">
+            <a:noFill/>
+          </a:ln>
+        </p:spPr>
+        <p:txBody>
+          <a:bodyPr lIns="0" rIns="0" tIns="0" bIns="0" anchor="ctr">
+            <a:noAutofit/>
+          </a:bodyPr>
+          <a:p>
+            <a:pPr algn="ctr">
+              <a:lnSpc>
+                <a:spcPct val="100000"/>
+              </a:lnSpc>
+              <a:buNone/>
+            </a:pPr>
+            <a:r>
+              <a:rPr b="0" lang="zxx" sz="3300" spc="-1" strike="noStrike">
+                <a:solidFill>
+                  <a:srgbClr val="ffffff"/>
+                </a:solidFill>
+                <a:latin typeface="Arial"/>
+              </a:rPr>
+              <a:t>Half Edge, 1. operacja</a:t>
+            </a:r>
+            <a:endParaRPr b="0" lang="zxx" sz="3300" spc="-1" strike="noStrike">
+              <a:latin typeface="Arial"/>
+            </a:endParaRPr>
+          </a:p>
+        </p:txBody>
+      </p:sp>
+      <p:sp>
+        <p:nvSpPr>
+          <p:cNvPr id="121" name="PlaceHolder 2"/>
+          <p:cNvSpPr>
+            <a:spLocks noGrp="1"/>
+          </p:cNvSpPr>
+          <p:nvPr>
+            <p:ph/>
+          </p:nvPr>
+        </p:nvSpPr>
+        <p:spPr>
+          <a:xfrm>
+            <a:off x="360000" y="1080000"/>
+            <a:ext cx="9359640" cy="3599640"/>
+          </a:xfrm>
+          <a:prstGeom prst="rect">
+            <a:avLst/>
+          </a:prstGeom>
+          <a:noFill/>
+          <a:ln w="0">
+            <a:noFill/>
+          </a:ln>
+        </p:spPr>
+        <p:txBody>
+          <a:bodyPr lIns="0" rIns="0" tIns="0" bIns="0" anchor="t">
+            <a:normAutofit/>
+          </a:bodyPr>
+          <a:p>
+            <a:pPr marL="432000" indent="-324000">
+              <a:spcBef>
+                <a:spcPts val="1417"/>
+              </a:spcBef>
+              <a:buClr>
+                <a:srgbClr val="000000"/>
+              </a:buClr>
+              <a:buSzPct val="45000"/>
+              <a:buFont typeface="Wingdings" charset="2"/>
+              <a:buChar char=""/>
+            </a:pPr>
+            <a:r>
+              <a:rPr b="0" lang="zxx" sz="2400" spc="-1" strike="noStrike">
+                <a:solidFill>
+                  <a:srgbClr val="009bdd"/>
+                </a:solidFill>
+                <a:latin typeface="Arial"/>
+              </a:rPr>
+              <a:t>Podstawą algorytmu jest sposób przechodzenia po sąsiadujących wierzchołkach. Zaczyna się od krawędzi v.edge wychodzącej z wierzchołka v. Następnie ustawia się zmienną current = v.edge.</a:t>
+            </a:r>
+            <a:endParaRPr b="0" lang="zxx" sz="2400" spc="-1" strike="noStrike">
+              <a:solidFill>
+                <a:srgbClr val="009bdd"/>
+              </a:solidFill>
+              <a:latin typeface="Arial"/>
+            </a:endParaRPr>
+          </a:p>
+          <a:p>
+            <a:pPr marL="432000" indent="-324000">
+              <a:spcBef>
+                <a:spcPts val="1417"/>
+              </a:spcBef>
+              <a:buClr>
+                <a:srgbClr val="000000"/>
+              </a:buClr>
+              <a:buSzPct val="45000"/>
+              <a:buFont typeface="Wingdings" charset="2"/>
+              <a:buChar char=""/>
+            </a:pPr>
+            <a:r>
+              <a:rPr b="0" lang="zxx" sz="2400" spc="-1" strike="noStrike">
+                <a:solidFill>
+                  <a:srgbClr val="009bdd"/>
+                </a:solidFill>
+                <a:latin typeface="Arial"/>
+              </a:rPr>
+              <a:t>Dopóki current != v.edge, po kolejnych krawędziach iteruje się za pomocą operacji:</a:t>
+            </a:r>
+            <a:endParaRPr b="0" lang="zxx" sz="2400" spc="-1" strike="noStrike">
+              <a:solidFill>
+                <a:srgbClr val="009bdd"/>
+              </a:solidFill>
+              <a:latin typeface="Arial"/>
+            </a:endParaRPr>
+          </a:p>
+          <a:p>
+            <a:pPr marL="432000" indent="-324000">
+              <a:spcBef>
+                <a:spcPts val="1417"/>
+              </a:spcBef>
+              <a:buClr>
+                <a:srgbClr val="000000"/>
+              </a:buClr>
+              <a:buSzPct val="45000"/>
+              <a:buFont typeface="Wingdings" charset="2"/>
+              <a:buChar char=""/>
+            </a:pPr>
+            <a:r>
+              <a:rPr b="0" lang="zxx" sz="2400" spc="-1" strike="noStrike">
+                <a:solidFill>
+                  <a:srgbClr val="009bdd"/>
+                </a:solidFill>
+                <a:latin typeface="Arial"/>
+              </a:rPr>
+              <a:t>current = current.prev.twin</a:t>
+            </a:r>
+            <a:endParaRPr b="0" lang="zxx" sz="2400" spc="-1" strike="noStrike">
+              <a:solidFill>
+                <a:srgbClr val="009bdd"/>
+              </a:solidFill>
+              <a:latin typeface="Arial"/>
+            </a:endParaRPr>
+          </a:p>
+          <a:p>
+            <a:pPr marL="432000" indent="-324000">
+              <a:spcBef>
+                <a:spcPts val="1417"/>
+              </a:spcBef>
+              <a:buClr>
+                <a:srgbClr val="000000"/>
+              </a:buClr>
+              <a:buSzPct val="45000"/>
+              <a:buFont typeface="Wingdings" charset="2"/>
+              <a:buChar char=""/>
+            </a:pPr>
+            <a:r>
+              <a:rPr b="0" lang="zxx" sz="2400" spc="-1" strike="noStrike">
+                <a:solidFill>
+                  <a:srgbClr val="009bdd"/>
+                </a:solidFill>
+                <a:latin typeface="Arial"/>
+              </a:rPr>
+              <a:t>W ten sposób znajduje się wszystkie krawędzi wychodzące z wierzchołka v.</a:t>
+            </a:r>
+            <a:endParaRPr b="0" lang="zxx" sz="2400" spc="-1" strike="noStrike">
+              <a:solidFill>
+                <a:srgbClr val="009bdd"/>
+              </a:solidFill>
+              <a:latin typeface="Arial"/>
+            </a:endParaRPr>
+          </a:p>
+        </p:txBody>
+      </p:sp>
+      <p:sp>
+        <p:nvSpPr>
+          <p:cNvPr id="4" name="PlaceHolder 3"/>
+          <p:cNvSpPr>
+            <a:spLocks noGrp="1"/>
+          </p:cNvSpPr>
+          <p:nvPr>
+            <p:ph type="sldNum" idx="2"/>
+          </p:nvPr>
+        </p:nvSpPr>
+        <p:spPr/>
+        <p:txBody>
+          <a:bodyPr/>
+          <a:p>
+            <a:fld id="{F73EA01E-A327-4AE0-9241-20F9A65B171E}" type="slidenum">
+              <a:t>18</a:t>
+            </a:fld>
+          </a:p>
+        </p:txBody>
+      </p:sp>
+      <p:sp>
+        <p:nvSpPr>
+          <p:cNvPr id="5" name="PlaceHolder 4"/>
+          <p:cNvSpPr>
+            <a:spLocks noGrp="1"/>
+          </p:cNvSpPr>
+          <p:nvPr>
+            <p:ph type="dt" idx="3"/>
+          </p:nvPr>
+        </p:nvSpPr>
+        <p:spPr/>
+        <p:txBody>
+          <a:bodyPr/>
+          <a:p>
+            <a:fld id="{733B01ED-3E67-42F6-9480-A56449CCD036}" type="datetime1">
+              <a:rPr lang="en-US"/>
+              <a:t>01/07/2024</a:t>
+            </a:fld>
+          </a:p>
+        </p:txBody>
+      </p:sp>
+    </p:spTree>
+  </p:cSld>
+  <mc:AlternateContent>
+    <mc:Choice Requires="p14">
+      <p:transition spd="slow" p14:dur="2000"/>
+    </mc:Choice>
+    <mc:Fallback>
+      <p:transition spd="slow"/>
+    </mc:Fallback>
+  </mc:AlternateContent>
+</p:sld>
+</file>
+
+<file path=ppt/slides/slide19.xml><?xml version="1.0" encoding="utf-8"?>
+<p:sld xmlns:a="http://schemas.openxmlformats.org/drawingml/2006/main" xmlns:p="http://schemas.openxmlformats.org/presentationml/2006/main" xmlns:r="http://schemas.openxmlformats.org/officeDocument/2006/relationships" xmlns:p14="http://schemas.microsoft.com/office/powerpoint/2010/main" xmlns:p15="http://schemas.microsoft.com/office/powerpoint/2012/main" xmlns:mc="http://schemas.openxmlformats.org/markup-compatibility/2006">
+  <p:cSld>
+    <p:spTree>
+      <p:nvGrpSpPr>
+        <p:cNvPr id="1" name=""/>
+        <p:cNvGrpSpPr/>
+        <p:nvPr/>
+      </p:nvGrpSpPr>
+      <p:grpSpPr>
+        <a:xfrm>
+          <a:off x="0" y="0"/>
+          <a:ext cx="0" cy="0"/>
+          <a:chOff x="0" y="0"/>
+          <a:chExt cx="0" cy="0"/>
+        </a:xfrm>
+      </p:grpSpPr>
+      <p:sp>
+        <p:nvSpPr>
+          <p:cNvPr id="122" name="PlaceHolder 1"/>
+          <p:cNvSpPr>
+            <a:spLocks noGrp="1"/>
+          </p:cNvSpPr>
+          <p:nvPr>
+            <p:ph type="title"/>
+          </p:nvPr>
+        </p:nvSpPr>
+        <p:spPr>
+          <a:xfrm>
+            <a:off x="360000" y="180000"/>
+            <a:ext cx="9359640" cy="477720"/>
+          </a:xfrm>
+          <a:prstGeom prst="rect">
+            <a:avLst/>
+          </a:prstGeom>
+          <a:noFill/>
+          <a:ln w="0">
+            <a:noFill/>
+          </a:ln>
+        </p:spPr>
+        <p:txBody>
+          <a:bodyPr lIns="0" rIns="0" tIns="0" bIns="0" anchor="ctr">
+            <a:noAutofit/>
+          </a:bodyPr>
+          <a:p>
+            <a:pPr algn="ctr">
+              <a:lnSpc>
+                <a:spcPct val="100000"/>
+              </a:lnSpc>
+              <a:buNone/>
+            </a:pPr>
+            <a:r>
+              <a:rPr b="0" lang="zxx" sz="3300" spc="-1" strike="noStrike">
+                <a:solidFill>
+                  <a:srgbClr val="ffffff"/>
+                </a:solidFill>
+                <a:latin typeface="Arial"/>
+              </a:rPr>
+              <a:t>Half Edge, 1. operacja – sposób iteracji</a:t>
+            </a:r>
+            <a:endParaRPr b="0" lang="zxx" sz="3300" spc="-1" strike="noStrike">
+              <a:latin typeface="Arial"/>
+            </a:endParaRPr>
+          </a:p>
+        </p:txBody>
+      </p:sp>
+      <p:pic>
+        <p:nvPicPr>
+          <p:cNvPr id="123" name="" descr=""/>
+          <p:cNvPicPr/>
+          <p:nvPr/>
+        </p:nvPicPr>
+        <p:blipFill>
+          <a:blip r:embed="rId1"/>
+          <a:stretch/>
+        </p:blipFill>
+        <p:spPr>
+          <a:xfrm>
+            <a:off x="228600" y="1314720"/>
+            <a:ext cx="3066840" cy="2571480"/>
+          </a:xfrm>
+          <a:prstGeom prst="rect">
+            <a:avLst/>
+          </a:prstGeom>
+          <a:ln w="0">
+            <a:noFill/>
+          </a:ln>
+        </p:spPr>
+      </p:pic>
+      <p:pic>
+        <p:nvPicPr>
+          <p:cNvPr id="124" name="" descr=""/>
+          <p:cNvPicPr/>
+          <p:nvPr/>
+        </p:nvPicPr>
+        <p:blipFill>
+          <a:blip r:embed="rId2"/>
+          <a:stretch/>
+        </p:blipFill>
+        <p:spPr>
+          <a:xfrm>
+            <a:off x="3429000" y="1314720"/>
+            <a:ext cx="3209400" cy="2695320"/>
+          </a:xfrm>
+          <a:prstGeom prst="rect">
+            <a:avLst/>
+          </a:prstGeom>
+          <a:ln w="0">
+            <a:noFill/>
+          </a:ln>
+        </p:spPr>
+      </p:pic>
+      <p:pic>
+        <p:nvPicPr>
+          <p:cNvPr id="125" name="" descr=""/>
+          <p:cNvPicPr/>
+          <p:nvPr/>
+        </p:nvPicPr>
+        <p:blipFill>
+          <a:blip r:embed="rId3"/>
+          <a:stretch/>
+        </p:blipFill>
+        <p:spPr>
+          <a:xfrm>
+            <a:off x="6638400" y="1314720"/>
+            <a:ext cx="3276360" cy="2437920"/>
+          </a:xfrm>
+          <a:prstGeom prst="rect">
+            <a:avLst/>
+          </a:prstGeom>
+          <a:ln w="0">
+            <a:noFill/>
+          </a:ln>
+        </p:spPr>
+      </p:pic>
+      <p:sp>
+        <p:nvSpPr>
+          <p:cNvPr id="3" name="PlaceHolder 2"/>
+          <p:cNvSpPr>
+            <a:spLocks noGrp="1"/>
+          </p:cNvSpPr>
+          <p:nvPr>
+            <p:ph type="sldNum" idx="2"/>
+          </p:nvPr>
+        </p:nvSpPr>
+        <p:spPr/>
+        <p:txBody>
+          <a:bodyPr/>
+          <a:p>
+            <a:fld id="{8EEE321A-AA07-4DEA-BD71-CDD3BE2D4A41}" type="slidenum">
+              <a:t>19</a:t>
+            </a:fld>
+          </a:p>
+        </p:txBody>
+      </p:sp>
+      <p:sp>
+        <p:nvSpPr>
+          <p:cNvPr id="4" name="PlaceHolder 3"/>
+          <p:cNvSpPr>
+            <a:spLocks noGrp="1"/>
+          </p:cNvSpPr>
+          <p:nvPr>
+            <p:ph type="dt" idx="3"/>
+          </p:nvPr>
+        </p:nvSpPr>
+        <p:spPr/>
+        <p:txBody>
+          <a:bodyPr/>
+          <a:p>
+            <a:fld id="{FE126C8E-90CB-4CDC-B7D0-74402CAB2734}" type="datetime1">
+              <a:rPr lang="en-US"/>
+              <a:t>01/07/2024</a:t>
+            </a:fld>
           </a:p>
         </p:txBody>
       </p:sp>
@@ -5237,7 +6932,7 @@
         <p:spPr>
           <a:xfrm>
             <a:off x="360000" y="180000"/>
-            <a:ext cx="9360000" cy="478080"/>
+            <a:ext cx="9359640" cy="477720"/>
           </a:xfrm>
           <a:prstGeom prst="rect">
             <a:avLst/>
@@ -5253,6 +6948,9 @@
           </a:bodyPr>
           <a:p>
             <a:pPr algn="ctr">
+              <a:lnSpc>
+                <a:spcPct val="100000"/>
+              </a:lnSpc>
               <a:buNone/>
             </a:pPr>
             <a:r>
@@ -5265,9 +6963,6 @@
               <a:t>Opis problemu</a:t>
             </a:r>
             <a:endParaRPr b="0" lang="zxx" sz="3300" spc="-1" strike="noStrike">
-              <a:solidFill>
-                <a:srgbClr val="ffffff"/>
-              </a:solidFill>
               <a:latin typeface="Arial"/>
             </a:endParaRPr>
           </a:p>
@@ -5286,7 +6981,7 @@
         <p:spPr>
           <a:xfrm>
             <a:off x="360000" y="1080000"/>
-            <a:ext cx="9360000" cy="3600000"/>
+            <a:ext cx="9359640" cy="3599640"/>
           </a:xfrm>
           <a:prstGeom prst="rect">
             <a:avLst/>
@@ -5301,7 +6996,10 @@
             <a:noAutofit/>
           </a:bodyPr>
           <a:p>
-            <a:pPr marL="432000" indent="-324000">
+            <a:pPr marL="432000" indent="-324000" algn="just">
+              <a:lnSpc>
+                <a:spcPct val="100000"/>
+              </a:lnSpc>
               <a:spcBef>
                 <a:spcPts val="1060"/>
               </a:spcBef>
@@ -5322,14 +7020,14 @@
               <a:t>Najczęstszy sposób przechowywania siatki to użycie 2 list – listy wierzchołków (czyli współrzędnych) oraz listy trójkątów (czyli indeksów wierzchołków tworzących trójkąt)</a:t>
             </a:r>
             <a:endParaRPr b="0" lang="zxx" sz="2400" spc="-1" strike="noStrike">
-              <a:solidFill>
-                <a:srgbClr val="009bdd"/>
-              </a:solidFill>
-              <a:latin typeface="Arial"/>
-            </a:endParaRPr>
-          </a:p>
-          <a:p>
-            <a:pPr marL="432000" indent="-324000">
+              <a:latin typeface="Arial"/>
+            </a:endParaRPr>
+          </a:p>
+          <a:p>
+            <a:pPr marL="432000" indent="-324000" algn="just">
+              <a:lnSpc>
+                <a:spcPct val="100000"/>
+              </a:lnSpc>
               <a:spcBef>
                 <a:spcPts val="1060"/>
               </a:spcBef>
@@ -5350,14 +7048,14 @@
               <a:t>Taka struktura ułatwia odczyt i zapis siatek, ale utrudnia operacje na nich.</a:t>
             </a:r>
             <a:endParaRPr b="0" lang="zxx" sz="2400" spc="-1" strike="noStrike">
-              <a:solidFill>
-                <a:srgbClr val="009bdd"/>
-              </a:solidFill>
-              <a:latin typeface="Arial"/>
-            </a:endParaRPr>
-          </a:p>
-          <a:p>
-            <a:pPr marL="432000" indent="-324000">
+              <a:latin typeface="Arial"/>
+            </a:endParaRPr>
+          </a:p>
+          <a:p>
+            <a:pPr marL="432000" indent="-324000" algn="just">
+              <a:lnSpc>
+                <a:spcPct val="100000"/>
+              </a:lnSpc>
               <a:spcBef>
                 <a:spcPts val="1060"/>
               </a:spcBef>
@@ -5378,12 +7076,214 @@
               <a:t>Dlatego, do pewnych operacji, stosuje się strukturę Half Edge.</a:t>
             </a:r>
             <a:endParaRPr b="0" lang="zxx" sz="2400" spc="-1" strike="noStrike">
+              <a:latin typeface="Arial"/>
+            </a:endParaRPr>
+          </a:p>
+        </p:txBody>
+      </p:sp>
+      <p:sp>
+        <p:nvSpPr>
+          <p:cNvPr id="4" name="PlaceHolder 3"/>
+          <p:cNvSpPr>
+            <a:spLocks noGrp="1"/>
+          </p:cNvSpPr>
+          <p:nvPr>
+            <p:ph type="sldNum" idx="2"/>
+          </p:nvPr>
+        </p:nvSpPr>
+        <p:spPr/>
+        <p:txBody>
+          <a:bodyPr/>
+          <a:p>
+            <a:fld id="{5936DD4C-8D24-4CA2-9D1F-FCFB60D715B2}" type="slidenum">
+              <a:t>2</a:t>
+            </a:fld>
+          </a:p>
+        </p:txBody>
+      </p:sp>
+      <p:sp>
+        <p:nvSpPr>
+          <p:cNvPr id="5" name="PlaceHolder 4"/>
+          <p:cNvSpPr>
+            <a:spLocks noGrp="1"/>
+          </p:cNvSpPr>
+          <p:nvPr>
+            <p:ph type="dt" idx="3"/>
+          </p:nvPr>
+        </p:nvSpPr>
+        <p:spPr/>
+        <p:txBody>
+          <a:bodyPr/>
+          <a:p>
+            <a:fld id="{7AEA6083-2BD0-447A-AA38-02E17FCE9B29}" type="datetime1">
+              <a:rPr lang="en-US"/>
+              <a:t>01/07/2024</a:t>
+            </a:fld>
+          </a:p>
+        </p:txBody>
+      </p:sp>
+    </p:spTree>
+  </p:cSld>
+  <mc:AlternateContent>
+    <mc:Choice Requires="p14">
+      <p:transition spd="slow" p14:dur="2000"/>
+    </mc:Choice>
+    <mc:Fallback>
+      <p:transition spd="slow"/>
+    </mc:Fallback>
+  </mc:AlternateContent>
+</p:sld>
+</file>
+
+<file path=ppt/slides/slide20.xml><?xml version="1.0" encoding="utf-8"?>
+<p:sld xmlns:a="http://schemas.openxmlformats.org/drawingml/2006/main" xmlns:p="http://schemas.openxmlformats.org/presentationml/2006/main" xmlns:r="http://schemas.openxmlformats.org/officeDocument/2006/relationships" xmlns:p14="http://schemas.microsoft.com/office/powerpoint/2010/main" xmlns:p15="http://schemas.microsoft.com/office/powerpoint/2012/main" xmlns:mc="http://schemas.openxmlformats.org/markup-compatibility/2006">
+  <p:cSld>
+    <p:spTree>
+      <p:nvGrpSpPr>
+        <p:cNvPr id="1" name=""/>
+        <p:cNvGrpSpPr/>
+        <p:nvPr/>
+      </p:nvGrpSpPr>
+      <p:grpSpPr>
+        <a:xfrm>
+          <a:off x="0" y="0"/>
+          <a:ext cx="0" cy="0"/>
+          <a:chOff x="0" y="0"/>
+          <a:chExt cx="0" cy="0"/>
+        </a:xfrm>
+      </p:grpSpPr>
+      <p:sp>
+        <p:nvSpPr>
+          <p:cNvPr id="126" name="PlaceHolder 1"/>
+          <p:cNvSpPr>
+            <a:spLocks noGrp="1"/>
+          </p:cNvSpPr>
+          <p:nvPr>
+            <p:ph type="title"/>
+          </p:nvPr>
+        </p:nvSpPr>
+        <p:spPr>
+          <a:xfrm>
+            <a:off x="360000" y="180000"/>
+            <a:ext cx="9359640" cy="477720"/>
+          </a:xfrm>
+          <a:prstGeom prst="rect">
+            <a:avLst/>
+          </a:prstGeom>
+          <a:noFill/>
+          <a:ln w="0">
+            <a:noFill/>
+          </a:ln>
+        </p:spPr>
+        <p:txBody>
+          <a:bodyPr lIns="0" rIns="0" tIns="0" bIns="0" anchor="ctr">
+            <a:noAutofit/>
+          </a:bodyPr>
+          <a:p>
+            <a:pPr algn="ctr">
+              <a:lnSpc>
+                <a:spcPct val="100000"/>
+              </a:lnSpc>
+              <a:buNone/>
+            </a:pPr>
+            <a:r>
+              <a:rPr b="0" lang="zxx" sz="3300" spc="-1" strike="noStrike">
+                <a:solidFill>
+                  <a:srgbClr val="ffffff"/>
+                </a:solidFill>
+                <a:latin typeface="Arial"/>
+              </a:rPr>
+              <a:t>Half Edge, 1. operacja</a:t>
+            </a:r>
+            <a:endParaRPr b="0" lang="zxx" sz="3300" spc="-1" strike="noStrike">
+              <a:latin typeface="Arial"/>
+            </a:endParaRPr>
+          </a:p>
+        </p:txBody>
+      </p:sp>
+      <p:sp>
+        <p:nvSpPr>
+          <p:cNvPr id="127" name="PlaceHolder 2"/>
+          <p:cNvSpPr>
+            <a:spLocks noGrp="1"/>
+          </p:cNvSpPr>
+          <p:nvPr>
+            <p:ph/>
+          </p:nvPr>
+        </p:nvSpPr>
+        <p:spPr>
+          <a:xfrm>
+            <a:off x="360000" y="1080000"/>
+            <a:ext cx="9359640" cy="3599640"/>
+          </a:xfrm>
+          <a:prstGeom prst="rect">
+            <a:avLst/>
+          </a:prstGeom>
+          <a:noFill/>
+          <a:ln w="0">
+            <a:noFill/>
+          </a:ln>
+        </p:spPr>
+        <p:txBody>
+          <a:bodyPr lIns="0" rIns="0" tIns="0" bIns="0" anchor="t">
+            <a:normAutofit/>
+          </a:bodyPr>
+          <a:p>
+            <a:pPr marL="432000" indent="-324000" algn="just">
+              <a:spcBef>
+                <a:spcPts val="1417"/>
+              </a:spcBef>
+              <a:buClr>
+                <a:srgbClr val="000000"/>
+              </a:buClr>
+              <a:buSzPct val="45000"/>
+              <a:buFont typeface="Wingdings" charset="2"/>
+              <a:buChar char=""/>
+            </a:pPr>
+            <a:r>
+              <a:rPr b="0" lang="zxx" sz="2400" spc="-1" strike="noStrike">
+                <a:solidFill>
+                  <a:srgbClr val="009bdd"/>
+                </a:solidFill>
+                <a:latin typeface="Arial"/>
+              </a:rPr>
+              <a:t>Następnie tworzy się listę zbiorów, gdzie każdy zbiór odpowiada kolejnej warstwie, począwszy od zerowej, zawierającej pierwszy wierzchołek. Iteruje się po sąsiadach każdego wierzchołka należącego do zbioru na pozycji x w liście. Jeśli wierzchołek nie został umieszczony w żadnym poprzednim zbiorze, dodaje się go do zbioru na pozycji x+1.</a:t>
+            </a:r>
+            <a:endParaRPr b="0" lang="zxx" sz="2400" spc="-1" strike="noStrike">
               <a:solidFill>
                 <a:srgbClr val="009bdd"/>
               </a:solidFill>
               <a:latin typeface="Arial"/>
             </a:endParaRPr>
           </a:p>
+          <a:p>
+            <a:pPr marL="432000" indent="-324000" algn="just">
+              <a:spcBef>
+                <a:spcPts val="1417"/>
+              </a:spcBef>
+              <a:buClr>
+                <a:srgbClr val="000000"/>
+              </a:buClr>
+              <a:buSzPct val="45000"/>
+              <a:buFont typeface="Wingdings" charset="2"/>
+              <a:buChar char=""/>
+            </a:pPr>
+            <a:r>
+              <a:rPr b="0" lang="zxx" sz="2400" spc="-1" strike="noStrike">
+                <a:solidFill>
+                  <a:srgbClr val="009bdd"/>
+                </a:solidFill>
+                <a:latin typeface="Arial"/>
+              </a:rPr>
+              <a:t>Zwracana przez funkcję lista zbiorów to lista kolejnych warstw otoczenia wierzchołka.</a:t>
+            </a:r>
+            <a:endParaRPr b="0" lang="zxx" sz="2400" spc="-1" strike="noStrike">
+              <a:solidFill>
+                <a:srgbClr val="009bdd"/>
+              </a:solidFill>
+              <a:latin typeface="Arial"/>
+            </a:endParaRPr>
+          </a:p>
         </p:txBody>
       </p:sp>
       <p:sp>
@@ -5393,15 +7293,15 @@
             <a:spLocks noGrp="1"/>
           </p:cNvSpPr>
           <p:nvPr>
-            <p:ph type="sldNum" idx="3"/>
+            <p:ph type="sldNum" idx="2"/>
           </p:nvPr>
         </p:nvSpPr>
         <p:spPr/>
         <p:txBody>
           <a:bodyPr/>
           <a:p>
-            <a:fld id="{33CC0CA5-0BBB-4192-A6C0-9022EE798BA9}" type="slidenum">
-              <a:t>2</a:t>
+            <a:fld id="{65F5507A-68FB-4779-A7AA-D908AD7FAB7B}" type="slidenum">
+              <a:t>20</a:t>
             </a:fld>
           </a:p>
         </p:txBody>
@@ -5413,14 +7313,1491 @@
             <a:spLocks noGrp="1"/>
           </p:cNvSpPr>
           <p:nvPr>
-            <p:ph type="dt" idx="1"/>
+            <p:ph type="dt" idx="3"/>
           </p:nvPr>
         </p:nvSpPr>
         <p:spPr/>
         <p:txBody>
           <a:bodyPr/>
           <a:p>
-            <a:fld id="{5887B333-41DE-4FF2-AA3D-400A9EC49366}" type="datetime1">
+            <a:fld id="{12FAB97F-75D5-43B6-8C12-188850DC4D73}" type="datetime1">
+              <a:rPr lang="en-US"/>
+              <a:t>01/07/2024</a:t>
+            </a:fld>
+          </a:p>
+        </p:txBody>
+      </p:sp>
+    </p:spTree>
+  </p:cSld>
+  <mc:AlternateContent>
+    <mc:Choice Requires="p14">
+      <p:transition spd="slow" p14:dur="2000"/>
+    </mc:Choice>
+    <mc:Fallback>
+      <p:transition spd="slow"/>
+    </mc:Fallback>
+  </mc:AlternateContent>
+</p:sld>
+</file>
+
+<file path=ppt/slides/slide21.xml><?xml version="1.0" encoding="utf-8"?>
+<p:sld xmlns:a="http://schemas.openxmlformats.org/drawingml/2006/main" xmlns:p="http://schemas.openxmlformats.org/presentationml/2006/main" xmlns:r="http://schemas.openxmlformats.org/officeDocument/2006/relationships" xmlns:p14="http://schemas.microsoft.com/office/powerpoint/2010/main" xmlns:p15="http://schemas.microsoft.com/office/powerpoint/2012/main" xmlns:mc="http://schemas.openxmlformats.org/markup-compatibility/2006">
+  <p:cSld>
+    <p:spTree>
+      <p:nvGrpSpPr>
+        <p:cNvPr id="1" name=""/>
+        <p:cNvGrpSpPr/>
+        <p:nvPr/>
+      </p:nvGrpSpPr>
+      <p:grpSpPr>
+        <a:xfrm>
+          <a:off x="0" y="0"/>
+          <a:ext cx="0" cy="0"/>
+          <a:chOff x="0" y="0"/>
+          <a:chExt cx="0" cy="0"/>
+        </a:xfrm>
+      </p:grpSpPr>
+      <p:sp>
+        <p:nvSpPr>
+          <p:cNvPr id="128" name="PlaceHolder 1"/>
+          <p:cNvSpPr>
+            <a:spLocks noGrp="1"/>
+          </p:cNvSpPr>
+          <p:nvPr>
+            <p:ph type="title"/>
+          </p:nvPr>
+        </p:nvSpPr>
+        <p:spPr>
+          <a:xfrm>
+            <a:off x="360000" y="180000"/>
+            <a:ext cx="9359640" cy="477720"/>
+          </a:xfrm>
+          <a:prstGeom prst="rect">
+            <a:avLst/>
+          </a:prstGeom>
+          <a:noFill/>
+          <a:ln w="0">
+            <a:noFill/>
+          </a:ln>
+        </p:spPr>
+        <p:txBody>
+          <a:bodyPr lIns="0" rIns="0" tIns="0" bIns="0" anchor="ctr">
+            <a:noAutofit/>
+          </a:bodyPr>
+          <a:p>
+            <a:pPr algn="ctr">
+              <a:lnSpc>
+                <a:spcPct val="100000"/>
+              </a:lnSpc>
+              <a:buNone/>
+            </a:pPr>
+            <a:r>
+              <a:rPr b="0" lang="zxx" sz="3300" spc="-1" strike="noStrike">
+                <a:solidFill>
+                  <a:srgbClr val="ffffff"/>
+                </a:solidFill>
+                <a:latin typeface="Arial"/>
+              </a:rPr>
+              <a:t>Half Edge, 2. operacja</a:t>
+            </a:r>
+            <a:endParaRPr b="0" lang="zxx" sz="3300" spc="-1" strike="noStrike">
+              <a:latin typeface="Arial"/>
+            </a:endParaRPr>
+          </a:p>
+        </p:txBody>
+      </p:sp>
+      <p:sp>
+        <p:nvSpPr>
+          <p:cNvPr id="129" name="PlaceHolder 2"/>
+          <p:cNvSpPr>
+            <a:spLocks noGrp="1"/>
+          </p:cNvSpPr>
+          <p:nvPr>
+            <p:ph/>
+          </p:nvPr>
+        </p:nvSpPr>
+        <p:spPr>
+          <a:xfrm>
+            <a:off x="360000" y="1080000"/>
+            <a:ext cx="9359640" cy="3599640"/>
+          </a:xfrm>
+          <a:prstGeom prst="rect">
+            <a:avLst/>
+          </a:prstGeom>
+          <a:noFill/>
+          <a:ln w="0">
+            <a:noFill/>
+          </a:ln>
+        </p:spPr>
+        <p:txBody>
+          <a:bodyPr lIns="0" rIns="0" tIns="0" bIns="0" anchor="t">
+            <a:normAutofit/>
+          </a:bodyPr>
+          <a:p>
+            <a:pPr marL="432000" indent="-324000" algn="just">
+              <a:spcBef>
+                <a:spcPts val="1417"/>
+              </a:spcBef>
+              <a:buClr>
+                <a:srgbClr val="000000"/>
+              </a:buClr>
+              <a:buSzPct val="45000"/>
+              <a:buFont typeface="Wingdings" charset="2"/>
+              <a:buChar char=""/>
+            </a:pPr>
+            <a:r>
+              <a:rPr b="0" lang="zxx" sz="2400" spc="-1" strike="noStrike">
+                <a:solidFill>
+                  <a:srgbClr val="009bdd"/>
+                </a:solidFill>
+                <a:latin typeface="Arial"/>
+              </a:rPr>
+              <a:t>Żeby móc iterować po wszystkich sąsiadach trójkąta, najpierw </a:t>
+            </a:r>
+            <a:r>
+              <a:rPr b="0" lang="zxx" sz="2400" spc="-1" strike="noStrike">
+                <a:solidFill>
+                  <a:srgbClr val="009bdd"/>
+                </a:solidFill>
+                <a:latin typeface="Arial"/>
+              </a:rPr>
+              <a:t>trzeba umieć iterować po jego krawędziach. Zaczyna się od </a:t>
+            </a:r>
+            <a:r>
+              <a:rPr b="0" lang="zxx" sz="2400" spc="-1" strike="noStrike">
+                <a:solidFill>
+                  <a:srgbClr val="009bdd"/>
+                </a:solidFill>
+                <a:latin typeface="Arial"/>
+              </a:rPr>
+              <a:t>krawędzi t.edge należącej do trójkąta t. Tworzy się zmienną </a:t>
+            </a:r>
+            <a:r>
+              <a:rPr b="0" lang="zxx" sz="2400" spc="-1" strike="noStrike">
+                <a:solidFill>
+                  <a:srgbClr val="009bdd"/>
+                </a:solidFill>
+                <a:latin typeface="Arial"/>
+              </a:rPr>
+              <a:t>current = t.edge. Następnie, iteruje się po krawędziach za </a:t>
+            </a:r>
+            <a:r>
+              <a:rPr b="0" lang="zxx" sz="2400" spc="-1" strike="noStrike">
+                <a:solidFill>
+                  <a:srgbClr val="009bdd"/>
+                </a:solidFill>
+                <a:latin typeface="Arial"/>
+              </a:rPr>
+              <a:t>pomocą: current = current.prev.</a:t>
+            </a:r>
+            <a:endParaRPr b="0" lang="zxx" sz="2400" spc="-1" strike="noStrike">
+              <a:latin typeface="Arial"/>
+            </a:endParaRPr>
+          </a:p>
+          <a:p>
+            <a:pPr marL="432000" indent="-324000">
+              <a:spcBef>
+                <a:spcPts val="1417"/>
+              </a:spcBef>
+              <a:buClr>
+                <a:srgbClr val="000000"/>
+              </a:buClr>
+              <a:buSzPct val="45000"/>
+              <a:buFont typeface="Wingdings" charset="2"/>
+              <a:buChar char=""/>
+            </a:pPr>
+            <a:r>
+              <a:rPr b="0" lang="zxx" sz="3200" spc="-1" strike="noStrike">
+                <a:latin typeface="Arial"/>
+              </a:rPr>
+              <a:t> </a:t>
+            </a:r>
+            <a:endParaRPr b="0" lang="zxx" sz="3200" spc="-1" strike="noStrike">
+              <a:latin typeface="Arial"/>
+            </a:endParaRPr>
+          </a:p>
+        </p:txBody>
+      </p:sp>
+      <p:sp>
+        <p:nvSpPr>
+          <p:cNvPr id="4" name="PlaceHolder 3"/>
+          <p:cNvSpPr>
+            <a:spLocks noGrp="1"/>
+          </p:cNvSpPr>
+          <p:nvPr>
+            <p:ph type="sldNum" idx="2"/>
+          </p:nvPr>
+        </p:nvSpPr>
+        <p:spPr/>
+        <p:txBody>
+          <a:bodyPr/>
+          <a:p>
+            <a:fld id="{A9BEB492-E7D8-4E4B-94E8-389F1F6AFCDF}" type="slidenum">
+              <a:t>21</a:t>
+            </a:fld>
+          </a:p>
+        </p:txBody>
+      </p:sp>
+      <p:sp>
+        <p:nvSpPr>
+          <p:cNvPr id="5" name="PlaceHolder 4"/>
+          <p:cNvSpPr>
+            <a:spLocks noGrp="1"/>
+          </p:cNvSpPr>
+          <p:nvPr>
+            <p:ph type="dt" idx="3"/>
+          </p:nvPr>
+        </p:nvSpPr>
+        <p:spPr/>
+        <p:txBody>
+          <a:bodyPr/>
+          <a:p>
+            <a:fld id="{02D21076-1470-4976-97AF-63915DEBF6CF}" type="datetime1">
+              <a:rPr lang="en-US"/>
+              <a:t>01/07/2024</a:t>
+            </a:fld>
+          </a:p>
+        </p:txBody>
+      </p:sp>
+    </p:spTree>
+  </p:cSld>
+  <mc:AlternateContent>
+    <mc:Choice Requires="p14">
+      <p:transition spd="slow" p14:dur="2000"/>
+    </mc:Choice>
+    <mc:Fallback>
+      <p:transition spd="slow"/>
+    </mc:Fallback>
+  </mc:AlternateContent>
+</p:sld>
+</file>
+
+<file path=ppt/slides/slide22.xml><?xml version="1.0" encoding="utf-8"?>
+<p:sld xmlns:a="http://schemas.openxmlformats.org/drawingml/2006/main" xmlns:p="http://schemas.openxmlformats.org/presentationml/2006/main" xmlns:r="http://schemas.openxmlformats.org/officeDocument/2006/relationships" xmlns:p14="http://schemas.microsoft.com/office/powerpoint/2010/main" xmlns:p15="http://schemas.microsoft.com/office/powerpoint/2012/main" xmlns:mc="http://schemas.openxmlformats.org/markup-compatibility/2006">
+  <p:cSld>
+    <p:spTree>
+      <p:nvGrpSpPr>
+        <p:cNvPr id="1" name=""/>
+        <p:cNvGrpSpPr/>
+        <p:nvPr/>
+      </p:nvGrpSpPr>
+      <p:grpSpPr>
+        <a:xfrm>
+          <a:off x="0" y="0"/>
+          <a:ext cx="0" cy="0"/>
+          <a:chOff x="0" y="0"/>
+          <a:chExt cx="0" cy="0"/>
+        </a:xfrm>
+      </p:grpSpPr>
+      <p:sp>
+        <p:nvSpPr>
+          <p:cNvPr id="130" name="PlaceHolder 1"/>
+          <p:cNvSpPr>
+            <a:spLocks noGrp="1"/>
+          </p:cNvSpPr>
+          <p:nvPr>
+            <p:ph type="title"/>
+          </p:nvPr>
+        </p:nvSpPr>
+        <p:spPr>
+          <a:xfrm>
+            <a:off x="360000" y="180000"/>
+            <a:ext cx="9359640" cy="477720"/>
+          </a:xfrm>
+          <a:prstGeom prst="rect">
+            <a:avLst/>
+          </a:prstGeom>
+          <a:noFill/>
+          <a:ln w="0">
+            <a:noFill/>
+          </a:ln>
+        </p:spPr>
+        <p:txBody>
+          <a:bodyPr lIns="0" rIns="0" tIns="0" bIns="0" anchor="ctr">
+            <a:noAutofit/>
+          </a:bodyPr>
+          <a:p>
+            <a:pPr algn="ctr">
+              <a:lnSpc>
+                <a:spcPct val="100000"/>
+              </a:lnSpc>
+              <a:buNone/>
+            </a:pPr>
+            <a:r>
+              <a:rPr b="0" lang="zxx" sz="3300" spc="-1" strike="noStrike">
+                <a:solidFill>
+                  <a:srgbClr val="ffffff"/>
+                </a:solidFill>
+                <a:latin typeface="Arial"/>
+              </a:rPr>
+              <a:t>Half Edge, 2. operacja – sposób iteracji</a:t>
+            </a:r>
+            <a:endParaRPr b="0" lang="zxx" sz="3300" spc="-1" strike="noStrike">
+              <a:latin typeface="Arial"/>
+            </a:endParaRPr>
+          </a:p>
+        </p:txBody>
+      </p:sp>
+      <p:pic>
+        <p:nvPicPr>
+          <p:cNvPr id="131" name="" descr=""/>
+          <p:cNvPicPr/>
+          <p:nvPr/>
+        </p:nvPicPr>
+        <p:blipFill>
+          <a:blip r:embed="rId1"/>
+          <a:stretch/>
+        </p:blipFill>
+        <p:spPr>
+          <a:xfrm>
+            <a:off x="228600" y="1167120"/>
+            <a:ext cx="2923560" cy="2490480"/>
+          </a:xfrm>
+          <a:prstGeom prst="rect">
+            <a:avLst/>
+          </a:prstGeom>
+          <a:ln w="0">
+            <a:noFill/>
+          </a:ln>
+        </p:spPr>
+      </p:pic>
+      <p:pic>
+        <p:nvPicPr>
+          <p:cNvPr id="132" name="" descr=""/>
+          <p:cNvPicPr/>
+          <p:nvPr/>
+        </p:nvPicPr>
+        <p:blipFill>
+          <a:blip r:embed="rId2"/>
+          <a:stretch/>
+        </p:blipFill>
+        <p:spPr>
+          <a:xfrm>
+            <a:off x="3571560" y="1167120"/>
+            <a:ext cx="3172680" cy="2490480"/>
+          </a:xfrm>
+          <a:prstGeom prst="rect">
+            <a:avLst/>
+          </a:prstGeom>
+          <a:ln w="0">
+            <a:noFill/>
+          </a:ln>
+        </p:spPr>
+      </p:pic>
+      <p:pic>
+        <p:nvPicPr>
+          <p:cNvPr id="133" name="" descr=""/>
+          <p:cNvPicPr/>
+          <p:nvPr/>
+        </p:nvPicPr>
+        <p:blipFill>
+          <a:blip r:embed="rId3"/>
+          <a:stretch/>
+        </p:blipFill>
+        <p:spPr>
+          <a:xfrm>
+            <a:off x="6904080" y="1143000"/>
+            <a:ext cx="2925720" cy="2514600"/>
+          </a:xfrm>
+          <a:prstGeom prst="rect">
+            <a:avLst/>
+          </a:prstGeom>
+          <a:ln w="0">
+            <a:noFill/>
+          </a:ln>
+        </p:spPr>
+      </p:pic>
+      <p:sp>
+        <p:nvSpPr>
+          <p:cNvPr id="3" name="PlaceHolder 2"/>
+          <p:cNvSpPr>
+            <a:spLocks noGrp="1"/>
+          </p:cNvSpPr>
+          <p:nvPr>
+            <p:ph type="sldNum" idx="2"/>
+          </p:nvPr>
+        </p:nvSpPr>
+        <p:spPr/>
+        <p:txBody>
+          <a:bodyPr/>
+          <a:p>
+            <a:fld id="{30C4FA0E-38BA-4DBF-96E3-74B9A19CEE3E}" type="slidenum">
+              <a:t>22</a:t>
+            </a:fld>
+          </a:p>
+        </p:txBody>
+      </p:sp>
+      <p:sp>
+        <p:nvSpPr>
+          <p:cNvPr id="4" name="PlaceHolder 3"/>
+          <p:cNvSpPr>
+            <a:spLocks noGrp="1"/>
+          </p:cNvSpPr>
+          <p:nvPr>
+            <p:ph type="dt" idx="3"/>
+          </p:nvPr>
+        </p:nvSpPr>
+        <p:spPr/>
+        <p:txBody>
+          <a:bodyPr/>
+          <a:p>
+            <a:fld id="{701622F2-4AC4-452A-8259-E4D6E5FCE6D1}" type="datetime1">
+              <a:rPr lang="en-US"/>
+              <a:t>01/07/2024</a:t>
+            </a:fld>
+          </a:p>
+        </p:txBody>
+      </p:sp>
+    </p:spTree>
+  </p:cSld>
+  <mc:AlternateContent>
+    <mc:Choice Requires="p14">
+      <p:transition spd="slow" p14:dur="2000"/>
+    </mc:Choice>
+    <mc:Fallback>
+      <p:transition spd="slow"/>
+    </mc:Fallback>
+  </mc:AlternateContent>
+</p:sld>
+</file>
+
+<file path=ppt/slides/slide23.xml><?xml version="1.0" encoding="utf-8"?>
+<p:sld xmlns:a="http://schemas.openxmlformats.org/drawingml/2006/main" xmlns:p="http://schemas.openxmlformats.org/presentationml/2006/main" xmlns:r="http://schemas.openxmlformats.org/officeDocument/2006/relationships" xmlns:p14="http://schemas.microsoft.com/office/powerpoint/2010/main" xmlns:p15="http://schemas.microsoft.com/office/powerpoint/2012/main" xmlns:mc="http://schemas.openxmlformats.org/markup-compatibility/2006">
+  <p:cSld>
+    <p:spTree>
+      <p:nvGrpSpPr>
+        <p:cNvPr id="1" name=""/>
+        <p:cNvGrpSpPr/>
+        <p:nvPr/>
+      </p:nvGrpSpPr>
+      <p:grpSpPr>
+        <a:xfrm>
+          <a:off x="0" y="0"/>
+          <a:ext cx="0" cy="0"/>
+          <a:chOff x="0" y="0"/>
+          <a:chExt cx="0" cy="0"/>
+        </a:xfrm>
+      </p:grpSpPr>
+      <p:sp>
+        <p:nvSpPr>
+          <p:cNvPr id="134" name="PlaceHolder 1"/>
+          <p:cNvSpPr>
+            <a:spLocks noGrp="1"/>
+          </p:cNvSpPr>
+          <p:nvPr>
+            <p:ph type="title"/>
+          </p:nvPr>
+        </p:nvSpPr>
+        <p:spPr>
+          <a:xfrm>
+            <a:off x="360000" y="180000"/>
+            <a:ext cx="9359640" cy="477720"/>
+          </a:xfrm>
+          <a:prstGeom prst="rect">
+            <a:avLst/>
+          </a:prstGeom>
+          <a:noFill/>
+          <a:ln w="0">
+            <a:noFill/>
+          </a:ln>
+        </p:spPr>
+        <p:txBody>
+          <a:bodyPr lIns="0" rIns="0" tIns="0" bIns="0" anchor="ctr">
+            <a:noAutofit/>
+          </a:bodyPr>
+          <a:p>
+            <a:pPr algn="ctr">
+              <a:lnSpc>
+                <a:spcPct val="100000"/>
+              </a:lnSpc>
+              <a:buNone/>
+            </a:pPr>
+            <a:r>
+              <a:rPr b="0" lang="zxx" sz="3300" spc="-1" strike="noStrike">
+                <a:solidFill>
+                  <a:srgbClr val="ffffff"/>
+                </a:solidFill>
+                <a:latin typeface="Arial"/>
+              </a:rPr>
+              <a:t>Half Edge, 2. operacja</a:t>
+            </a:r>
+            <a:endParaRPr b="0" lang="zxx" sz="3300" spc="-1" strike="noStrike">
+              <a:latin typeface="Arial"/>
+            </a:endParaRPr>
+          </a:p>
+        </p:txBody>
+      </p:sp>
+      <p:sp>
+        <p:nvSpPr>
+          <p:cNvPr id="135" name="PlaceHolder 2"/>
+          <p:cNvSpPr>
+            <a:spLocks noGrp="1"/>
+          </p:cNvSpPr>
+          <p:nvPr>
+            <p:ph/>
+          </p:nvPr>
+        </p:nvSpPr>
+        <p:spPr>
+          <a:xfrm>
+            <a:off x="360000" y="1080000"/>
+            <a:ext cx="9359640" cy="3599640"/>
+          </a:xfrm>
+          <a:prstGeom prst="rect">
+            <a:avLst/>
+          </a:prstGeom>
+          <a:noFill/>
+          <a:ln w="0">
+            <a:noFill/>
+          </a:ln>
+        </p:spPr>
+        <p:txBody>
+          <a:bodyPr lIns="0" rIns="0" tIns="0" bIns="0" anchor="t">
+            <a:normAutofit/>
+          </a:bodyPr>
+          <a:p>
+            <a:pPr marL="432000" indent="-324000" algn="just">
+              <a:spcBef>
+                <a:spcPts val="1417"/>
+              </a:spcBef>
+              <a:buClr>
+                <a:srgbClr val="000000"/>
+              </a:buClr>
+              <a:buSzPct val="45000"/>
+              <a:buFont typeface="Wingdings" charset="2"/>
+              <a:buChar char=""/>
+            </a:pPr>
+            <a:r>
+              <a:rPr b="0" lang="zxx" sz="2400" spc="-1" strike="noStrike">
+                <a:solidFill>
+                  <a:srgbClr val="009bdd"/>
+                </a:solidFill>
+                <a:latin typeface="Arial"/>
+              </a:rPr>
+              <a:t>Żeby otrzymać sąsiedni trójkąt, należy odnieść się do sąsiedniej krawędzi, a potem do przypisanego do niej trójkąta: current.twin.triangle.</a:t>
+            </a:r>
+            <a:endParaRPr b="0" lang="zxx" sz="2400" spc="-1" strike="noStrike">
+              <a:solidFill>
+                <a:srgbClr val="009bdd"/>
+              </a:solidFill>
+              <a:latin typeface="Arial"/>
+            </a:endParaRPr>
+          </a:p>
+          <a:p>
+            <a:pPr marL="432000" indent="-324000" algn="just">
+              <a:spcBef>
+                <a:spcPts val="1417"/>
+              </a:spcBef>
+              <a:buClr>
+                <a:srgbClr val="000000"/>
+              </a:buClr>
+              <a:buSzPct val="45000"/>
+              <a:buFont typeface="Wingdings" charset="2"/>
+              <a:buChar char=""/>
+            </a:pPr>
+            <a:r>
+              <a:rPr b="0" lang="zxx" sz="2400" spc="-1" strike="noStrike">
+                <a:solidFill>
+                  <a:srgbClr val="009bdd"/>
+                </a:solidFill>
+                <a:latin typeface="Arial"/>
+              </a:rPr>
+              <a:t>Sam sposób wyznaczania kolejnych warstw jest taki sam jak przy pierwszej operacji. Używa się listy zbiorów, gdzie każdy zbiór przechowuje indeksy trójkątów z danej warstwy otoczenia.</a:t>
+            </a:r>
+            <a:endParaRPr b="0" lang="zxx" sz="2400" spc="-1" strike="noStrike">
+              <a:solidFill>
+                <a:srgbClr val="009bdd"/>
+              </a:solidFill>
+              <a:latin typeface="Arial"/>
+            </a:endParaRPr>
+          </a:p>
+          <a:p>
+            <a:pPr marL="432000" indent="-324000" algn="just">
+              <a:spcBef>
+                <a:spcPts val="1417"/>
+              </a:spcBef>
+              <a:buClr>
+                <a:srgbClr val="000000"/>
+              </a:buClr>
+              <a:buSzPct val="45000"/>
+              <a:buFont typeface="Wingdings" charset="2"/>
+              <a:buChar char=""/>
+            </a:pPr>
+            <a:endParaRPr b="0" lang="zxx" sz="2400" spc="-1" strike="noStrike">
+              <a:solidFill>
+                <a:srgbClr val="009bdd"/>
+              </a:solidFill>
+              <a:latin typeface="Arial"/>
+            </a:endParaRPr>
+          </a:p>
+        </p:txBody>
+      </p:sp>
+      <p:sp>
+        <p:nvSpPr>
+          <p:cNvPr id="4" name="PlaceHolder 3"/>
+          <p:cNvSpPr>
+            <a:spLocks noGrp="1"/>
+          </p:cNvSpPr>
+          <p:nvPr>
+            <p:ph type="sldNum" idx="2"/>
+          </p:nvPr>
+        </p:nvSpPr>
+        <p:spPr/>
+        <p:txBody>
+          <a:bodyPr/>
+          <a:p>
+            <a:fld id="{4BD16508-EB1C-4F30-BE22-D5C6E311B88F}" type="slidenum">
+              <a:t>23</a:t>
+            </a:fld>
+          </a:p>
+        </p:txBody>
+      </p:sp>
+      <p:sp>
+        <p:nvSpPr>
+          <p:cNvPr id="5" name="PlaceHolder 4"/>
+          <p:cNvSpPr>
+            <a:spLocks noGrp="1"/>
+          </p:cNvSpPr>
+          <p:nvPr>
+            <p:ph type="dt" idx="3"/>
+          </p:nvPr>
+        </p:nvSpPr>
+        <p:spPr/>
+        <p:txBody>
+          <a:bodyPr/>
+          <a:p>
+            <a:fld id="{2591ECC8-2A09-4061-A286-63245EC1C708}" type="datetime1">
+              <a:rPr lang="en-US"/>
+              <a:t>01/07/2024</a:t>
+            </a:fld>
+          </a:p>
+        </p:txBody>
+      </p:sp>
+    </p:spTree>
+  </p:cSld>
+  <mc:AlternateContent>
+    <mc:Choice Requires="p14">
+      <p:transition spd="slow" p14:dur="2000"/>
+    </mc:Choice>
+    <mc:Fallback>
+      <p:transition spd="slow"/>
+    </mc:Fallback>
+  </mc:AlternateContent>
+</p:sld>
+</file>
+
+<file path=ppt/slides/slide24.xml><?xml version="1.0" encoding="utf-8"?>
+<p:sld xmlns:a="http://schemas.openxmlformats.org/drawingml/2006/main" xmlns:p="http://schemas.openxmlformats.org/presentationml/2006/main" xmlns:r="http://schemas.openxmlformats.org/officeDocument/2006/relationships" xmlns:p14="http://schemas.microsoft.com/office/powerpoint/2010/main" xmlns:p15="http://schemas.microsoft.com/office/powerpoint/2012/main" xmlns:mc="http://schemas.openxmlformats.org/markup-compatibility/2006">
+  <p:cSld>
+    <p:spTree>
+      <p:nvGrpSpPr>
+        <p:cNvPr id="1" name=""/>
+        <p:cNvGrpSpPr/>
+        <p:nvPr/>
+      </p:nvGrpSpPr>
+      <p:grpSpPr>
+        <a:xfrm>
+          <a:off x="0" y="0"/>
+          <a:ext cx="0" cy="0"/>
+          <a:chOff x="0" y="0"/>
+          <a:chExt cx="0" cy="0"/>
+        </a:xfrm>
+      </p:grpSpPr>
+      <p:sp>
+        <p:nvSpPr>
+          <p:cNvPr id="136" name="PlaceHolder 1"/>
+          <p:cNvSpPr>
+            <a:spLocks noGrp="1"/>
+          </p:cNvSpPr>
+          <p:nvPr>
+            <p:ph type="title"/>
+          </p:nvPr>
+        </p:nvSpPr>
+        <p:spPr>
+          <a:xfrm>
+            <a:off x="360000" y="180000"/>
+            <a:ext cx="9359640" cy="477720"/>
+          </a:xfrm>
+          <a:prstGeom prst="rect">
+            <a:avLst/>
+          </a:prstGeom>
+          <a:noFill/>
+          <a:ln w="0">
+            <a:noFill/>
+          </a:ln>
+        </p:spPr>
+        <p:txBody>
+          <a:bodyPr lIns="0" rIns="0" tIns="0" bIns="0" anchor="ctr">
+            <a:noAutofit/>
+          </a:bodyPr>
+          <a:p>
+            <a:pPr algn="ctr">
+              <a:lnSpc>
+                <a:spcPct val="100000"/>
+              </a:lnSpc>
+              <a:buNone/>
+            </a:pPr>
+            <a:r>
+              <a:rPr b="0" lang="zxx" sz="3300" spc="-1" strike="noStrike">
+                <a:solidFill>
+                  <a:srgbClr val="ffffff"/>
+                </a:solidFill>
+                <a:latin typeface="Arial"/>
+              </a:rPr>
+              <a:t>Half Edge, 2. operacja – odwiedzenie trójkąta</a:t>
+            </a:r>
+            <a:endParaRPr b="0" lang="zxx" sz="3300" spc="-1" strike="noStrike">
+              <a:latin typeface="Arial"/>
+            </a:endParaRPr>
+          </a:p>
+        </p:txBody>
+      </p:sp>
+      <p:pic>
+        <p:nvPicPr>
+          <p:cNvPr id="137" name="" descr=""/>
+          <p:cNvPicPr/>
+          <p:nvPr/>
+        </p:nvPicPr>
+        <p:blipFill>
+          <a:blip r:embed="rId1"/>
+          <a:stretch/>
+        </p:blipFill>
+        <p:spPr>
+          <a:xfrm>
+            <a:off x="1828800" y="909360"/>
+            <a:ext cx="2743200" cy="3891240"/>
+          </a:xfrm>
+          <a:prstGeom prst="rect">
+            <a:avLst/>
+          </a:prstGeom>
+          <a:ln w="0">
+            <a:noFill/>
+          </a:ln>
+        </p:spPr>
+      </p:pic>
+      <p:pic>
+        <p:nvPicPr>
+          <p:cNvPr id="138" name="" descr=""/>
+          <p:cNvPicPr/>
+          <p:nvPr/>
+        </p:nvPicPr>
+        <p:blipFill>
+          <a:blip r:embed="rId2"/>
+          <a:stretch/>
+        </p:blipFill>
+        <p:spPr>
+          <a:xfrm>
+            <a:off x="4800600" y="914400"/>
+            <a:ext cx="3393720" cy="3886200"/>
+          </a:xfrm>
+          <a:prstGeom prst="rect">
+            <a:avLst/>
+          </a:prstGeom>
+          <a:ln w="0">
+            <a:noFill/>
+          </a:ln>
+        </p:spPr>
+      </p:pic>
+      <p:sp>
+        <p:nvSpPr>
+          <p:cNvPr id="3" name="PlaceHolder 2"/>
+          <p:cNvSpPr>
+            <a:spLocks noGrp="1"/>
+          </p:cNvSpPr>
+          <p:nvPr>
+            <p:ph type="sldNum" idx="2"/>
+          </p:nvPr>
+        </p:nvSpPr>
+        <p:spPr/>
+        <p:txBody>
+          <a:bodyPr/>
+          <a:p>
+            <a:fld id="{F5914ED6-3B51-4AAC-A7E1-32A015C3934B}" type="slidenum">
+              <a:t>24</a:t>
+            </a:fld>
+          </a:p>
+        </p:txBody>
+      </p:sp>
+      <p:sp>
+        <p:nvSpPr>
+          <p:cNvPr id="4" name="PlaceHolder 3"/>
+          <p:cNvSpPr>
+            <a:spLocks noGrp="1"/>
+          </p:cNvSpPr>
+          <p:nvPr>
+            <p:ph type="dt" idx="3"/>
+          </p:nvPr>
+        </p:nvSpPr>
+        <p:spPr/>
+        <p:txBody>
+          <a:bodyPr/>
+          <a:p>
+            <a:fld id="{DCD52BE9-B366-48B0-BB99-051243E29691}" type="datetime1">
+              <a:rPr lang="en-US"/>
+              <a:t>01/07/2024</a:t>
+            </a:fld>
+          </a:p>
+        </p:txBody>
+      </p:sp>
+    </p:spTree>
+  </p:cSld>
+  <mc:AlternateContent>
+    <mc:Choice Requires="p14">
+      <p:transition spd="slow" p14:dur="2000"/>
+    </mc:Choice>
+    <mc:Fallback>
+      <p:transition spd="slow"/>
+    </mc:Fallback>
+  </mc:AlternateContent>
+</p:sld>
+</file>
+
+<file path=ppt/slides/slide25.xml><?xml version="1.0" encoding="utf-8"?>
+<p:sld xmlns:a="http://schemas.openxmlformats.org/drawingml/2006/main" xmlns:p="http://schemas.openxmlformats.org/presentationml/2006/main" xmlns:r="http://schemas.openxmlformats.org/officeDocument/2006/relationships" xmlns:p14="http://schemas.microsoft.com/office/powerpoint/2010/main" xmlns:p15="http://schemas.microsoft.com/office/powerpoint/2012/main" xmlns:mc="http://schemas.openxmlformats.org/markup-compatibility/2006">
+  <p:cSld>
+    <p:spTree>
+      <p:nvGrpSpPr>
+        <p:cNvPr id="1" name=""/>
+        <p:cNvGrpSpPr/>
+        <p:nvPr/>
+      </p:nvGrpSpPr>
+      <p:grpSpPr>
+        <a:xfrm>
+          <a:off x="0" y="0"/>
+          <a:ext cx="0" cy="0"/>
+          <a:chOff x="0" y="0"/>
+          <a:chExt cx="0" cy="0"/>
+        </a:xfrm>
+      </p:grpSpPr>
+      <p:sp>
+        <p:nvSpPr>
+          <p:cNvPr id="139" name="PlaceHolder 1"/>
+          <p:cNvSpPr>
+            <a:spLocks noGrp="1"/>
+          </p:cNvSpPr>
+          <p:nvPr>
+            <p:ph type="title"/>
+          </p:nvPr>
+        </p:nvSpPr>
+        <p:spPr>
+          <a:xfrm>
+            <a:off x="360000" y="180000"/>
+            <a:ext cx="9359640" cy="477720"/>
+          </a:xfrm>
+          <a:prstGeom prst="rect">
+            <a:avLst/>
+          </a:prstGeom>
+          <a:noFill/>
+          <a:ln w="0">
+            <a:noFill/>
+          </a:ln>
+        </p:spPr>
+        <p:txBody>
+          <a:bodyPr lIns="0" rIns="0" tIns="0" bIns="0" anchor="ctr">
+            <a:noAutofit/>
+          </a:bodyPr>
+          <a:p>
+            <a:pPr algn="ctr">
+              <a:lnSpc>
+                <a:spcPct val="100000"/>
+              </a:lnSpc>
+              <a:buNone/>
+            </a:pPr>
+            <a:r>
+              <a:rPr b="0" lang="zxx" sz="3300" spc="-1" strike="noStrike">
+                <a:solidFill>
+                  <a:srgbClr val="ffffff"/>
+                </a:solidFill>
+                <a:latin typeface="Arial"/>
+              </a:rPr>
+              <a:t>Half Edge, 3. operacja</a:t>
+            </a:r>
+            <a:endParaRPr b="0" lang="zxx" sz="3300" spc="-1" strike="noStrike">
+              <a:latin typeface="Arial"/>
+            </a:endParaRPr>
+          </a:p>
+        </p:txBody>
+      </p:sp>
+      <p:sp>
+        <p:nvSpPr>
+          <p:cNvPr id="140" name="PlaceHolder 2"/>
+          <p:cNvSpPr>
+            <a:spLocks noGrp="1"/>
+          </p:cNvSpPr>
+          <p:nvPr>
+            <p:ph/>
+          </p:nvPr>
+        </p:nvSpPr>
+        <p:spPr>
+          <a:xfrm>
+            <a:off x="360000" y="1080000"/>
+            <a:ext cx="9359640" cy="3599640"/>
+          </a:xfrm>
+          <a:prstGeom prst="rect">
+            <a:avLst/>
+          </a:prstGeom>
+          <a:noFill/>
+          <a:ln w="0">
+            <a:noFill/>
+          </a:ln>
+        </p:spPr>
+        <p:txBody>
+          <a:bodyPr lIns="0" rIns="0" tIns="0" bIns="0" anchor="t">
+            <a:normAutofit/>
+          </a:bodyPr>
+          <a:p>
+            <a:pPr marL="432000" indent="-324000" algn="just">
+              <a:spcBef>
+                <a:spcPts val="1417"/>
+              </a:spcBef>
+              <a:buClr>
+                <a:srgbClr val="000000"/>
+              </a:buClr>
+              <a:buSzPct val="45000"/>
+              <a:buFont typeface="Wingdings" charset="2"/>
+              <a:buChar char=""/>
+            </a:pPr>
+            <a:r>
+              <a:rPr b="0" lang="zxx" sz="2400" spc="-1" strike="noStrike">
+                <a:solidFill>
+                  <a:srgbClr val="009bdd"/>
+                </a:solidFill>
+                <a:latin typeface="Arial"/>
+              </a:rPr>
+              <a:t>Trzecia operacja działa na bazie poprzedniej. Wyznacza się kolejne warstwy otoczenia trójkąta tak długo, jak któryś z trójkątów należących do otoczenia będzie zawierał poszukiwany wierzchołek. Tak więc, przed wpisaniem wierzchołka do jednego ze zbiorów, sprawdza się czy jest tym poszukiwanym przez funkcję.</a:t>
+            </a:r>
+            <a:endParaRPr b="0" lang="zxx" sz="2400" spc="-1" strike="noStrike">
+              <a:solidFill>
+                <a:srgbClr val="009bdd"/>
+              </a:solidFill>
+              <a:latin typeface="Arial"/>
+            </a:endParaRPr>
+          </a:p>
+        </p:txBody>
+      </p:sp>
+      <p:sp>
+        <p:nvSpPr>
+          <p:cNvPr id="4" name="PlaceHolder 3"/>
+          <p:cNvSpPr>
+            <a:spLocks noGrp="1"/>
+          </p:cNvSpPr>
+          <p:nvPr>
+            <p:ph type="sldNum" idx="2"/>
+          </p:nvPr>
+        </p:nvSpPr>
+        <p:spPr/>
+        <p:txBody>
+          <a:bodyPr/>
+          <a:p>
+            <a:fld id="{237AB0A8-D8DF-4A3F-A423-10C2CC91A13E}" type="slidenum">
+              <a:t>25</a:t>
+            </a:fld>
+          </a:p>
+        </p:txBody>
+      </p:sp>
+      <p:sp>
+        <p:nvSpPr>
+          <p:cNvPr id="5" name="PlaceHolder 4"/>
+          <p:cNvSpPr>
+            <a:spLocks noGrp="1"/>
+          </p:cNvSpPr>
+          <p:nvPr>
+            <p:ph type="dt" idx="3"/>
+          </p:nvPr>
+        </p:nvSpPr>
+        <p:spPr/>
+        <p:txBody>
+          <a:bodyPr/>
+          <a:p>
+            <a:fld id="{64150D2D-7377-445E-B23E-C90F6553AD59}" type="datetime1">
+              <a:rPr lang="en-US"/>
+              <a:t>01/07/2024</a:t>
+            </a:fld>
+          </a:p>
+        </p:txBody>
+      </p:sp>
+    </p:spTree>
+  </p:cSld>
+  <mc:AlternateContent>
+    <mc:Choice Requires="p14">
+      <p:transition spd="slow" p14:dur="2000"/>
+    </mc:Choice>
+    <mc:Fallback>
+      <p:transition spd="slow"/>
+    </mc:Fallback>
+  </mc:AlternateContent>
+</p:sld>
+</file>
+
+<file path=ppt/slides/slide26.xml><?xml version="1.0" encoding="utf-8"?>
+<p:sld xmlns:a="http://schemas.openxmlformats.org/drawingml/2006/main" xmlns:p="http://schemas.openxmlformats.org/presentationml/2006/main" xmlns:r="http://schemas.openxmlformats.org/officeDocument/2006/relationships" xmlns:p14="http://schemas.microsoft.com/office/powerpoint/2010/main" xmlns:p15="http://schemas.microsoft.com/office/powerpoint/2012/main" xmlns:mc="http://schemas.openxmlformats.org/markup-compatibility/2006">
+  <p:cSld>
+    <p:spTree>
+      <p:nvGrpSpPr>
+        <p:cNvPr id="1" name=""/>
+        <p:cNvGrpSpPr/>
+        <p:nvPr/>
+      </p:nvGrpSpPr>
+      <p:grpSpPr>
+        <a:xfrm>
+          <a:off x="0" y="0"/>
+          <a:ext cx="0" cy="0"/>
+          <a:chOff x="0" y="0"/>
+          <a:chExt cx="0" cy="0"/>
+        </a:xfrm>
+      </p:grpSpPr>
+      <p:sp>
+        <p:nvSpPr>
+          <p:cNvPr id="141" name="PlaceHolder 1"/>
+          <p:cNvSpPr>
+            <a:spLocks noGrp="1"/>
+          </p:cNvSpPr>
+          <p:nvPr>
+            <p:ph type="title"/>
+          </p:nvPr>
+        </p:nvSpPr>
+        <p:spPr>
+          <a:xfrm>
+            <a:off x="360000" y="180000"/>
+            <a:ext cx="9359640" cy="477720"/>
+          </a:xfrm>
+          <a:prstGeom prst="rect">
+            <a:avLst/>
+          </a:prstGeom>
+          <a:noFill/>
+          <a:ln w="0">
+            <a:noFill/>
+          </a:ln>
+        </p:spPr>
+        <p:txBody>
+          <a:bodyPr lIns="0" rIns="0" tIns="0" bIns="0" anchor="ctr">
+            <a:noAutofit/>
+          </a:bodyPr>
+          <a:p>
+            <a:pPr algn="ctr">
+              <a:lnSpc>
+                <a:spcPct val="100000"/>
+              </a:lnSpc>
+              <a:buNone/>
+            </a:pPr>
+            <a:r>
+              <a:rPr b="0" lang="zxx" sz="3300" spc="-1" strike="noStrike">
+                <a:solidFill>
+                  <a:srgbClr val="ffffff"/>
+                </a:solidFill>
+                <a:latin typeface="Arial"/>
+              </a:rPr>
+              <a:t>Bibliografia</a:t>
+            </a:r>
+            <a:endParaRPr b="0" lang="zxx" sz="3300" spc="-1" strike="noStrike">
+              <a:latin typeface="Arial"/>
+            </a:endParaRPr>
+          </a:p>
+        </p:txBody>
+      </p:sp>
+      <p:sp>
+        <p:nvSpPr>
+          <p:cNvPr id="142" name="PlaceHolder 2"/>
+          <p:cNvSpPr>
+            <a:spLocks noGrp="1"/>
+          </p:cNvSpPr>
+          <p:nvPr>
+            <p:ph/>
+          </p:nvPr>
+        </p:nvSpPr>
+        <p:spPr>
+          <a:xfrm>
+            <a:off x="360000" y="1080000"/>
+            <a:ext cx="9359640" cy="3599640"/>
+          </a:xfrm>
+          <a:prstGeom prst="rect">
+            <a:avLst/>
+          </a:prstGeom>
+          <a:noFill/>
+          <a:ln w="0">
+            <a:noFill/>
+          </a:ln>
+        </p:spPr>
+        <p:txBody>
+          <a:bodyPr lIns="0" rIns="0" tIns="0" bIns="0" anchor="t">
+            <a:normAutofit/>
+          </a:bodyPr>
+          <a:p>
+            <a:pPr marL="429840" indent="-320040" algn="just">
+              <a:spcBef>
+                <a:spcPts val="1417"/>
+              </a:spcBef>
+              <a:buClr>
+                <a:srgbClr val="77caee"/>
+              </a:buClr>
+              <a:buSzPct val="45000"/>
+              <a:buFont typeface="Wingdings" charset="2"/>
+              <a:buChar char=""/>
+            </a:pPr>
+            <a:r>
+              <a:rPr b="0" lang="zxx" sz="2400" spc="-1" strike="noStrike">
+                <a:solidFill>
+                  <a:srgbClr val="009bdd"/>
+                </a:solidFill>
+                <a:latin typeface="Arial"/>
+              </a:rPr>
+              <a:t>https://jerryyin.info/geometry-processing-algorithms/half-edge/</a:t>
+            </a:r>
+            <a:endParaRPr b="0" lang="zxx" sz="2400" spc="-1" strike="noStrike">
+              <a:solidFill>
+                <a:srgbClr val="009bdd"/>
+              </a:solidFill>
+              <a:latin typeface="Arial"/>
+            </a:endParaRPr>
+          </a:p>
+          <a:p>
+            <a:pPr marL="429840" indent="-320040" algn="just">
+              <a:spcBef>
+                <a:spcPts val="1417"/>
+              </a:spcBef>
+              <a:buClr>
+                <a:srgbClr val="77caee"/>
+              </a:buClr>
+              <a:buSzPct val="45000"/>
+              <a:buFont typeface="Wingdings" charset="2"/>
+              <a:buChar char=""/>
+            </a:pPr>
+            <a:r>
+              <a:rPr b="0" lang="zxx" sz="2400" spc="-1" strike="noStrike">
+                <a:solidFill>
+                  <a:srgbClr val="009bdd"/>
+                </a:solidFill>
+                <a:latin typeface="Arial"/>
+              </a:rPr>
+              <a:t>https://cs184.eecs.berkeley.edu/sp19/article/15/the-half-edge-data-structure</a:t>
+            </a:r>
+            <a:endParaRPr b="0" lang="zxx" sz="2400" spc="-1" strike="noStrike">
+              <a:solidFill>
+                <a:srgbClr val="009bdd"/>
+              </a:solidFill>
+              <a:latin typeface="Arial"/>
+            </a:endParaRPr>
+          </a:p>
+          <a:p>
+            <a:pPr marL="429840" indent="-320040" algn="just">
+              <a:spcBef>
+                <a:spcPts val="1417"/>
+              </a:spcBef>
+              <a:buClr>
+                <a:srgbClr val="77caee"/>
+              </a:buClr>
+              <a:buSzPct val="45000"/>
+              <a:buFont typeface="Wingdings" charset="2"/>
+              <a:buChar char=""/>
+            </a:pPr>
+            <a:r>
+              <a:rPr b="0" lang="zxx" sz="2400" spc="-1" strike="noStrike">
+                <a:solidFill>
+                  <a:srgbClr val="009bdd"/>
+                </a:solidFill>
+                <a:latin typeface="Arial"/>
+              </a:rPr>
+              <a:t>https://stackoverflow.com/questions/15365471/initializing-half-edge-data-structure-from-vertices</a:t>
+            </a:r>
+            <a:endParaRPr b="0" lang="zxx" sz="2400" spc="-1" strike="noStrike">
+              <a:solidFill>
+                <a:srgbClr val="009bdd"/>
+              </a:solidFill>
+              <a:latin typeface="Arial"/>
+            </a:endParaRPr>
+          </a:p>
+          <a:p>
+            <a:pPr marL="429840" indent="-320040" algn="just">
+              <a:spcBef>
+                <a:spcPts val="1417"/>
+              </a:spcBef>
+              <a:buClr>
+                <a:srgbClr val="77caee"/>
+              </a:buClr>
+              <a:buSzPct val="45000"/>
+              <a:buFont typeface="Wingdings" charset="2"/>
+              <a:buChar char=""/>
+            </a:pPr>
+            <a:r>
+              <a:rPr b="0" lang="zxx" sz="2400" spc="-1" strike="noStrike">
+                <a:solidFill>
+                  <a:srgbClr val="009bdd"/>
+                </a:solidFill>
+                <a:latin typeface="Arial"/>
+              </a:rPr>
+              <a:t>https://kaba.hilvi.org/homepage/blog/halfedge/halfedge.htm</a:t>
+            </a:r>
+            <a:endParaRPr b="0" lang="zxx" sz="2400" spc="-1" strike="noStrike">
+              <a:solidFill>
+                <a:srgbClr val="009bdd"/>
+              </a:solidFill>
+              <a:latin typeface="Arial"/>
+            </a:endParaRPr>
+          </a:p>
+          <a:p>
+            <a:pPr marL="429840" indent="-320040" algn="just">
+              <a:spcBef>
+                <a:spcPts val="1417"/>
+              </a:spcBef>
+              <a:buClr>
+                <a:srgbClr val="77caee"/>
+              </a:buClr>
+              <a:buSzPct val="45000"/>
+              <a:buFont typeface="Wingdings" charset="2"/>
+              <a:buChar char=""/>
+            </a:pPr>
+            <a:r>
+              <a:rPr b="0" lang="zxx" sz="2400" spc="-1" strike="noStrike">
+                <a:solidFill>
+                  <a:srgbClr val="009bdd"/>
+                </a:solidFill>
+                <a:latin typeface="Arial"/>
+              </a:rPr>
+              <a:t>Mark de Berg – „Computational Geometry – Algorithms and Applications”</a:t>
+            </a:r>
+            <a:endParaRPr b="0" lang="zxx" sz="2400" spc="-1" strike="noStrike">
+              <a:solidFill>
+                <a:srgbClr val="009bdd"/>
+              </a:solidFill>
+              <a:latin typeface="Arial"/>
+            </a:endParaRPr>
+          </a:p>
+        </p:txBody>
+      </p:sp>
+      <p:sp>
+        <p:nvSpPr>
+          <p:cNvPr id="4" name="PlaceHolder 3"/>
+          <p:cNvSpPr>
+            <a:spLocks noGrp="1"/>
+          </p:cNvSpPr>
+          <p:nvPr>
+            <p:ph type="sldNum" idx="2"/>
+          </p:nvPr>
+        </p:nvSpPr>
+        <p:spPr/>
+        <p:txBody>
+          <a:bodyPr/>
+          <a:p>
+            <a:fld id="{51175183-497E-474C-9440-F04A1B390EA2}" type="slidenum">
+              <a:t>26</a:t>
+            </a:fld>
+          </a:p>
+        </p:txBody>
+      </p:sp>
+      <p:sp>
+        <p:nvSpPr>
+          <p:cNvPr id="5" name="PlaceHolder 4"/>
+          <p:cNvSpPr>
+            <a:spLocks noGrp="1"/>
+          </p:cNvSpPr>
+          <p:nvPr>
+            <p:ph type="dt" idx="3"/>
+          </p:nvPr>
+        </p:nvSpPr>
+        <p:spPr/>
+        <p:txBody>
+          <a:bodyPr/>
+          <a:p>
+            <a:fld id="{3E5ED842-15F6-4901-A88A-F4EB61CE78FF}" type="datetime1">
+              <a:rPr lang="en-US"/>
+              <a:t>01/07/2024</a:t>
+            </a:fld>
+          </a:p>
+        </p:txBody>
+      </p:sp>
+    </p:spTree>
+  </p:cSld>
+  <mc:AlternateContent>
+    <mc:Choice Requires="p14">
+      <p:transition spd="slow" p14:dur="2000"/>
+    </mc:Choice>
+    <mc:Fallback>
+      <p:transition spd="slow"/>
+    </mc:Fallback>
+  </mc:AlternateContent>
+</p:sld>
+</file>
+
+<file path=ppt/slides/slide27.xml><?xml version="1.0" encoding="utf-8"?>
+<p:sld xmlns:a="http://schemas.openxmlformats.org/drawingml/2006/main" xmlns:p="http://schemas.openxmlformats.org/presentationml/2006/main" xmlns:r="http://schemas.openxmlformats.org/officeDocument/2006/relationships" xmlns:p14="http://schemas.microsoft.com/office/powerpoint/2010/main" xmlns:p15="http://schemas.microsoft.com/office/powerpoint/2012/main" xmlns:mc="http://schemas.openxmlformats.org/markup-compatibility/2006">
+  <p:cSld>
+    <p:spTree>
+      <p:nvGrpSpPr>
+        <p:cNvPr id="1" name=""/>
+        <p:cNvGrpSpPr/>
+        <p:nvPr/>
+      </p:nvGrpSpPr>
+      <p:grpSpPr>
+        <a:xfrm>
+          <a:off x="0" y="0"/>
+          <a:ext cx="0" cy="0"/>
+          <a:chOff x="0" y="0"/>
+          <a:chExt cx="0" cy="0"/>
+        </a:xfrm>
+      </p:grpSpPr>
+      <p:sp>
+        <p:nvSpPr>
+          <p:cNvPr id="143" name="PlaceHolder 1"/>
+          <p:cNvSpPr>
+            <a:spLocks noGrp="1"/>
+          </p:cNvSpPr>
+          <p:nvPr>
+            <p:ph type="title"/>
+          </p:nvPr>
+        </p:nvSpPr>
+        <p:spPr>
+          <a:xfrm>
+            <a:off x="360000" y="180000"/>
+            <a:ext cx="9359640" cy="477720"/>
+          </a:xfrm>
+          <a:prstGeom prst="rect">
+            <a:avLst/>
+          </a:prstGeom>
+          <a:noFill/>
+          <a:ln w="0">
+            <a:noFill/>
+          </a:ln>
+        </p:spPr>
+        <p:txBody>
+          <a:bodyPr lIns="0" rIns="0" tIns="0" bIns="0" anchor="ctr">
+            <a:noAutofit/>
+          </a:bodyPr>
+          <a:p>
+            <a:pPr algn="ctr">
+              <a:lnSpc>
+                <a:spcPct val="100000"/>
+              </a:lnSpc>
+              <a:buNone/>
+            </a:pPr>
+            <a:r>
+              <a:rPr b="0" lang="zxx" sz="3300" spc="-1" strike="noStrike">
+                <a:solidFill>
+                  <a:srgbClr val="ffffff"/>
+                </a:solidFill>
+                <a:latin typeface="Arial"/>
+              </a:rPr>
+              <a:t>Koniec</a:t>
+            </a:r>
+            <a:endParaRPr b="0" lang="zxx" sz="3300" spc="-1" strike="noStrike">
+              <a:latin typeface="Arial"/>
+            </a:endParaRPr>
+          </a:p>
+        </p:txBody>
+      </p:sp>
+      <p:sp>
+        <p:nvSpPr>
+          <p:cNvPr id="144" name="PlaceHolder 2"/>
+          <p:cNvSpPr>
+            <a:spLocks noGrp="1"/>
+          </p:cNvSpPr>
+          <p:nvPr>
+            <p:ph/>
+          </p:nvPr>
+        </p:nvSpPr>
+        <p:spPr>
+          <a:xfrm>
+            <a:off x="360000" y="1080000"/>
+            <a:ext cx="9359640" cy="3599640"/>
+          </a:xfrm>
+          <a:prstGeom prst="rect">
+            <a:avLst/>
+          </a:prstGeom>
+          <a:noFill/>
+          <a:ln w="0">
+            <a:noFill/>
+          </a:ln>
+        </p:spPr>
+        <p:txBody>
+          <a:bodyPr lIns="0" rIns="0" tIns="0" bIns="0" anchor="t">
+            <a:normAutofit/>
+          </a:bodyPr>
+          <a:p>
+            <a:pPr marL="432000" indent="-324000" algn="ctr">
+              <a:spcBef>
+                <a:spcPts val="1417"/>
+              </a:spcBef>
+              <a:buClr>
+                <a:srgbClr val="000000"/>
+              </a:buClr>
+              <a:buSzPct val="45000"/>
+              <a:buFont typeface="Wingdings" charset="2"/>
+              <a:buChar char=""/>
+            </a:pPr>
+            <a:r>
+              <a:rPr b="0" lang="zxx" sz="3200" spc="-1" strike="noStrike">
+                <a:solidFill>
+                  <a:srgbClr val="009bdd"/>
+                </a:solidFill>
+                <a:latin typeface="Arial"/>
+              </a:rPr>
+              <a:t>Dziękujemy za uwagę!</a:t>
+            </a:r>
+            <a:endParaRPr b="0" lang="zxx" sz="3200" spc="-1" strike="noStrike">
+              <a:solidFill>
+                <a:srgbClr val="009bdd"/>
+              </a:solidFill>
+              <a:latin typeface="Arial"/>
+            </a:endParaRPr>
+          </a:p>
+        </p:txBody>
+      </p:sp>
+      <p:pic>
+        <p:nvPicPr>
+          <p:cNvPr id="145" name="" descr=""/>
+          <p:cNvPicPr/>
+          <p:nvPr/>
+        </p:nvPicPr>
+        <p:blipFill>
+          <a:blip r:embed="rId1"/>
+          <a:stretch/>
+        </p:blipFill>
+        <p:spPr>
+          <a:xfrm>
+            <a:off x="3429000" y="1828800"/>
+            <a:ext cx="3657600" cy="2642760"/>
+          </a:xfrm>
+          <a:prstGeom prst="rect">
+            <a:avLst/>
+          </a:prstGeom>
+          <a:ln w="0">
+            <a:noFill/>
+          </a:ln>
+        </p:spPr>
+      </p:pic>
+      <p:sp>
+        <p:nvSpPr>
+          <p:cNvPr id="4" name="PlaceHolder 3"/>
+          <p:cNvSpPr>
+            <a:spLocks noGrp="1"/>
+          </p:cNvSpPr>
+          <p:nvPr>
+            <p:ph type="sldNum" idx="2"/>
+          </p:nvPr>
+        </p:nvSpPr>
+        <p:spPr/>
+        <p:txBody>
+          <a:bodyPr/>
+          <a:p>
+            <a:fld id="{748A3B1D-496A-4076-A854-D23E573F72B8}" type="slidenum">
+              <a:t>27</a:t>
+            </a:fld>
+          </a:p>
+        </p:txBody>
+      </p:sp>
+      <p:sp>
+        <p:nvSpPr>
+          <p:cNvPr id="5" name="PlaceHolder 4"/>
+          <p:cNvSpPr>
+            <a:spLocks noGrp="1"/>
+          </p:cNvSpPr>
+          <p:nvPr>
+            <p:ph type="dt" idx="3"/>
+          </p:nvPr>
+        </p:nvSpPr>
+        <p:spPr/>
+        <p:txBody>
+          <a:bodyPr/>
+          <a:p>
+            <a:fld id="{FC258502-F227-4197-BC02-F761C7694A6A}" type="datetime1">
               <a:rPr lang="en-US"/>
               <a:t>01/07/2024</a:t>
             </a:fld>
@@ -5470,7 +8847,7 @@
         <p:spPr>
           <a:xfrm>
             <a:off x="360000" y="180000"/>
-            <a:ext cx="9360000" cy="478080"/>
+            <a:ext cx="9359640" cy="477720"/>
           </a:xfrm>
           <a:prstGeom prst="rect">
             <a:avLst/>
@@ -5486,10 +8863,13 @@
           </a:bodyPr>
           <a:p>
             <a:pPr algn="ctr">
+              <a:lnSpc>
+                <a:spcPct val="100000"/>
+              </a:lnSpc>
               <a:buNone/>
             </a:pPr>
             <a:r>
-              <a:rPr b="0" lang="en-US" sz="3300" spc="-1" strike="noStrike">
+              <a:rPr b="0" lang="zxx" sz="3300" spc="-1" strike="noStrike">
                 <a:solidFill>
                   <a:srgbClr val="ffffff"/>
                 </a:solidFill>
@@ -5497,10 +8877,7 @@
               </a:rPr>
               <a:t>Testowane operacje</a:t>
             </a:r>
-            <a:endParaRPr b="0" lang="en-US" sz="3300" spc="-1" strike="noStrike">
-              <a:solidFill>
-                <a:srgbClr val="ffffff"/>
-              </a:solidFill>
+            <a:endParaRPr b="0" lang="zxx" sz="3300" spc="-1" strike="noStrike">
               <a:latin typeface="Arial"/>
             </a:endParaRPr>
           </a:p>
@@ -5519,7 +8896,7 @@
         <p:spPr>
           <a:xfrm>
             <a:off x="360000" y="1080000"/>
-            <a:ext cx="9360000" cy="3600000"/>
+            <a:ext cx="9359640" cy="3599640"/>
           </a:xfrm>
           <a:prstGeom prst="rect">
             <a:avLst/>
@@ -5534,7 +8911,10 @@
             <a:noAutofit/>
           </a:bodyPr>
           <a:p>
-            <a:pPr marL="432000" indent="-324000">
+            <a:pPr marL="432000" indent="-324000" algn="just">
+              <a:lnSpc>
+                <a:spcPct val="100000"/>
+              </a:lnSpc>
               <a:spcBef>
                 <a:spcPts val="1060"/>
               </a:spcBef>
@@ -5552,26 +8932,17 @@
                 </a:solidFill>
                 <a:latin typeface="Arial"/>
               </a:rPr>
-              <a:t>Operacje, jakie wykonano na obu strukturach, a potem </a:t>
-            </a:r>
-            <a:r>
-              <a:rPr b="0" lang="en-US" sz="2400" spc="-1" strike="noStrike">
-                <a:solidFill>
-                  <a:srgbClr val="009bdd"/>
-                </a:solidFill>
-                <a:latin typeface="Arial"/>
-              </a:rPr>
-              <a:t>porównano, to:</a:t>
-            </a:r>
-            <a:endParaRPr b="0" lang="en-US" sz="2400" spc="-1" strike="noStrike">
-              <a:solidFill>
-                <a:srgbClr val="009bdd"/>
-              </a:solidFill>
-              <a:latin typeface="Arial"/>
-            </a:endParaRPr>
-          </a:p>
-          <a:p>
-            <a:pPr marL="432000" indent="-324000">
+              <a:t>Operacje, jakie wykonano na obu strukturach, a potem porównano, to:</a:t>
+            </a:r>
+            <a:endParaRPr b="0" lang="zxx" sz="2400" spc="-1" strike="noStrike">
+              <a:latin typeface="Arial"/>
+            </a:endParaRPr>
+          </a:p>
+          <a:p>
+            <a:pPr marL="432000" indent="-324000" algn="just">
+              <a:lnSpc>
+                <a:spcPct val="100000"/>
+              </a:lnSpc>
               <a:spcBef>
                 <a:spcPts val="1060"/>
               </a:spcBef>
@@ -5589,26 +8960,17 @@
                 </a:solidFill>
                 <a:latin typeface="Arial"/>
               </a:rPr>
-              <a:t>Wyznaczanie 1- I 2-warstwowego otoczenia wierzchołka, </a:t>
-            </a:r>
-            <a:r>
-              <a:rPr b="0" lang="en-US" sz="2400" spc="-1" strike="noStrike">
-                <a:solidFill>
-                  <a:srgbClr val="009bdd"/>
-                </a:solidFill>
-                <a:latin typeface="Arial"/>
-              </a:rPr>
-              <a:t>składającego się z sąsiednich wierzchołków.</a:t>
-            </a:r>
-            <a:endParaRPr b="0" lang="en-US" sz="2400" spc="-1" strike="noStrike">
-              <a:solidFill>
-                <a:srgbClr val="009bdd"/>
-              </a:solidFill>
-              <a:latin typeface="Arial"/>
-            </a:endParaRPr>
-          </a:p>
-          <a:p>
-            <a:pPr marL="432000" indent="-324000">
+              <a:t>Wyznaczanie 1- i 2-warstwowego otoczenia wierzchołka, składającego się z sąsiednich wierzchołków.</a:t>
+            </a:r>
+            <a:endParaRPr b="0" lang="zxx" sz="2400" spc="-1" strike="noStrike">
+              <a:latin typeface="Arial"/>
+            </a:endParaRPr>
+          </a:p>
+          <a:p>
+            <a:pPr marL="432000" indent="-324000" algn="just">
+              <a:lnSpc>
+                <a:spcPct val="100000"/>
+              </a:lnSpc>
               <a:spcBef>
                 <a:spcPts val="1060"/>
               </a:spcBef>
@@ -5626,26 +8988,17 @@
                 </a:solidFill>
                 <a:latin typeface="Arial"/>
               </a:rPr>
-              <a:t>Wyznaczanie 1- I 2-warstwowego otoczenia trójkąta, </a:t>
-            </a:r>
-            <a:r>
-              <a:rPr b="0" lang="en-US" sz="2400" spc="-1" strike="noStrike">
-                <a:solidFill>
-                  <a:srgbClr val="009bdd"/>
-                </a:solidFill>
-                <a:latin typeface="Arial"/>
-              </a:rPr>
-              <a:t>składającego się z sąsiednich trójkątów.</a:t>
-            </a:r>
-            <a:endParaRPr b="0" lang="en-US" sz="2400" spc="-1" strike="noStrike">
-              <a:solidFill>
-                <a:srgbClr val="009bdd"/>
-              </a:solidFill>
-              <a:latin typeface="Arial"/>
-            </a:endParaRPr>
-          </a:p>
-          <a:p>
-            <a:pPr marL="432000" indent="-324000">
+              <a:t>Wyznaczanie 1- i 2-warstwowego otoczenia trójkąta, składającego się z sąsiednich trójkątów.</a:t>
+            </a:r>
+            <a:endParaRPr b="0" lang="zxx" sz="2400" spc="-1" strike="noStrike">
+              <a:latin typeface="Arial"/>
+            </a:endParaRPr>
+          </a:p>
+          <a:p>
+            <a:pPr marL="432000" indent="-324000" algn="just">
+              <a:lnSpc>
+                <a:spcPct val="100000"/>
+              </a:lnSpc>
               <a:spcBef>
                 <a:spcPts val="1060"/>
               </a:spcBef>
@@ -5663,21 +9016,9 @@
                 </a:solidFill>
                 <a:latin typeface="Arial"/>
               </a:rPr>
-              <a:t>Przeszukiwanie sąsiednich trójkątów w poszukiwaniu wybranego </a:t>
-            </a:r>
-            <a:r>
-              <a:rPr b="0" lang="en-US" sz="2400" spc="-1" strike="noStrike">
-                <a:solidFill>
-                  <a:srgbClr val="009bdd"/>
-                </a:solidFill>
-                <a:latin typeface="Arial"/>
-              </a:rPr>
-              <a:t>wierzchołka, zaczynając od wybranego trójkąta.</a:t>
-            </a:r>
-            <a:endParaRPr b="0" lang="en-US" sz="2400" spc="-1" strike="noStrike">
-              <a:solidFill>
-                <a:srgbClr val="009bdd"/>
-              </a:solidFill>
+              <a:t>Przeszukiwanie sąsiednich trójkątów w poszukiwaniu wybranego wierzchołka, zaczynając od wybranego trójkąta.</a:t>
+            </a:r>
+            <a:endParaRPr b="0" lang="zxx" sz="2400" spc="-1" strike="noStrike">
               <a:latin typeface="Arial"/>
             </a:endParaRPr>
           </a:p>
@@ -5690,14 +9031,14 @@
             <a:spLocks noGrp="1"/>
           </p:cNvSpPr>
           <p:nvPr>
-            <p:ph type="sldNum" idx="3"/>
+            <p:ph type="sldNum" idx="2"/>
           </p:nvPr>
         </p:nvSpPr>
         <p:spPr/>
         <p:txBody>
           <a:bodyPr/>
           <a:p>
-            <a:fld id="{DA307518-AA08-4AC5-8FFD-FB6589BC5F2D}" type="slidenum">
+            <a:fld id="{FAB5D901-4614-439F-9DCD-E2F12E8A8DFF}" type="slidenum">
               <a:t>3</a:t>
             </a:fld>
           </a:p>
@@ -5710,14 +9051,14 @@
             <a:spLocks noGrp="1"/>
           </p:cNvSpPr>
           <p:nvPr>
-            <p:ph type="dt" idx="1"/>
+            <p:ph type="dt" idx="3"/>
           </p:nvPr>
         </p:nvSpPr>
         <p:spPr/>
         <p:txBody>
           <a:bodyPr/>
           <a:p>
-            <a:fld id="{B288BCB4-2CEA-47C6-9CC8-B080911B8B29}" type="datetime1">
+            <a:fld id="{C9ADB031-9C6B-4AA0-936F-C90DA5591184}" type="datetime1">
               <a:rPr lang="en-US"/>
               <a:t>01/07/2024</a:t>
             </a:fld>
@@ -5767,7 +9108,7 @@
         <p:spPr>
           <a:xfrm>
             <a:off x="360000" y="180000"/>
-            <a:ext cx="9360000" cy="478080"/>
+            <a:ext cx="9359640" cy="477720"/>
           </a:xfrm>
           <a:prstGeom prst="rect">
             <a:avLst/>
@@ -5783,21 +9124,21 @@
           </a:bodyPr>
           <a:p>
             <a:pPr algn="ctr">
+              <a:lnSpc>
+                <a:spcPct val="100000"/>
+              </a:lnSpc>
               <a:buNone/>
             </a:pPr>
             <a:r>
-              <a:rPr b="0" lang="en-US" sz="3300" spc="-1" strike="noStrike">
+              <a:rPr b="0" lang="zxx" sz="3300" spc="-1" strike="noStrike">
                 <a:solidFill>
                   <a:srgbClr val="ffffff"/>
                 </a:solidFill>
                 <a:latin typeface="Arial"/>
               </a:rPr>
-              <a:t>Prosta struktura, 1. operacja</a:t>
-            </a:r>
-            <a:endParaRPr b="0" lang="en-US" sz="3300" spc="-1" strike="noStrike">
-              <a:solidFill>
-                <a:srgbClr val="ffffff"/>
-              </a:solidFill>
+              <a:t>Przyjęte założenia</a:t>
+            </a:r>
+            <a:endParaRPr b="0" lang="zxx" sz="3300" spc="-1" strike="noStrike">
               <a:latin typeface="Arial"/>
             </a:endParaRPr>
           </a:p>
@@ -5810,13 +9151,13 @@
             <a:spLocks noGrp="1"/>
           </p:cNvSpPr>
           <p:nvPr>
-            <p:ph/>
+            <p:ph type="subTitle"/>
           </p:nvPr>
         </p:nvSpPr>
         <p:spPr>
           <a:xfrm>
             <a:off x="360000" y="1080000"/>
-            <a:ext cx="9360000" cy="3600000"/>
+            <a:ext cx="9359640" cy="3599640"/>
           </a:xfrm>
           <a:prstGeom prst="rect">
             <a:avLst/>
@@ -5831,13 +9172,89 @@
             <a:noAutofit/>
           </a:bodyPr>
           <a:p>
-            <a:endParaRPr b="0" lang="en-US" sz="2400" spc="-1" strike="noStrike">
+            <a:pPr marL="429840" indent="-320040" algn="just">
+              <a:spcBef>
+                <a:spcPts val="1080"/>
+              </a:spcBef>
+              <a:buClr>
+                <a:srgbClr val="77caee"/>
+              </a:buClr>
+              <a:buSzPct val="45000"/>
+              <a:buFont typeface="Wingdings" charset="2"/>
+              <a:buChar char=""/>
+            </a:pPr>
+            <a:r>
+              <a:rPr b="0" lang="zxx" sz="2400" spc="-1" strike="noStrike">
+                <a:solidFill>
+                  <a:srgbClr val="009bdd"/>
+                </a:solidFill>
+                <a:latin typeface="Arial"/>
+              </a:rPr>
+              <a:t>Siatka to pewna triangulacja w 2D.</a:t>
+            </a:r>
+            <a:endParaRPr b="0" lang="zxx" sz="2400" spc="-1" strike="noStrike">
               <a:solidFill>
                 <a:srgbClr val="009bdd"/>
               </a:solidFill>
               <a:latin typeface="Arial"/>
             </a:endParaRPr>
           </a:p>
+          <a:p>
+            <a:pPr marL="429840" indent="-320040" algn="just">
+              <a:spcBef>
+                <a:spcPts val="1080"/>
+              </a:spcBef>
+              <a:buClr>
+                <a:srgbClr val="77caee"/>
+              </a:buClr>
+              <a:buSzPct val="45000"/>
+              <a:buFont typeface="Wingdings" charset="2"/>
+              <a:buChar char=""/>
+            </a:pPr>
+            <a:r>
+              <a:rPr b="0" lang="zxx" sz="2400" spc="-1" strike="noStrike">
+                <a:solidFill>
+                  <a:srgbClr val="009bdd"/>
+                </a:solidFill>
+                <a:latin typeface="Arial"/>
+              </a:rPr>
+              <a:t>Przy trzeciej operacji (poszukiwaniu wierzchołka) nie użyto żadnych heurystyk, przechodzi się po prostu przez kolejne warstwy trójkątów.</a:t>
+            </a:r>
+            <a:endParaRPr b="0" lang="zxx" sz="2400" spc="-1" strike="noStrike">
+              <a:solidFill>
+                <a:srgbClr val="009bdd"/>
+              </a:solidFill>
+              <a:latin typeface="Arial"/>
+            </a:endParaRPr>
+          </a:p>
+          <a:p>
+            <a:pPr marL="429840" indent="-320040" algn="just">
+              <a:spcBef>
+                <a:spcPts val="1080"/>
+              </a:spcBef>
+              <a:buClr>
+                <a:srgbClr val="77caee"/>
+              </a:buClr>
+              <a:buSzPct val="45000"/>
+              <a:buFont typeface="Wingdings" charset="2"/>
+              <a:buChar char=""/>
+            </a:pPr>
+            <a:r>
+              <a:rPr b="0" lang="zxx" sz="2400" spc="-1" strike="noStrike">
+                <a:solidFill>
+                  <a:srgbClr val="009bdd"/>
+                </a:solidFill>
+                <a:latin typeface="Arial"/>
+              </a:rPr>
+              <a:t>Siatka nie może mieć dziur w środku, bo to znacznie utrudnia implementację Half Edge.</a:t>
+            </a:r>
+            <a:endParaRPr b="0" lang="zxx" sz="2400" spc="-1" strike="noStrike">
+              <a:solidFill>
+                <a:srgbClr val="009bdd"/>
+              </a:solidFill>
+              <a:latin typeface="Arial"/>
+            </a:endParaRPr>
+          </a:p>
         </p:txBody>
       </p:sp>
       <p:sp>
@@ -5847,14 +9264,14 @@
             <a:spLocks noGrp="1"/>
           </p:cNvSpPr>
           <p:nvPr>
-            <p:ph type="sldNum" idx="3"/>
+            <p:ph type="sldNum" idx="2"/>
           </p:nvPr>
         </p:nvSpPr>
         <p:spPr/>
         <p:txBody>
           <a:bodyPr/>
           <a:p>
-            <a:fld id="{449D9CE0-BE80-4102-9B56-5E213672E741}" type="slidenum">
+            <a:fld id="{C3DB3F4F-8547-4C16-8B4A-C7B1C2171777}" type="slidenum">
               <a:t>4</a:t>
             </a:fld>
           </a:p>
@@ -5867,14 +9284,14 @@
             <a:spLocks noGrp="1"/>
           </p:cNvSpPr>
           <p:nvPr>
-            <p:ph type="dt" idx="1"/>
+            <p:ph type="dt" idx="3"/>
           </p:nvPr>
         </p:nvSpPr>
         <p:spPr/>
         <p:txBody>
           <a:bodyPr/>
           <a:p>
-            <a:fld id="{64F23A01-3397-4960-8B25-53484722126B}" type="datetime1">
+            <a:fld id="{A221D570-658F-4D3F-A879-D2AF6E55AB81}" type="datetime1">
               <a:rPr lang="en-US"/>
               <a:t>01/07/2024</a:t>
             </a:fld>
@@ -5924,7 +9341,7 @@
         <p:spPr>
           <a:xfrm>
             <a:off x="360000" y="180000"/>
-            <a:ext cx="9360000" cy="478080"/>
+            <a:ext cx="9359640" cy="477720"/>
           </a:xfrm>
           <a:prstGeom prst="rect">
             <a:avLst/>
@@ -5940,6 +9357,9 @@
           </a:bodyPr>
           <a:p>
             <a:pPr algn="ctr">
+              <a:lnSpc>
+                <a:spcPct val="100000"/>
+              </a:lnSpc>
               <a:buNone/>
             </a:pPr>
             <a:r>
@@ -5949,12 +9369,9 @@
                 </a:solidFill>
                 <a:latin typeface="Arial"/>
               </a:rPr>
-              <a:t>Struktura Half Edge</a:t>
+              <a:t>Prosta struktura, 1. operacja</a:t>
             </a:r>
             <a:endParaRPr b="0" lang="zxx" sz="3300" spc="-1" strike="noStrike">
-              <a:solidFill>
-                <a:srgbClr val="ffffff"/>
-              </a:solidFill>
               <a:latin typeface="Arial"/>
             </a:endParaRPr>
           </a:p>
@@ -5973,7 +9390,7 @@
         <p:spPr>
           <a:xfrm>
             <a:off x="360000" y="1080000"/>
-            <a:ext cx="9360000" cy="3600000"/>
+            <a:ext cx="9359640" cy="3599640"/>
           </a:xfrm>
           <a:prstGeom prst="rect">
             <a:avLst/>
@@ -5988,16 +9405,11 @@
             <a:noAutofit/>
           </a:bodyPr>
           <a:p>
-            <a:pPr marL="432000" indent="-324000">
+            <a:pPr algn="just">
               <a:spcBef>
-                <a:spcPts val="1060"/>
+                <a:spcPts val="1417"/>
               </a:spcBef>
-              <a:buClr>
-                <a:srgbClr val="77caee"/>
-              </a:buClr>
-              <a:buSzPct val="45000"/>
-              <a:buFont typeface="Wingdings" charset="2"/>
-              <a:buChar char=""/>
+              <a:buNone/>
             </a:pPr>
             <a:r>
               <a:rPr b="0" lang="zxx" sz="2400" spc="-1" strike="noStrike">
@@ -6005,8 +9417,9 @@
                   <a:srgbClr val="009bdd"/>
                 </a:solidFill>
                 <a:latin typeface="Arial"/>
+                <a:ea typeface="Noto Sans CJK SC"/>
               </a:rPr>
-              <a:t>Struktura Half Edge (lub też Double Connected Edge List) dzieli każdą nieskierowaną krawędź na dwie skierowane.</a:t>
+              <a:t>Funkcja rozpoczyna się od inicjalizacji dwóch zbiorów do przechowywania incydentnych wierzchołków na pierwszej warstwie i wierzchołków na drugiej warstwie. Następnie algorytm iteruje przez wszystkie trójkąty w triangulacji. Jeśli wierzchołek v należy do trójkąta, to funkcja dodaje wszystkie wierzchołki tego trójkąta do piewszego zbioru (z wyłączeniem v). Dla każdego wierzchołka z pierwszego zbioru, funkcja iteruje ponownie przez wszystkie trójkąty w triangulacji. Jeśli sąsiedni wierzchołek nie należy do trójkąta i v nie należy do trójkąta, to dodaje wierzchołki tego trójkąta do drugiego zbioru.</a:t>
             </a:r>
             <a:endParaRPr b="0" lang="zxx" sz="2400" spc="-1" strike="noStrike">
               <a:solidFill>
@@ -6015,90 +9428,6 @@
               <a:latin typeface="Arial"/>
             </a:endParaRPr>
           </a:p>
-          <a:p>
-            <a:pPr marL="432000" indent="-324000">
-              <a:spcBef>
-                <a:spcPts val="1060"/>
-              </a:spcBef>
-              <a:buClr>
-                <a:srgbClr val="77caee"/>
-              </a:buClr>
-              <a:buSzPct val="45000"/>
-              <a:buFont typeface="Wingdings" charset="2"/>
-              <a:buChar char=""/>
-            </a:pPr>
-            <a:r>
-              <a:rPr b="0" lang="zxx" sz="2400" spc="-1" strike="noStrike">
-                <a:solidFill>
-                  <a:srgbClr val="009bdd"/>
-                </a:solidFill>
-                <a:latin typeface="Arial"/>
-              </a:rPr>
-              <a:t>Każda taka krawędź ma wskaźnik do drugiej krawędzi z pary.</a:t>
-            </a:r>
-            <a:endParaRPr b="0" lang="zxx" sz="2400" spc="-1" strike="noStrike">
-              <a:solidFill>
-                <a:srgbClr val="009bdd"/>
-              </a:solidFill>
-              <a:latin typeface="Arial"/>
-            </a:endParaRPr>
-          </a:p>
-          <a:p>
-            <a:pPr marL="432000" indent="-324000">
-              <a:spcBef>
-                <a:spcPts val="1060"/>
-              </a:spcBef>
-              <a:buClr>
-                <a:srgbClr val="77caee"/>
-              </a:buClr>
-              <a:buSzPct val="45000"/>
-              <a:buFont typeface="Wingdings" charset="2"/>
-              <a:buChar char=""/>
-            </a:pPr>
-            <a:r>
-              <a:rPr b="0" lang="zxx" sz="2400" spc="-1" strike="noStrike">
-                <a:solidFill>
-                  <a:srgbClr val="009bdd"/>
-                </a:solidFill>
-                <a:latin typeface="Arial"/>
-              </a:rPr>
-              <a:t>Poza tym, każda krawędź wskaźnik na następną oraz poprzednią krawędź należącą do trójkąta – trzy kolejne krawędzie tworzą cykl.</a:t>
-            </a:r>
-            <a:endParaRPr b="0" lang="zxx" sz="2400" spc="-1" strike="noStrike">
-              <a:solidFill>
-                <a:srgbClr val="009bdd"/>
-              </a:solidFill>
-              <a:latin typeface="Arial"/>
-            </a:endParaRPr>
-          </a:p>
-          <a:p>
-            <a:pPr marL="432000" indent="-324000">
-              <a:spcBef>
-                <a:spcPts val="1060"/>
-              </a:spcBef>
-              <a:buClr>
-                <a:srgbClr val="77caee"/>
-              </a:buClr>
-              <a:buSzPct val="45000"/>
-              <a:buFont typeface="Wingdings" charset="2"/>
-              <a:buChar char=""/>
-            </a:pPr>
-            <a:r>
-              <a:rPr b="0" lang="zxx" sz="2400" spc="-1" strike="noStrike">
-                <a:solidFill>
-                  <a:srgbClr val="009bdd"/>
-                </a:solidFill>
-                <a:latin typeface="Arial"/>
-              </a:rPr>
-              <a:t>Krawędź zawiera też indeks wierzchołka, z którego wychodzi, a także indeks trójkąta, z którym sąsiaduje (lub None, jeśli z żadnym)</a:t>
-            </a:r>
-            <a:endParaRPr b="0" lang="zxx" sz="2400" spc="-1" strike="noStrike">
-              <a:solidFill>
-                <a:srgbClr val="009bdd"/>
-              </a:solidFill>
-              <a:latin typeface="Arial"/>
-            </a:endParaRPr>
-          </a:p>
         </p:txBody>
       </p:sp>
       <p:sp>
@@ -6108,14 +9437,14 @@
             <a:spLocks noGrp="1"/>
           </p:cNvSpPr>
           <p:nvPr>
-            <p:ph type="sldNum" idx="3"/>
+            <p:ph type="sldNum" idx="2"/>
           </p:nvPr>
         </p:nvSpPr>
         <p:spPr/>
         <p:txBody>
           <a:bodyPr/>
           <a:p>
-            <a:fld id="{79A76F2C-43CD-4635-ACB9-E4386B36A2B0}" type="slidenum">
+            <a:fld id="{4C7712B6-AD2B-4801-BA3E-CF068AFA2B86}" type="slidenum">
               <a:t>5</a:t>
             </a:fld>
           </a:p>
@@ -6128,14 +9457,14 @@
             <a:spLocks noGrp="1"/>
           </p:cNvSpPr>
           <p:nvPr>
-            <p:ph type="dt" idx="1"/>
+            <p:ph type="dt" idx="3"/>
           </p:nvPr>
         </p:nvSpPr>
         <p:spPr/>
         <p:txBody>
           <a:bodyPr/>
           <a:p>
-            <a:fld id="{9A69E8DF-89E1-46FB-8D92-64D1BA5736F8}" type="datetime1">
+            <a:fld id="{E6C58E06-A6BD-469A-AA5F-BD8F9B8092A7}" type="datetime1">
               <a:rPr lang="en-US"/>
               <a:t>01/07/2024</a:t>
             </a:fld>
@@ -6185,7 +9514,7 @@
         <p:spPr>
           <a:xfrm>
             <a:off x="360000" y="180000"/>
-            <a:ext cx="9360000" cy="478080"/>
+            <a:ext cx="9359640" cy="477720"/>
           </a:xfrm>
           <a:prstGeom prst="rect">
             <a:avLst/>
@@ -6201,6 +9530,9 @@
           </a:bodyPr>
           <a:p>
             <a:pPr algn="ctr">
+              <a:lnSpc>
+                <a:spcPct val="100000"/>
+              </a:lnSpc>
               <a:buNone/>
             </a:pPr>
             <a:r>
@@ -6210,12 +9542,9 @@
                 </a:solidFill>
                 <a:latin typeface="Arial"/>
               </a:rPr>
-              <a:t>Struktura Half Edge</a:t>
+              <a:t>Prosta struktura, 1. operacja</a:t>
             </a:r>
             <a:endParaRPr b="0" lang="zxx" sz="3300" spc="-1" strike="noStrike">
-              <a:solidFill>
-                <a:srgbClr val="ffffff"/>
-              </a:solidFill>
               <a:latin typeface="Arial"/>
             </a:endParaRPr>
           </a:p>
@@ -6233,13 +9562,13 @@
         </p:blipFill>
         <p:spPr>
           <a:xfrm>
-            <a:off x="2553120" y="949680"/>
-            <a:ext cx="5038200" cy="3800160"/>
-          </a:xfrm>
-          <a:prstGeom prst="rect">
-            <a:avLst/>
-          </a:prstGeom>
-          <a:ln w="18000">
+            <a:off x="2390400" y="956160"/>
+            <a:ext cx="5341680" cy="4076640"/>
+          </a:xfrm>
+          <a:prstGeom prst="rect">
+            <a:avLst/>
+          </a:prstGeom>
+          <a:ln w="0">
             <a:noFill/>
           </a:ln>
         </p:spPr>
@@ -6251,14 +9580,14 @@
             <a:spLocks noGrp="1"/>
           </p:cNvSpPr>
           <p:nvPr>
-            <p:ph type="sldNum" idx="3"/>
+            <p:ph type="sldNum" idx="2"/>
           </p:nvPr>
         </p:nvSpPr>
         <p:spPr/>
         <p:txBody>
           <a:bodyPr/>
           <a:p>
-            <a:fld id="{D76AB363-B5F6-405D-A8B0-F7EEFFDE4B86}" type="slidenum">
+            <a:fld id="{DA108898-2FB2-4478-8F13-CE9B85BC8E9C}" type="slidenum">
               <a:t>6</a:t>
             </a:fld>
           </a:p>
@@ -6271,14 +9600,14 @@
             <a:spLocks noGrp="1"/>
           </p:cNvSpPr>
           <p:nvPr>
-            <p:ph type="dt" idx="1"/>
+            <p:ph type="dt" idx="3"/>
           </p:nvPr>
         </p:nvSpPr>
         <p:spPr/>
         <p:txBody>
           <a:bodyPr/>
           <a:p>
-            <a:fld id="{BBB74E84-A055-4D32-A1D6-A997D0B5F16B}" type="datetime1">
+            <a:fld id="{79AA9CC5-929A-4901-9F8B-3ADDFEDAD46A}" type="datetime1">
               <a:rPr lang="en-US"/>
               <a:t>01/07/2024</a:t>
             </a:fld>
@@ -6328,7 +9657,7 @@
         <p:spPr>
           <a:xfrm>
             <a:off x="360000" y="180000"/>
-            <a:ext cx="9360000" cy="478080"/>
+            <a:ext cx="9359640" cy="477720"/>
           </a:xfrm>
           <a:prstGeom prst="rect">
             <a:avLst/>
@@ -6344,12 +9673,21 @@
           </a:bodyPr>
           <a:p>
             <a:pPr algn="ctr">
+              <a:lnSpc>
+                <a:spcPct val="100000"/>
+              </a:lnSpc>
               <a:buNone/>
             </a:pPr>
-            <a:endParaRPr b="0" lang="en-US" sz="3300" spc="-1" strike="noStrike">
-              <a:solidFill>
-                <a:srgbClr val="ffffff"/>
-              </a:solidFill>
+            <a:r>
+              <a:rPr b="0" lang="zxx" sz="3300" spc="-1" strike="noStrike">
+                <a:solidFill>
+                  <a:srgbClr val="ffffff"/>
+                </a:solidFill>
+                <a:latin typeface="Arial"/>
+              </a:rPr>
+              <a:t>Prosta struktura, 2. operacja</a:t>
+            </a:r>
+            <a:endParaRPr b="0" lang="zxx" sz="3300" spc="-1" strike="noStrike">
               <a:latin typeface="Arial"/>
             </a:endParaRPr>
           </a:p>
@@ -6362,13 +9700,13 @@
             <a:spLocks noGrp="1"/>
           </p:cNvSpPr>
           <p:nvPr>
-            <p:ph/>
+            <p:ph type="subTitle"/>
           </p:nvPr>
         </p:nvSpPr>
         <p:spPr>
           <a:xfrm>
             <a:off x="360000" y="1080000"/>
-            <a:ext cx="9360000" cy="3600000"/>
+            <a:ext cx="9359640" cy="3599640"/>
           </a:xfrm>
           <a:prstGeom prst="rect">
             <a:avLst/>
@@ -6383,7 +9721,20 @@
             <a:noAutofit/>
           </a:bodyPr>
           <a:p>
-            <a:endParaRPr b="0" lang="en-US" sz="2400" spc="-1" strike="noStrike">
+            <a:pPr algn="just">
+              <a:buNone/>
+            </a:pPr>
+            <a:r>
+              <a:rPr b="0" lang="zxx" sz="2400" spc="-1" strike="noStrike">
+                <a:solidFill>
+                  <a:srgbClr val="009bdd"/>
+                </a:solidFill>
+                <a:latin typeface="Arial"/>
+                <a:ea typeface="Noto Sans CJK SC"/>
+              </a:rPr>
+              <a:t>Funkcja  służy do znajdowania sąsiednich trójkątów dla danego trójkąta w triangulacji. Algorytm inicjalizuje dwa zbiory: pierwszy dla jednowarstwowych sąsiadów i drugi dla dwuwarstwowych sąsiadów. Algorytm Iteruje przez wszystkie trójkąty w triangulacji. Jeśli trójkąt nie jest równy trójkątowi t i sąsiaduje z nim (co jest sprawdzane za pomocą osobnej funkcji), to dodaje go do pierwszego zbioru. Dla każdego trójkąta z pierwszego zbioru, iteruje ponownie przez wszystkie trójkąty w triangulacji. Jeśli trójkąt nie jest równy ani trójkątowi t, ani trójkątowi z pierwszego zbioru, i sąsiaduje z tym trójkątem, to dodaje go do drugiego zbioru. </a:t>
+            </a:r>
+            <a:endParaRPr b="0" lang="zxx" sz="2400" spc="-1" strike="noStrike">
               <a:solidFill>
                 <a:srgbClr val="009bdd"/>
               </a:solidFill>
@@ -6399,14 +9750,14 @@
             <a:spLocks noGrp="1"/>
           </p:cNvSpPr>
           <p:nvPr>
-            <p:ph type="sldNum" idx="3"/>
+            <p:ph type="sldNum" idx="2"/>
           </p:nvPr>
         </p:nvSpPr>
         <p:spPr/>
         <p:txBody>
           <a:bodyPr/>
           <a:p>
-            <a:fld id="{08B000CC-83C5-4A29-8619-A448435EEE61}" type="slidenum">
+            <a:fld id="{FFEA7C4B-E62D-4282-9051-81990880D070}" type="slidenum">
               <a:t>7</a:t>
             </a:fld>
           </a:p>
@@ -6419,14 +9770,327 @@
             <a:spLocks noGrp="1"/>
           </p:cNvSpPr>
           <p:nvPr>
-            <p:ph type="dt" idx="1"/>
+            <p:ph type="dt" idx="3"/>
           </p:nvPr>
         </p:nvSpPr>
         <p:spPr/>
         <p:txBody>
           <a:bodyPr/>
           <a:p>
-            <a:fld id="{341BC38E-AB64-4720-815D-7A36D42DBBE2}" type="datetime1">
+            <a:fld id="{F987381E-8C87-4C4A-AC35-841D8D529FBF}" type="datetime1">
+              <a:rPr lang="en-US"/>
+              <a:t>01/07/2024</a:t>
+            </a:fld>
+          </a:p>
+        </p:txBody>
+      </p:sp>
+    </p:spTree>
+  </p:cSld>
+  <mc:AlternateContent>
+    <mc:Choice Requires="p14">
+      <p:transition spd="slow" p14:dur="2000"/>
+    </mc:Choice>
+    <mc:Fallback>
+      <p:transition spd="slow"/>
+    </mc:Fallback>
+  </mc:AlternateContent>
+</p:sld>
+</file>
+
+<file path=ppt/slides/slide8.xml><?xml version="1.0" encoding="utf-8"?>
+<p:sld xmlns:a="http://schemas.openxmlformats.org/drawingml/2006/main" xmlns:p="http://schemas.openxmlformats.org/presentationml/2006/main" xmlns:r="http://schemas.openxmlformats.org/officeDocument/2006/relationships" xmlns:p14="http://schemas.microsoft.com/office/powerpoint/2010/main" xmlns:p15="http://schemas.microsoft.com/office/powerpoint/2012/main" xmlns:mc="http://schemas.openxmlformats.org/markup-compatibility/2006">
+  <p:cSld>
+    <p:spTree>
+      <p:nvGrpSpPr>
+        <p:cNvPr id="1" name=""/>
+        <p:cNvGrpSpPr/>
+        <p:nvPr/>
+      </p:nvGrpSpPr>
+      <p:grpSpPr>
+        <a:xfrm>
+          <a:off x="0" y="0"/>
+          <a:ext cx="0" cy="0"/>
+          <a:chOff x="0" y="0"/>
+          <a:chExt cx="0" cy="0"/>
+        </a:xfrm>
+      </p:grpSpPr>
+      <p:sp>
+        <p:nvSpPr>
+          <p:cNvPr id="99" name="PlaceHolder 1"/>
+          <p:cNvSpPr>
+            <a:spLocks noGrp="1"/>
+          </p:cNvSpPr>
+          <p:nvPr>
+            <p:ph type="title"/>
+          </p:nvPr>
+        </p:nvSpPr>
+        <p:spPr>
+          <a:xfrm>
+            <a:off x="360000" y="180000"/>
+            <a:ext cx="9359640" cy="477720"/>
+          </a:xfrm>
+          <a:prstGeom prst="rect">
+            <a:avLst/>
+          </a:prstGeom>
+          <a:noFill/>
+          <a:ln w="0">
+            <a:noFill/>
+          </a:ln>
+        </p:spPr>
+        <p:txBody>
+          <a:bodyPr lIns="0" rIns="0" tIns="0" bIns="0" anchor="ctr">
+            <a:noAutofit/>
+          </a:bodyPr>
+          <a:p>
+            <a:pPr algn="ctr">
+              <a:lnSpc>
+                <a:spcPct val="100000"/>
+              </a:lnSpc>
+              <a:buNone/>
+            </a:pPr>
+            <a:r>
+              <a:rPr b="0" lang="zxx" sz="3300" spc="-1" strike="noStrike">
+                <a:solidFill>
+                  <a:srgbClr val="ffffff"/>
+                </a:solidFill>
+                <a:latin typeface="Arial"/>
+              </a:rPr>
+              <a:t>Prosta struktura, 2. operacja</a:t>
+            </a:r>
+            <a:endParaRPr b="0" lang="zxx" sz="3300" spc="-1" strike="noStrike">
+              <a:latin typeface="Arial"/>
+            </a:endParaRPr>
+          </a:p>
+        </p:txBody>
+      </p:sp>
+      <p:pic>
+        <p:nvPicPr>
+          <p:cNvPr id="100" name="" descr=""/>
+          <p:cNvPicPr/>
+          <p:nvPr/>
+        </p:nvPicPr>
+        <p:blipFill>
+          <a:blip r:embed="rId1"/>
+          <a:stretch/>
+        </p:blipFill>
+        <p:spPr>
+          <a:xfrm>
+            <a:off x="2397960" y="947160"/>
+            <a:ext cx="5326200" cy="4046040"/>
+          </a:xfrm>
+          <a:prstGeom prst="rect">
+            <a:avLst/>
+          </a:prstGeom>
+          <a:ln w="0">
+            <a:noFill/>
+          </a:ln>
+        </p:spPr>
+      </p:pic>
+      <p:sp>
+        <p:nvSpPr>
+          <p:cNvPr id="3" name="PlaceHolder 2"/>
+          <p:cNvSpPr>
+            <a:spLocks noGrp="1"/>
+          </p:cNvSpPr>
+          <p:nvPr>
+            <p:ph type="sldNum" idx="2"/>
+          </p:nvPr>
+        </p:nvSpPr>
+        <p:spPr/>
+        <p:txBody>
+          <a:bodyPr/>
+          <a:p>
+            <a:fld id="{6CD4F984-AC17-45FA-9FF1-9E3922078524}" type="slidenum">
+              <a:t>8</a:t>
+            </a:fld>
+          </a:p>
+        </p:txBody>
+      </p:sp>
+      <p:sp>
+        <p:nvSpPr>
+          <p:cNvPr id="4" name="PlaceHolder 3"/>
+          <p:cNvSpPr>
+            <a:spLocks noGrp="1"/>
+          </p:cNvSpPr>
+          <p:nvPr>
+            <p:ph type="dt" idx="3"/>
+          </p:nvPr>
+        </p:nvSpPr>
+        <p:spPr/>
+        <p:txBody>
+          <a:bodyPr/>
+          <a:p>
+            <a:fld id="{373E6C1C-D2D4-4FD7-AAC6-7A072E7594DF}" type="datetime1">
+              <a:rPr lang="en-US"/>
+              <a:t>01/07/2024</a:t>
+            </a:fld>
+          </a:p>
+        </p:txBody>
+      </p:sp>
+    </p:spTree>
+  </p:cSld>
+  <mc:AlternateContent>
+    <mc:Choice Requires="p14">
+      <p:transition spd="slow" p14:dur="2000"/>
+    </mc:Choice>
+    <mc:Fallback>
+      <p:transition spd="slow"/>
+    </mc:Fallback>
+  </mc:AlternateContent>
+</p:sld>
+</file>
+
+<file path=ppt/slides/slide9.xml><?xml version="1.0" encoding="utf-8"?>
+<p:sld xmlns:a="http://schemas.openxmlformats.org/drawingml/2006/main" xmlns:p="http://schemas.openxmlformats.org/presentationml/2006/main" xmlns:r="http://schemas.openxmlformats.org/officeDocument/2006/relationships" xmlns:p14="http://schemas.microsoft.com/office/powerpoint/2010/main" xmlns:p15="http://schemas.microsoft.com/office/powerpoint/2012/main" xmlns:mc="http://schemas.openxmlformats.org/markup-compatibility/2006">
+  <p:cSld>
+    <p:spTree>
+      <p:nvGrpSpPr>
+        <p:cNvPr id="1" name=""/>
+        <p:cNvGrpSpPr/>
+        <p:nvPr/>
+      </p:nvGrpSpPr>
+      <p:grpSpPr>
+        <a:xfrm>
+          <a:off x="0" y="0"/>
+          <a:ext cx="0" cy="0"/>
+          <a:chOff x="0" y="0"/>
+          <a:chExt cx="0" cy="0"/>
+        </a:xfrm>
+      </p:grpSpPr>
+      <p:sp>
+        <p:nvSpPr>
+          <p:cNvPr id="101" name="PlaceHolder 1"/>
+          <p:cNvSpPr>
+            <a:spLocks noGrp="1"/>
+          </p:cNvSpPr>
+          <p:nvPr>
+            <p:ph type="title"/>
+          </p:nvPr>
+        </p:nvSpPr>
+        <p:spPr>
+          <a:xfrm>
+            <a:off x="360000" y="180000"/>
+            <a:ext cx="9359640" cy="477720"/>
+          </a:xfrm>
+          <a:prstGeom prst="rect">
+            <a:avLst/>
+          </a:prstGeom>
+          <a:noFill/>
+          <a:ln w="0">
+            <a:noFill/>
+          </a:ln>
+        </p:spPr>
+        <p:txBody>
+          <a:bodyPr lIns="0" rIns="0" tIns="0" bIns="0" anchor="ctr">
+            <a:noAutofit/>
+          </a:bodyPr>
+          <a:p>
+            <a:pPr algn="ctr">
+              <a:lnSpc>
+                <a:spcPct val="100000"/>
+              </a:lnSpc>
+              <a:buNone/>
+            </a:pPr>
+            <a:r>
+              <a:rPr b="0" lang="zxx" sz="3300" spc="-1" strike="noStrike">
+                <a:solidFill>
+                  <a:srgbClr val="ffffff"/>
+                </a:solidFill>
+                <a:latin typeface="Arial"/>
+              </a:rPr>
+              <a:t>Prosta struktura, 3. operacja</a:t>
+            </a:r>
+            <a:endParaRPr b="0" lang="zxx" sz="3300" spc="-1" strike="noStrike">
+              <a:latin typeface="Arial"/>
+            </a:endParaRPr>
+          </a:p>
+        </p:txBody>
+      </p:sp>
+      <p:sp>
+        <p:nvSpPr>
+          <p:cNvPr id="102" name="PlaceHolder 2"/>
+          <p:cNvSpPr>
+            <a:spLocks noGrp="1"/>
+          </p:cNvSpPr>
+          <p:nvPr>
+            <p:ph type="subTitle"/>
+          </p:nvPr>
+        </p:nvSpPr>
+        <p:spPr>
+          <a:xfrm>
+            <a:off x="368280" y="1062000"/>
+            <a:ext cx="9359640" cy="3599640"/>
+          </a:xfrm>
+          <a:prstGeom prst="rect">
+            <a:avLst/>
+          </a:prstGeom>
+          <a:noFill/>
+          <a:ln w="0">
+            <a:noFill/>
+          </a:ln>
+        </p:spPr>
+        <p:txBody>
+          <a:bodyPr lIns="0" rIns="0" tIns="0" bIns="0" anchor="t">
+            <a:noAutofit/>
+          </a:bodyPr>
+          <a:p>
+            <a:pPr algn="just">
+              <a:buNone/>
+            </a:pPr>
+            <a:r>
+              <a:rPr b="0" lang="zxx" sz="2400" spc="-1" strike="noStrike">
+                <a:solidFill>
+                  <a:srgbClr val="009bdd"/>
+                </a:solidFill>
+                <a:latin typeface="Arial"/>
+                <a:ea typeface="Noto Sans CJK SC"/>
+              </a:rPr>
+              <a:t>Algorytm zaczyna od trójkąta Start i zmierza do punktu docelowego Target. Inicjalizuje także zmienną pomocniczą dla trójkąta Current na wartość Start. Następnie wchodzi do pętli, która będzie powtarzana, dopóki Current nie zostanie znalezione, lub zostanie odwiedzony już wcześniej. Jeśli punkt Target znajduje się w trójkącie Current, algorytm zwraca ten trójkąt jako wynik. Dla trójkąta Current znajduje sąsiadujące trójkąty (takie, które mają przynajmniej 2 wspólne wierzchołki z Current). Spośród sąsiadujących trójkątów wybiera te, które nie zostały jeszcze odwiedzone, i ustawia Current na pierwszy z nich. </a:t>
+            </a:r>
+            <a:endParaRPr b="0" lang="zxx" sz="2400" spc="-1" strike="noStrike">
+              <a:solidFill>
+                <a:srgbClr val="009bdd"/>
+              </a:solidFill>
+              <a:latin typeface="Arial"/>
+            </a:endParaRPr>
+          </a:p>
+        </p:txBody>
+      </p:sp>
+      <p:sp>
+        <p:nvSpPr>
+          <p:cNvPr id="4" name="PlaceHolder 3"/>
+          <p:cNvSpPr>
+            <a:spLocks noGrp="1"/>
+          </p:cNvSpPr>
+          <p:nvPr>
+            <p:ph type="sldNum" idx="2"/>
+          </p:nvPr>
+        </p:nvSpPr>
+        <p:spPr/>
+        <p:txBody>
+          <a:bodyPr/>
+          <a:p>
+            <a:fld id="{825C8403-EF4C-42A8-A4FD-8414ED8A1997}" type="slidenum">
+              <a:t>9</a:t>
+            </a:fld>
+          </a:p>
+        </p:txBody>
+      </p:sp>
+      <p:sp>
+        <p:nvSpPr>
+          <p:cNvPr id="5" name="PlaceHolder 4"/>
+          <p:cNvSpPr>
+            <a:spLocks noGrp="1"/>
+          </p:cNvSpPr>
+          <p:nvPr>
+            <p:ph type="dt" idx="3"/>
+          </p:nvPr>
+        </p:nvSpPr>
+        <p:spPr/>
+        <p:txBody>
+          <a:bodyPr/>
+          <a:p>
+            <a:fld id="{E52559EC-3549-4624-81D1-6F1021FB89F5}" type="datetime1">
               <a:rPr lang="en-US"/>
               <a:t>01/07/2024</a:t>
             </a:fld>
